--- a/docs/BFF Akka.pptx
+++ b/docs/BFF Akka.pptx
@@ -1,32 +1,37 @@
 
 <file path=ppt/presentation.xml><?xml version="1.0" encoding="utf-8"?>
-<p:presentation xmlns:a="http://schemas.openxmlformats.org/drawingml/2006/main" xmlns:r="http://schemas.openxmlformats.org/officeDocument/2006/relationships" xmlns:mc="http://schemas.openxmlformats.org/markup-compatibility/2006" xmlns:mv="urn:schemas-microsoft-com:mac:vml" xmlns:p="http://schemas.openxmlformats.org/presentationml/2006/main" xmlns:c="http://schemas.openxmlformats.org/drawingml/2006/chart" xmlns:dgm="http://schemas.openxmlformats.org/drawingml/2006/diagram" xmlns:o="urn:schemas-microsoft-com:office:office" xmlns:v="urn:schemas-microsoft-com:vml" xmlns:pvml="urn:schemas-microsoft-com:office:powerpoint" xmlns:com="http://schemas.openxmlformats.org/drawingml/2006/compatibility" xmlns:p14="http://schemas.microsoft.com/office/powerpoint/2010/main" xmlns:p15="http://schemas.microsoft.com/office/powerpoint/2012/main" xmlns:ahyp="http://schemas.microsoft.com/office/drawing/2018/hyperlinkcolor" autoCompressPictures="0" embedTrueTypeFonts="1" strictFirstAndLastChars="0" saveSubsetFonts="1">
+<p:presentation xmlns:a="http://schemas.openxmlformats.org/drawingml/2006/main" xmlns:r="http://schemas.openxmlformats.org/officeDocument/2006/relationships" xmlns:p="http://schemas.openxmlformats.org/presentationml/2006/main" strictFirstAndLastChars="0" embedTrueTypeFonts="1" saveSubsetFonts="1" autoCompressPictures="0">
   <p:sldMasterIdLst>
-    <p:sldMasterId id="2147483659" r:id="rId4"/>
+    <p:sldMasterId id="2147483659" r:id="rId1"/>
   </p:sldMasterIdLst>
   <p:notesMasterIdLst>
-    <p:notesMasterId r:id="rId5"/>
+    <p:notesMasterId r:id="rId12"/>
   </p:notesMasterIdLst>
   <p:sldIdLst>
-    <p:sldId id="256" r:id="rId6"/>
-    <p:sldId id="257" r:id="rId7"/>
-    <p:sldId id="258" r:id="rId8"/>
-    <p:sldId id="259" r:id="rId9"/>
-    <p:sldId id="260" r:id="rId10"/>
+    <p:sldId id="261" r:id="rId2"/>
+    <p:sldId id="256" r:id="rId3"/>
+    <p:sldId id="257" r:id="rId4"/>
+    <p:sldId id="262" r:id="rId5"/>
+    <p:sldId id="258" r:id="rId6"/>
+    <p:sldId id="259" r:id="rId7"/>
+    <p:sldId id="263" r:id="rId8"/>
+    <p:sldId id="264" r:id="rId9"/>
+    <p:sldId id="265" r:id="rId10"/>
+    <p:sldId id="260" r:id="rId11"/>
   </p:sldIdLst>
-  <p:sldSz cy="5143500" cx="9144000"/>
+  <p:sldSz cx="9144000" cy="5143500" type="screen16x9"/>
   <p:notesSz cx="6858000" cy="9144000"/>
   <p:embeddedFontLst>
     <p:embeddedFont>
-      <p:font typeface="Lato"/>
-      <p:regular r:id="rId11"/>
-      <p:bold r:id="rId12"/>
-      <p:italic r:id="rId13"/>
-      <p:boldItalic r:id="rId14"/>
+      <p:font typeface="Lato" panose="020F0502020204030203" pitchFamily="34" charset="0"/>
+      <p:regular r:id="rId13"/>
+      <p:bold r:id="rId14"/>
+      <p:italic r:id="rId15"/>
+      <p:boldItalic r:id="rId16"/>
     </p:embeddedFont>
   </p:embeddedFontLst>
   <p:defaultTextStyle>
-    <a:defPPr lvl="0" marR="0" rtl="0" algn="l">
+    <a:defPPr marR="0" lvl="0" algn="l" rtl="0">
       <a:lnSpc>
         <a:spcPct val="100000"/>
       </a:lnSpc>
@@ -37,7 +42,7 @@
         <a:spcPts val="0"/>
       </a:spcAft>
     </a:defPPr>
-    <a:lvl1pPr lvl="0" marR="0" rtl="0" algn="l">
+    <a:lvl1pPr marR="0" lvl="0" algn="l" rtl="0">
       <a:lnSpc>
         <a:spcPct val="100000"/>
       </a:lnSpc>
@@ -51,7 +56,7 @@
         <a:srgbClr val="000000"/>
       </a:buClr>
       <a:buFont typeface="Arial"/>
-      <a:defRPr b="0" i="0" sz="1400" u="none" cap="none" strike="noStrike">
+      <a:defRPr sz="1400" b="0" i="0" u="none" strike="noStrike" cap="none">
         <a:solidFill>
           <a:srgbClr val="000000"/>
         </a:solidFill>
@@ -61,7 +66,7 @@
         <a:sym typeface="Arial"/>
       </a:defRPr>
     </a:lvl1pPr>
-    <a:lvl2pPr lvl="1" marR="0" rtl="0" algn="l">
+    <a:lvl2pPr marR="0" lvl="1" algn="l" rtl="0">
       <a:lnSpc>
         <a:spcPct val="100000"/>
       </a:lnSpc>
@@ -75,7 +80,7 @@
         <a:srgbClr val="000000"/>
       </a:buClr>
       <a:buFont typeface="Arial"/>
-      <a:defRPr b="0" i="0" sz="1400" u="none" cap="none" strike="noStrike">
+      <a:defRPr sz="1400" b="0" i="0" u="none" strike="noStrike" cap="none">
         <a:solidFill>
           <a:srgbClr val="000000"/>
         </a:solidFill>
@@ -85,7 +90,7 @@
         <a:sym typeface="Arial"/>
       </a:defRPr>
     </a:lvl2pPr>
-    <a:lvl3pPr lvl="2" marR="0" rtl="0" algn="l">
+    <a:lvl3pPr marR="0" lvl="2" algn="l" rtl="0">
       <a:lnSpc>
         <a:spcPct val="100000"/>
       </a:lnSpc>
@@ -99,7 +104,7 @@
         <a:srgbClr val="000000"/>
       </a:buClr>
       <a:buFont typeface="Arial"/>
-      <a:defRPr b="0" i="0" sz="1400" u="none" cap="none" strike="noStrike">
+      <a:defRPr sz="1400" b="0" i="0" u="none" strike="noStrike" cap="none">
         <a:solidFill>
           <a:srgbClr val="000000"/>
         </a:solidFill>
@@ -109,7 +114,7 @@
         <a:sym typeface="Arial"/>
       </a:defRPr>
     </a:lvl3pPr>
-    <a:lvl4pPr lvl="3" marR="0" rtl="0" algn="l">
+    <a:lvl4pPr marR="0" lvl="3" algn="l" rtl="0">
       <a:lnSpc>
         <a:spcPct val="100000"/>
       </a:lnSpc>
@@ -123,7 +128,7 @@
         <a:srgbClr val="000000"/>
       </a:buClr>
       <a:buFont typeface="Arial"/>
-      <a:defRPr b="0" i="0" sz="1400" u="none" cap="none" strike="noStrike">
+      <a:defRPr sz="1400" b="0" i="0" u="none" strike="noStrike" cap="none">
         <a:solidFill>
           <a:srgbClr val="000000"/>
         </a:solidFill>
@@ -133,7 +138,7 @@
         <a:sym typeface="Arial"/>
       </a:defRPr>
     </a:lvl4pPr>
-    <a:lvl5pPr lvl="4" marR="0" rtl="0" algn="l">
+    <a:lvl5pPr marR="0" lvl="4" algn="l" rtl="0">
       <a:lnSpc>
         <a:spcPct val="100000"/>
       </a:lnSpc>
@@ -147,7 +152,7 @@
         <a:srgbClr val="000000"/>
       </a:buClr>
       <a:buFont typeface="Arial"/>
-      <a:defRPr b="0" i="0" sz="1400" u="none" cap="none" strike="noStrike">
+      <a:defRPr sz="1400" b="0" i="0" u="none" strike="noStrike" cap="none">
         <a:solidFill>
           <a:srgbClr val="000000"/>
         </a:solidFill>
@@ -157,7 +162,7 @@
         <a:sym typeface="Arial"/>
       </a:defRPr>
     </a:lvl5pPr>
-    <a:lvl6pPr lvl="5" marR="0" rtl="0" algn="l">
+    <a:lvl6pPr marR="0" lvl="5" algn="l" rtl="0">
       <a:lnSpc>
         <a:spcPct val="100000"/>
       </a:lnSpc>
@@ -171,7 +176,7 @@
         <a:srgbClr val="000000"/>
       </a:buClr>
       <a:buFont typeface="Arial"/>
-      <a:defRPr b="0" i="0" sz="1400" u="none" cap="none" strike="noStrike">
+      <a:defRPr sz="1400" b="0" i="0" u="none" strike="noStrike" cap="none">
         <a:solidFill>
           <a:srgbClr val="000000"/>
         </a:solidFill>
@@ -181,7 +186,7 @@
         <a:sym typeface="Arial"/>
       </a:defRPr>
     </a:lvl6pPr>
-    <a:lvl7pPr lvl="6" marR="0" rtl="0" algn="l">
+    <a:lvl7pPr marR="0" lvl="6" algn="l" rtl="0">
       <a:lnSpc>
         <a:spcPct val="100000"/>
       </a:lnSpc>
@@ -195,7 +200,7 @@
         <a:srgbClr val="000000"/>
       </a:buClr>
       <a:buFont typeface="Arial"/>
-      <a:defRPr b="0" i="0" sz="1400" u="none" cap="none" strike="noStrike">
+      <a:defRPr sz="1400" b="0" i="0" u="none" strike="noStrike" cap="none">
         <a:solidFill>
           <a:srgbClr val="000000"/>
         </a:solidFill>
@@ -205,7 +210,7 @@
         <a:sym typeface="Arial"/>
       </a:defRPr>
     </a:lvl7pPr>
-    <a:lvl8pPr lvl="7" marR="0" rtl="0" algn="l">
+    <a:lvl8pPr marR="0" lvl="7" algn="l" rtl="0">
       <a:lnSpc>
         <a:spcPct val="100000"/>
       </a:lnSpc>
@@ -219,7 +224,7 @@
         <a:srgbClr val="000000"/>
       </a:buClr>
       <a:buFont typeface="Arial"/>
-      <a:defRPr b="0" i="0" sz="1400" u="none" cap="none" strike="noStrike">
+      <a:defRPr sz="1400" b="0" i="0" u="none" strike="noStrike" cap="none">
         <a:solidFill>
           <a:srgbClr val="000000"/>
         </a:solidFill>
@@ -229,7 +234,7 @@
         <a:sym typeface="Arial"/>
       </a:defRPr>
     </a:lvl8pPr>
-    <a:lvl9pPr lvl="8" marR="0" rtl="0" algn="l">
+    <a:lvl9pPr marR="0" lvl="8" algn="l" rtl="0">
       <a:lnSpc>
         <a:spcPct val="100000"/>
       </a:lnSpc>
@@ -243,7 +248,7 @@
         <a:srgbClr val="000000"/>
       </a:buClr>
       <a:buFont typeface="Arial"/>
-      <a:defRPr b="0" i="0" sz="1400" u="none" cap="none" strike="noStrike">
+      <a:defRPr sz="1400" b="0" i="0" u="none" strike="noStrike" cap="none">
         <a:solidFill>
           <a:srgbClr val="000000"/>
         </a:solidFill>
@@ -256,7 +261,7 @@
   </p:defaultTextStyle>
   <p:extLst>
     <p:ext uri="{EFAFB233-063F-42B5-8137-9DF3F51BA10A}">
-      <p15:sldGuideLst>
+      <p15:sldGuideLst xmlns:p15="http://schemas.microsoft.com/office/powerpoint/2012/main">
         <p15:guide id="1" orient="horz" pos="1620">
           <p15:clr>
             <a:srgbClr val="A4A3A4"/>
@@ -274,11 +279,16 @@
 </file>
 
 <file path=ppt/notesMasters/notesMaster1.xml><?xml version="1.0" encoding="utf-8"?>
-<p:notesMaster xmlns:a="http://schemas.openxmlformats.org/drawingml/2006/main" xmlns:r="http://schemas.openxmlformats.org/officeDocument/2006/relationships" xmlns:mc="http://schemas.openxmlformats.org/markup-compatibility/2006" xmlns:mv="urn:schemas-microsoft-com:mac:vml" xmlns:p="http://schemas.openxmlformats.org/presentationml/2006/main" xmlns:c="http://schemas.openxmlformats.org/drawingml/2006/chart" xmlns:dgm="http://schemas.openxmlformats.org/drawingml/2006/diagram" xmlns:o="urn:schemas-microsoft-com:office:office" xmlns:v="urn:schemas-microsoft-com:vml" xmlns:pvml="urn:schemas-microsoft-com:office:powerpoint" xmlns:com="http://schemas.openxmlformats.org/drawingml/2006/compatibility" xmlns:p14="http://schemas.microsoft.com/office/powerpoint/2010/main" xmlns:p15="http://schemas.microsoft.com/office/powerpoint/2012/main" xmlns:ahyp="http://schemas.microsoft.com/office/drawing/2018/hyperlinkcolor">
+<p:notesMaster xmlns:a="http://schemas.openxmlformats.org/drawingml/2006/main" xmlns:r="http://schemas.openxmlformats.org/officeDocument/2006/relationships" xmlns:p="http://schemas.openxmlformats.org/presentationml/2006/main">
   <p:cSld>
+    <p:bg>
+      <p:bgRef idx="1001">
+        <a:schemeClr val="bg1"/>
+      </p:bgRef>
+    </p:bg>
     <p:spTree>
       <p:nvGrpSpPr>
-        <p:cNvPr id="2" name="Shape 2"/>
+        <p:cNvPr id="1" name="Shape 2"/>
         <p:cNvGrpSpPr/>
         <p:nvPr/>
       </p:nvGrpSpPr>
@@ -293,9 +303,11 @@
       <p:sp>
         <p:nvSpPr>
           <p:cNvPr id="3" name="Google Shape;3;n"/>
-          <p:cNvSpPr/>
+          <p:cNvSpPr>
+            <a:spLocks noGrp="1" noRot="1" noChangeAspect="1"/>
+          </p:cNvSpPr>
           <p:nvPr>
-            <p:ph idx="2" type="sldImg"/>
+            <p:ph type="sldImg" idx="2"/>
           </p:nvPr>
         </p:nvSpPr>
         <p:spPr>
@@ -304,9 +316,13 @@
             <a:ext cx="6096075" cy="3429000"/>
           </a:xfrm>
           <a:custGeom>
-            <a:rect b="b" l="l" r="r" t="t"/>
+            <a:avLst/>
+            <a:gdLst/>
+            <a:ahLst/>
+            <a:cxnLst/>
+            <a:rect l="l" t="t" r="r" b="b"/>
             <a:pathLst>
-              <a:path extrusionOk="0" h="120000" w="120000">
+              <a:path w="120000" h="120000" extrusionOk="0">
                 <a:moveTo>
                   <a:pt x="0" y="0"/>
                 </a:moveTo>
@@ -324,23 +340,25 @@
             </a:pathLst>
           </a:custGeom>
           <a:noFill/>
-          <a:ln cap="flat" cmpd="sng" w="9525">
+          <a:ln w="9525" cap="flat" cmpd="sng">
             <a:solidFill>
               <a:srgbClr val="000000"/>
             </a:solidFill>
             <a:prstDash val="solid"/>
             <a:round/>
-            <a:headEnd len="sm" w="sm" type="none"/>
-            <a:tailEnd len="sm" w="sm" type="none"/>
+            <a:headEnd type="none" w="sm" len="sm"/>
+            <a:tailEnd type="none" w="sm" len="sm"/>
           </a:ln>
         </p:spPr>
       </p:sp>
       <p:sp>
         <p:nvSpPr>
           <p:cNvPr id="4" name="Google Shape;4;n"/>
-          <p:cNvSpPr txBox="1"/>
+          <p:cNvSpPr txBox="1">
+            <a:spLocks noGrp="1"/>
+          </p:cNvSpPr>
           <p:nvPr>
-            <p:ph idx="1" type="body"/>
+            <p:ph type="body" idx="1"/>
           </p:nvPr>
         </p:nvSpPr>
         <p:spPr>
@@ -357,11 +375,11 @@
           </a:ln>
         </p:spPr>
         <p:txBody>
-          <a:bodyPr anchorCtr="0" anchor="t" bIns="91425" lIns="91425" spcFirstLastPara="1" rIns="91425" wrap="square" tIns="91425">
+          <a:bodyPr spcFirstLastPara="1" wrap="square" lIns="91425" tIns="91425" rIns="91425" bIns="91425" anchor="t" anchorCtr="0">
             <a:noAutofit/>
           </a:bodyPr>
           <a:lstStyle>
-            <a:lvl1pPr indent="-298450" lvl="0" marL="457200">
+            <a:lvl1pPr marL="457200" lvl="0" indent="-298450">
               <a:spcBef>
                 <a:spcPts val="0"/>
               </a:spcBef>
@@ -372,7 +390,7 @@
               <a:buChar char="●"/>
               <a:defRPr sz="1100"/>
             </a:lvl1pPr>
-            <a:lvl2pPr indent="-298450" lvl="1" marL="914400">
+            <a:lvl2pPr marL="914400" lvl="1" indent="-298450">
               <a:spcBef>
                 <a:spcPts val="0"/>
               </a:spcBef>
@@ -383,7 +401,7 @@
               <a:buChar char="○"/>
               <a:defRPr sz="1100"/>
             </a:lvl2pPr>
-            <a:lvl3pPr indent="-298450" lvl="2" marL="1371600">
+            <a:lvl3pPr marL="1371600" lvl="2" indent="-298450">
               <a:spcBef>
                 <a:spcPts val="0"/>
               </a:spcBef>
@@ -394,7 +412,7 @@
               <a:buChar char="■"/>
               <a:defRPr sz="1100"/>
             </a:lvl3pPr>
-            <a:lvl4pPr indent="-298450" lvl="3" marL="1828800">
+            <a:lvl4pPr marL="1828800" lvl="3" indent="-298450">
               <a:spcBef>
                 <a:spcPts val="0"/>
               </a:spcBef>
@@ -405,7 +423,7 @@
               <a:buChar char="●"/>
               <a:defRPr sz="1100"/>
             </a:lvl4pPr>
-            <a:lvl5pPr indent="-298450" lvl="4" marL="2286000">
+            <a:lvl5pPr marL="2286000" lvl="4" indent="-298450">
               <a:spcBef>
                 <a:spcPts val="0"/>
               </a:spcBef>
@@ -416,7 +434,7 @@
               <a:buChar char="○"/>
               <a:defRPr sz="1100"/>
             </a:lvl5pPr>
-            <a:lvl6pPr indent="-298450" lvl="5" marL="2743200">
+            <a:lvl6pPr marL="2743200" lvl="5" indent="-298450">
               <a:spcBef>
                 <a:spcPts val="0"/>
               </a:spcBef>
@@ -427,7 +445,7 @@
               <a:buChar char="■"/>
               <a:defRPr sz="1100"/>
             </a:lvl6pPr>
-            <a:lvl7pPr indent="-298450" lvl="6" marL="3200400">
+            <a:lvl7pPr marL="3200400" lvl="6" indent="-298450">
               <a:spcBef>
                 <a:spcPts val="0"/>
               </a:spcBef>
@@ -438,7 +456,7 @@
               <a:buChar char="●"/>
               <a:defRPr sz="1100"/>
             </a:lvl7pPr>
-            <a:lvl8pPr indent="-298450" lvl="7" marL="3657600">
+            <a:lvl8pPr marL="3657600" lvl="7" indent="-298450">
               <a:spcBef>
                 <a:spcPts val="0"/>
               </a:spcBef>
@@ -449,7 +467,7 @@
               <a:buChar char="○"/>
               <a:defRPr sz="1100"/>
             </a:lvl8pPr>
-            <a:lvl9pPr indent="-298450" lvl="8" marL="4114800">
+            <a:lvl9pPr marL="4114800" lvl="8" indent="-298450">
               <a:spcBef>
                 <a:spcPts val="0"/>
               </a:spcBef>
@@ -461,14 +479,16 @@
               <a:defRPr sz="1100"/>
             </a:lvl9pPr>
           </a:lstStyle>
-          <a:p/>
+          <a:p>
+            <a:endParaRPr/>
+          </a:p>
         </p:txBody>
       </p:sp>
     </p:spTree>
   </p:cSld>
-  <p:clrMap accent1="accent1" accent2="accent2" accent3="accent3" accent4="accent4" accent5="accent5" accent6="accent6" bg1="lt1" bg2="dk2" tx1="dk1" tx2="lt2" folHlink="folHlink" hlink="hlink"/>
+  <p:clrMap bg1="lt1" tx1="dk1" bg2="dk2" tx2="lt2" accent1="accent1" accent2="accent2" accent3="accent3" accent4="accent4" accent5="accent5" accent6="accent6" hlink="hlink" folHlink="folHlink"/>
   <p:notesStyle>
-    <a:defPPr lvl="0" marR="0" rtl="0" algn="l">
+    <a:defPPr marR="0" lvl="0" algn="l" rtl="0">
       <a:lnSpc>
         <a:spcPct val="100000"/>
       </a:lnSpc>
@@ -479,7 +499,7 @@
         <a:spcPts val="0"/>
       </a:spcAft>
     </a:defPPr>
-    <a:lvl1pPr lvl="0" marR="0" rtl="0" algn="l">
+    <a:lvl1pPr marR="0" lvl="0" algn="l" rtl="0">
       <a:lnSpc>
         <a:spcPct val="100000"/>
       </a:lnSpc>
@@ -493,7 +513,7 @@
         <a:srgbClr val="000000"/>
       </a:buClr>
       <a:buFont typeface="Arial"/>
-      <a:defRPr b="0" i="0" sz="1400" u="none" cap="none" strike="noStrike">
+      <a:defRPr sz="1400" b="0" i="0" u="none" strike="noStrike" cap="none">
         <a:solidFill>
           <a:srgbClr val="000000"/>
         </a:solidFill>
@@ -503,7 +523,7 @@
         <a:sym typeface="Arial"/>
       </a:defRPr>
     </a:lvl1pPr>
-    <a:lvl2pPr lvl="1" marR="0" rtl="0" algn="l">
+    <a:lvl2pPr marR="0" lvl="1" algn="l" rtl="0">
       <a:lnSpc>
         <a:spcPct val="100000"/>
       </a:lnSpc>
@@ -517,7 +537,7 @@
         <a:srgbClr val="000000"/>
       </a:buClr>
       <a:buFont typeface="Arial"/>
-      <a:defRPr b="0" i="0" sz="1400" u="none" cap="none" strike="noStrike">
+      <a:defRPr sz="1400" b="0" i="0" u="none" strike="noStrike" cap="none">
         <a:solidFill>
           <a:srgbClr val="000000"/>
         </a:solidFill>
@@ -527,7 +547,7 @@
         <a:sym typeface="Arial"/>
       </a:defRPr>
     </a:lvl2pPr>
-    <a:lvl3pPr lvl="2" marR="0" rtl="0" algn="l">
+    <a:lvl3pPr marR="0" lvl="2" algn="l" rtl="0">
       <a:lnSpc>
         <a:spcPct val="100000"/>
       </a:lnSpc>
@@ -541,7 +561,7 @@
         <a:srgbClr val="000000"/>
       </a:buClr>
       <a:buFont typeface="Arial"/>
-      <a:defRPr b="0" i="0" sz="1400" u="none" cap="none" strike="noStrike">
+      <a:defRPr sz="1400" b="0" i="0" u="none" strike="noStrike" cap="none">
         <a:solidFill>
           <a:srgbClr val="000000"/>
         </a:solidFill>
@@ -551,7 +571,7 @@
         <a:sym typeface="Arial"/>
       </a:defRPr>
     </a:lvl3pPr>
-    <a:lvl4pPr lvl="3" marR="0" rtl="0" algn="l">
+    <a:lvl4pPr marR="0" lvl="3" algn="l" rtl="0">
       <a:lnSpc>
         <a:spcPct val="100000"/>
       </a:lnSpc>
@@ -565,7 +585,7 @@
         <a:srgbClr val="000000"/>
       </a:buClr>
       <a:buFont typeface="Arial"/>
-      <a:defRPr b="0" i="0" sz="1400" u="none" cap="none" strike="noStrike">
+      <a:defRPr sz="1400" b="0" i="0" u="none" strike="noStrike" cap="none">
         <a:solidFill>
           <a:srgbClr val="000000"/>
         </a:solidFill>
@@ -575,7 +595,7 @@
         <a:sym typeface="Arial"/>
       </a:defRPr>
     </a:lvl4pPr>
-    <a:lvl5pPr lvl="4" marR="0" rtl="0" algn="l">
+    <a:lvl5pPr marR="0" lvl="4" algn="l" rtl="0">
       <a:lnSpc>
         <a:spcPct val="100000"/>
       </a:lnSpc>
@@ -589,7 +609,7 @@
         <a:srgbClr val="000000"/>
       </a:buClr>
       <a:buFont typeface="Arial"/>
-      <a:defRPr b="0" i="0" sz="1400" u="none" cap="none" strike="noStrike">
+      <a:defRPr sz="1400" b="0" i="0" u="none" strike="noStrike" cap="none">
         <a:solidFill>
           <a:srgbClr val="000000"/>
         </a:solidFill>
@@ -599,7 +619,7 @@
         <a:sym typeface="Arial"/>
       </a:defRPr>
     </a:lvl5pPr>
-    <a:lvl6pPr lvl="5" marR="0" rtl="0" algn="l">
+    <a:lvl6pPr marR="0" lvl="5" algn="l" rtl="0">
       <a:lnSpc>
         <a:spcPct val="100000"/>
       </a:lnSpc>
@@ -613,7 +633,7 @@
         <a:srgbClr val="000000"/>
       </a:buClr>
       <a:buFont typeface="Arial"/>
-      <a:defRPr b="0" i="0" sz="1400" u="none" cap="none" strike="noStrike">
+      <a:defRPr sz="1400" b="0" i="0" u="none" strike="noStrike" cap="none">
         <a:solidFill>
           <a:srgbClr val="000000"/>
         </a:solidFill>
@@ -623,7 +643,7 @@
         <a:sym typeface="Arial"/>
       </a:defRPr>
     </a:lvl6pPr>
-    <a:lvl7pPr lvl="6" marR="0" rtl="0" algn="l">
+    <a:lvl7pPr marR="0" lvl="6" algn="l" rtl="0">
       <a:lnSpc>
         <a:spcPct val="100000"/>
       </a:lnSpc>
@@ -637,7 +657,7 @@
         <a:srgbClr val="000000"/>
       </a:buClr>
       <a:buFont typeface="Arial"/>
-      <a:defRPr b="0" i="0" sz="1400" u="none" cap="none" strike="noStrike">
+      <a:defRPr sz="1400" b="0" i="0" u="none" strike="noStrike" cap="none">
         <a:solidFill>
           <a:srgbClr val="000000"/>
         </a:solidFill>
@@ -647,7 +667,7 @@
         <a:sym typeface="Arial"/>
       </a:defRPr>
     </a:lvl7pPr>
-    <a:lvl8pPr lvl="7" marR="0" rtl="0" algn="l">
+    <a:lvl8pPr marR="0" lvl="7" algn="l" rtl="0">
       <a:lnSpc>
         <a:spcPct val="100000"/>
       </a:lnSpc>
@@ -661,7 +681,7 @@
         <a:srgbClr val="000000"/>
       </a:buClr>
       <a:buFont typeface="Arial"/>
-      <a:defRPr b="0" i="0" sz="1400" u="none" cap="none" strike="noStrike">
+      <a:defRPr sz="1400" b="0" i="0" u="none" strike="noStrike" cap="none">
         <a:solidFill>
           <a:srgbClr val="000000"/>
         </a:solidFill>
@@ -671,7 +691,7 @@
         <a:sym typeface="Arial"/>
       </a:defRPr>
     </a:lvl8pPr>
-    <a:lvl9pPr lvl="8" marR="0" rtl="0" algn="l">
+    <a:lvl9pPr marR="0" lvl="8" algn="l" rtl="0">
       <a:lnSpc>
         <a:spcPct val="100000"/>
       </a:lnSpc>
@@ -685,7 +705,7 @@
         <a:srgbClr val="000000"/>
       </a:buClr>
       <a:buFont typeface="Arial"/>
-      <a:defRPr b="0" i="0" sz="1400" u="none" cap="none" strike="noStrike">
+      <a:defRPr sz="1400" b="0" i="0" u="none" strike="noStrike" cap="none">
         <a:solidFill>
           <a:srgbClr val="000000"/>
         </a:solidFill>
@@ -700,11 +720,11 @@
 </file>
 
 <file path=ppt/notesSlides/notesSlide1.xml><?xml version="1.0" encoding="utf-8"?>
-<p:notes xmlns:a="http://schemas.openxmlformats.org/drawingml/2006/main" xmlns:r="http://schemas.openxmlformats.org/officeDocument/2006/relationships" xmlns:mc="http://schemas.openxmlformats.org/markup-compatibility/2006" xmlns:mv="urn:schemas-microsoft-com:mac:vml" xmlns:p="http://schemas.openxmlformats.org/presentationml/2006/main" xmlns:c="http://schemas.openxmlformats.org/drawingml/2006/chart" xmlns:dgm="http://schemas.openxmlformats.org/drawingml/2006/diagram" xmlns:o="urn:schemas-microsoft-com:office:office" xmlns:v="urn:schemas-microsoft-com:vml" xmlns:pvml="urn:schemas-microsoft-com:office:powerpoint" xmlns:com="http://schemas.openxmlformats.org/drawingml/2006/compatibility" xmlns:p14="http://schemas.microsoft.com/office/powerpoint/2010/main" xmlns:p15="http://schemas.microsoft.com/office/powerpoint/2012/main" xmlns:ahyp="http://schemas.microsoft.com/office/drawing/2018/hyperlinkcolor" showMasterPhAnim="0" showMasterSp="0">
+<p:notes xmlns:a="http://schemas.openxmlformats.org/drawingml/2006/main" xmlns:r="http://schemas.openxmlformats.org/officeDocument/2006/relationships" xmlns:p="http://schemas.openxmlformats.org/presentationml/2006/main" showMasterSp="0" showMasterPhAnim="0">
   <p:cSld>
     <p:spTree>
       <p:nvGrpSpPr>
-        <p:cNvPr id="50" name="Shape 50"/>
+        <p:cNvPr id="1" name="Shape 50"/>
         <p:cNvGrpSpPr/>
         <p:nvPr/>
       </p:nvGrpSpPr>
@@ -719,9 +739,11 @@
       <p:sp>
         <p:nvSpPr>
           <p:cNvPr id="51" name="Google Shape;51;p:notes"/>
-          <p:cNvSpPr/>
+          <p:cNvSpPr>
+            <a:spLocks noGrp="1" noRot="1" noChangeAspect="1"/>
+          </p:cNvSpPr>
           <p:nvPr>
-            <p:ph idx="2" type="sldImg"/>
+            <p:ph type="sldImg" idx="2"/>
           </p:nvPr>
         </p:nvSpPr>
         <p:spPr>
@@ -730,9 +752,13 @@
             <a:ext cx="6096075" cy="3429000"/>
           </a:xfrm>
           <a:custGeom>
-            <a:rect b="b" l="l" r="r" t="t"/>
+            <a:avLst/>
+            <a:gdLst/>
+            <a:ahLst/>
+            <a:cxnLst/>
+            <a:rect l="l" t="t" r="r" b="b"/>
             <a:pathLst>
-              <a:path extrusionOk="0" h="120000" w="120000">
+              <a:path w="120000" h="120000" extrusionOk="0">
                 <a:moveTo>
                   <a:pt x="0" y="0"/>
                 </a:moveTo>
@@ -754,9 +780,11 @@
       <p:sp>
         <p:nvSpPr>
           <p:cNvPr id="52" name="Google Shape;52;p:notes"/>
-          <p:cNvSpPr txBox="1"/>
+          <p:cNvSpPr txBox="1">
+            <a:spLocks noGrp="1"/>
+          </p:cNvSpPr>
           <p:nvPr>
-            <p:ph idx="1" type="body"/>
+            <p:ph type="body" idx="1"/>
           </p:nvPr>
         </p:nvSpPr>
         <p:spPr>
@@ -769,12 +797,12 @@
           </a:prstGeom>
         </p:spPr>
         <p:txBody>
-          <a:bodyPr anchorCtr="0" anchor="t" bIns="91425" lIns="91425" spcFirstLastPara="1" rIns="91425" wrap="square" tIns="91425">
+          <a:bodyPr spcFirstLastPara="1" wrap="square" lIns="91425" tIns="91425" rIns="91425" bIns="91425" anchor="t" anchorCtr="0">
             <a:noAutofit/>
           </a:bodyPr>
           <a:lstStyle/>
           <a:p>
-            <a:pPr indent="0" lvl="0" marL="0" rtl="0" algn="l">
+            <a:pPr marL="0" lvl="0" indent="0" algn="l" rtl="0">
               <a:spcBef>
                 <a:spcPts val="0"/>
               </a:spcBef>
@@ -785,15 +813,7 @@
             </a:pPr>
             <a:r>
               <a:rPr lang="en"/>
-              <a:t>Little bit about the project in nutshell (what we </a:t>
-            </a:r>
-            <a:r>
-              <a:rPr lang="en"/>
-              <a:t>have</a:t>
-            </a:r>
-            <a:r>
-              <a:rPr lang="en"/>
-              <a:t> done in 4 days)</a:t>
+              <a:t>Little bit about the project in nutshell (what we have done in 4 days)</a:t>
             </a:r>
             <a:endParaRPr/>
           </a:p>
@@ -808,11 +828,11 @@
 </file>
 
 <file path=ppt/notesSlides/notesSlide2.xml><?xml version="1.0" encoding="utf-8"?>
-<p:notes xmlns:a="http://schemas.openxmlformats.org/drawingml/2006/main" xmlns:r="http://schemas.openxmlformats.org/officeDocument/2006/relationships" xmlns:mc="http://schemas.openxmlformats.org/markup-compatibility/2006" xmlns:mv="urn:schemas-microsoft-com:mac:vml" xmlns:p="http://schemas.openxmlformats.org/presentationml/2006/main" xmlns:c="http://schemas.openxmlformats.org/drawingml/2006/chart" xmlns:dgm="http://schemas.openxmlformats.org/drawingml/2006/diagram" xmlns:o="urn:schemas-microsoft-com:office:office" xmlns:v="urn:schemas-microsoft-com:vml" xmlns:pvml="urn:schemas-microsoft-com:office:powerpoint" xmlns:com="http://schemas.openxmlformats.org/drawingml/2006/compatibility" xmlns:p14="http://schemas.microsoft.com/office/powerpoint/2010/main" xmlns:p15="http://schemas.microsoft.com/office/powerpoint/2012/main" xmlns:ahyp="http://schemas.microsoft.com/office/drawing/2018/hyperlinkcolor" showMasterPhAnim="0" showMasterSp="0">
+<p:notes xmlns:a="http://schemas.openxmlformats.org/drawingml/2006/main" xmlns:r="http://schemas.openxmlformats.org/officeDocument/2006/relationships" xmlns:p="http://schemas.openxmlformats.org/presentationml/2006/main" showMasterSp="0" showMasterPhAnim="0">
   <p:cSld>
     <p:spTree>
       <p:nvGrpSpPr>
-        <p:cNvPr id="60" name="Shape 60"/>
+        <p:cNvPr id="1" name="Shape 60"/>
         <p:cNvGrpSpPr/>
         <p:nvPr/>
       </p:nvGrpSpPr>
@@ -827,9 +847,11 @@
       <p:sp>
         <p:nvSpPr>
           <p:cNvPr id="61" name="Google Shape;61;gfecae17c66_0_262:notes"/>
-          <p:cNvSpPr/>
+          <p:cNvSpPr>
+            <a:spLocks noGrp="1" noRot="1" noChangeAspect="1"/>
+          </p:cNvSpPr>
           <p:nvPr>
-            <p:ph idx="2" type="sldImg"/>
+            <p:ph type="sldImg" idx="2"/>
           </p:nvPr>
         </p:nvSpPr>
         <p:spPr>
@@ -838,9 +860,13 @@
             <a:ext cx="6096000" cy="3429000"/>
           </a:xfrm>
           <a:custGeom>
-            <a:rect b="b" l="l" r="r" t="t"/>
+            <a:avLst/>
+            <a:gdLst/>
+            <a:ahLst/>
+            <a:cxnLst/>
+            <a:rect l="l" t="t" r="r" b="b"/>
             <a:pathLst>
-              <a:path extrusionOk="0" h="120000" w="120000">
+              <a:path w="120000" h="120000" extrusionOk="0">
                 <a:moveTo>
                   <a:pt x="0" y="0"/>
                 </a:moveTo>
@@ -862,9 +888,11 @@
       <p:sp>
         <p:nvSpPr>
           <p:cNvPr id="62" name="Google Shape;62;gfecae17c66_0_262:notes"/>
-          <p:cNvSpPr txBox="1"/>
+          <p:cNvSpPr txBox="1">
+            <a:spLocks noGrp="1"/>
+          </p:cNvSpPr>
           <p:nvPr>
-            <p:ph idx="1" type="body"/>
+            <p:ph type="body" idx="1"/>
           </p:nvPr>
         </p:nvSpPr>
         <p:spPr>
@@ -877,12 +905,12 @@
           </a:prstGeom>
         </p:spPr>
         <p:txBody>
-          <a:bodyPr anchorCtr="0" anchor="t" bIns="91425" lIns="91425" spcFirstLastPara="1" rIns="91425" wrap="square" tIns="91425">
+          <a:bodyPr spcFirstLastPara="1" wrap="square" lIns="91425" tIns="91425" rIns="91425" bIns="91425" anchor="t" anchorCtr="0">
             <a:noAutofit/>
           </a:bodyPr>
           <a:lstStyle/>
           <a:p>
-            <a:pPr indent="0" lvl="0" marL="0" rtl="0" algn="l">
+            <a:pPr marL="0" lvl="0" indent="0" algn="l" rtl="0">
               <a:spcBef>
                 <a:spcPts val="0"/>
               </a:spcBef>
@@ -891,9 +919,6 @@
               </a:spcAft>
               <a:buNone/>
             </a:pPr>
-            <a:r>
-              <a:t/>
-            </a:r>
             <a:endParaRPr/>
           </a:p>
         </p:txBody>
@@ -907,11 +932,11 @@
 </file>
 
 <file path=ppt/notesSlides/notesSlide3.xml><?xml version="1.0" encoding="utf-8"?>
-<p:notes xmlns:a="http://schemas.openxmlformats.org/drawingml/2006/main" xmlns:r="http://schemas.openxmlformats.org/officeDocument/2006/relationships" xmlns:mc="http://schemas.openxmlformats.org/markup-compatibility/2006" xmlns:mv="urn:schemas-microsoft-com:mac:vml" xmlns:p="http://schemas.openxmlformats.org/presentationml/2006/main" xmlns:c="http://schemas.openxmlformats.org/drawingml/2006/chart" xmlns:dgm="http://schemas.openxmlformats.org/drawingml/2006/diagram" xmlns:o="urn:schemas-microsoft-com:office:office" xmlns:v="urn:schemas-microsoft-com:vml" xmlns:pvml="urn:schemas-microsoft-com:office:powerpoint" xmlns:com="http://schemas.openxmlformats.org/drawingml/2006/compatibility" xmlns:p14="http://schemas.microsoft.com/office/powerpoint/2010/main" xmlns:p15="http://schemas.microsoft.com/office/powerpoint/2012/main" xmlns:ahyp="http://schemas.microsoft.com/office/drawing/2018/hyperlinkcolor" showMasterPhAnim="0" showMasterSp="0">
+<p:notes xmlns:a="http://schemas.openxmlformats.org/drawingml/2006/main" xmlns:r="http://schemas.openxmlformats.org/officeDocument/2006/relationships" xmlns:p="http://schemas.openxmlformats.org/presentationml/2006/main" showMasterSp="0" showMasterPhAnim="0">
   <p:cSld>
     <p:spTree>
       <p:nvGrpSpPr>
-        <p:cNvPr id="72" name="Shape 72"/>
+        <p:cNvPr id="1" name="Shape 72"/>
         <p:cNvGrpSpPr/>
         <p:nvPr/>
       </p:nvGrpSpPr>
@@ -926,9 +951,11 @@
       <p:sp>
         <p:nvSpPr>
           <p:cNvPr id="73" name="Google Shape;73;gfecae17c66_0_320:notes"/>
-          <p:cNvSpPr/>
+          <p:cNvSpPr>
+            <a:spLocks noGrp="1" noRot="1" noChangeAspect="1"/>
+          </p:cNvSpPr>
           <p:nvPr>
-            <p:ph idx="2" type="sldImg"/>
+            <p:ph type="sldImg" idx="2"/>
           </p:nvPr>
         </p:nvSpPr>
         <p:spPr>
@@ -937,9 +964,13 @@
             <a:ext cx="6096000" cy="3429000"/>
           </a:xfrm>
           <a:custGeom>
-            <a:rect b="b" l="l" r="r" t="t"/>
+            <a:avLst/>
+            <a:gdLst/>
+            <a:ahLst/>
+            <a:cxnLst/>
+            <a:rect l="l" t="t" r="r" b="b"/>
             <a:pathLst>
-              <a:path extrusionOk="0" h="120000" w="120000">
+              <a:path w="120000" h="120000" extrusionOk="0">
                 <a:moveTo>
                   <a:pt x="0" y="0"/>
                 </a:moveTo>
@@ -961,9 +992,11 @@
       <p:sp>
         <p:nvSpPr>
           <p:cNvPr id="74" name="Google Shape;74;gfecae17c66_0_320:notes"/>
-          <p:cNvSpPr txBox="1"/>
+          <p:cNvSpPr txBox="1">
+            <a:spLocks noGrp="1"/>
+          </p:cNvSpPr>
           <p:nvPr>
-            <p:ph idx="1" type="body"/>
+            <p:ph type="body" idx="1"/>
           </p:nvPr>
         </p:nvSpPr>
         <p:spPr>
@@ -976,12 +1009,12 @@
           </a:prstGeom>
         </p:spPr>
         <p:txBody>
-          <a:bodyPr anchorCtr="0" anchor="t" bIns="91425" lIns="91425" spcFirstLastPara="1" rIns="91425" wrap="square" tIns="91425">
+          <a:bodyPr spcFirstLastPara="1" wrap="square" lIns="91425" tIns="91425" rIns="91425" bIns="91425" anchor="t" anchorCtr="0">
             <a:noAutofit/>
           </a:bodyPr>
           <a:lstStyle/>
           <a:p>
-            <a:pPr indent="0" lvl="0" marL="0" rtl="0" algn="l">
+            <a:pPr marL="0" lvl="0" indent="0" algn="l" rtl="0">
               <a:spcBef>
                 <a:spcPts val="0"/>
               </a:spcBef>
@@ -990,9 +1023,6 @@
               </a:spcAft>
               <a:buNone/>
             </a:pPr>
-            <a:r>
-              <a:t/>
-            </a:r>
             <a:endParaRPr/>
           </a:p>
         </p:txBody>
@@ -1006,11 +1036,11 @@
 </file>
 
 <file path=ppt/notesSlides/notesSlide4.xml><?xml version="1.0" encoding="utf-8"?>
-<p:notes xmlns:a="http://schemas.openxmlformats.org/drawingml/2006/main" xmlns:r="http://schemas.openxmlformats.org/officeDocument/2006/relationships" xmlns:mc="http://schemas.openxmlformats.org/markup-compatibility/2006" xmlns:mv="urn:schemas-microsoft-com:mac:vml" xmlns:p="http://schemas.openxmlformats.org/presentationml/2006/main" xmlns:c="http://schemas.openxmlformats.org/drawingml/2006/chart" xmlns:dgm="http://schemas.openxmlformats.org/drawingml/2006/diagram" xmlns:o="urn:schemas-microsoft-com:office:office" xmlns:v="urn:schemas-microsoft-com:vml" xmlns:pvml="urn:schemas-microsoft-com:office:powerpoint" xmlns:com="http://schemas.openxmlformats.org/drawingml/2006/compatibility" xmlns:p14="http://schemas.microsoft.com/office/powerpoint/2010/main" xmlns:p15="http://schemas.microsoft.com/office/powerpoint/2012/main" xmlns:ahyp="http://schemas.microsoft.com/office/drawing/2018/hyperlinkcolor" showMasterPhAnim="0" showMasterSp="0">
+<p:notes xmlns:a="http://schemas.openxmlformats.org/drawingml/2006/main" xmlns:r="http://schemas.openxmlformats.org/officeDocument/2006/relationships" xmlns:p="http://schemas.openxmlformats.org/presentationml/2006/main" showMasterSp="0" showMasterPhAnim="0">
   <p:cSld>
     <p:spTree>
       <p:nvGrpSpPr>
-        <p:cNvPr id="99" name="Shape 99"/>
+        <p:cNvPr id="1" name="Shape 99"/>
         <p:cNvGrpSpPr/>
         <p:nvPr/>
       </p:nvGrpSpPr>
@@ -1025,20 +1055,26 @@
       <p:sp>
         <p:nvSpPr>
           <p:cNvPr id="100" name="Google Shape;100;gfecae17c66_0_325:notes"/>
-          <p:cNvSpPr/>
+          <p:cNvSpPr>
+            <a:spLocks noGrp="1" noRot="1" noChangeAspect="1"/>
+          </p:cNvSpPr>
           <p:nvPr>
-            <p:ph idx="2" type="sldImg"/>
+            <p:ph type="sldImg" idx="2"/>
           </p:nvPr>
         </p:nvSpPr>
         <p:spPr>
           <a:xfrm>
-            <a:off x="381300" y="685800"/>
+            <a:off x="381000" y="685800"/>
             <a:ext cx="6096000" cy="3429000"/>
           </a:xfrm>
           <a:custGeom>
-            <a:rect b="b" l="l" r="r" t="t"/>
+            <a:avLst/>
+            <a:gdLst/>
+            <a:ahLst/>
+            <a:cxnLst/>
+            <a:rect l="l" t="t" r="r" b="b"/>
             <a:pathLst>
-              <a:path extrusionOk="0" h="120000" w="120000">
+              <a:path w="120000" h="120000" extrusionOk="0">
                 <a:moveTo>
                   <a:pt x="0" y="0"/>
                 </a:moveTo>
@@ -1060,9 +1096,11 @@
       <p:sp>
         <p:nvSpPr>
           <p:cNvPr id="101" name="Google Shape;101;gfecae17c66_0_325:notes"/>
-          <p:cNvSpPr txBox="1"/>
+          <p:cNvSpPr txBox="1">
+            <a:spLocks noGrp="1"/>
+          </p:cNvSpPr>
           <p:nvPr>
-            <p:ph idx="1" type="body"/>
+            <p:ph type="body" idx="1"/>
           </p:nvPr>
         </p:nvSpPr>
         <p:spPr>
@@ -1075,12 +1113,12 @@
           </a:prstGeom>
         </p:spPr>
         <p:txBody>
-          <a:bodyPr anchorCtr="0" anchor="t" bIns="91425" lIns="91425" spcFirstLastPara="1" rIns="91425" wrap="square" tIns="91425">
+          <a:bodyPr spcFirstLastPara="1" wrap="square" lIns="91425" tIns="91425" rIns="91425" bIns="91425" anchor="t" anchorCtr="0">
             <a:noAutofit/>
           </a:bodyPr>
           <a:lstStyle/>
           <a:p>
-            <a:pPr indent="0" lvl="0" marL="0" rtl="0" algn="l">
+            <a:pPr marL="0" lvl="0" indent="0" algn="l" rtl="0">
               <a:spcBef>
                 <a:spcPts val="0"/>
               </a:spcBef>
@@ -1089,9 +1127,6 @@
               </a:spcAft>
               <a:buNone/>
             </a:pPr>
-            <a:r>
-              <a:t/>
-            </a:r>
             <a:endParaRPr/>
           </a:p>
         </p:txBody>
@@ -1105,11 +1140,11 @@
 </file>
 
 <file path=ppt/notesSlides/notesSlide5.xml><?xml version="1.0" encoding="utf-8"?>
-<p:notes xmlns:a="http://schemas.openxmlformats.org/drawingml/2006/main" xmlns:r="http://schemas.openxmlformats.org/officeDocument/2006/relationships" xmlns:mc="http://schemas.openxmlformats.org/markup-compatibility/2006" xmlns:mv="urn:schemas-microsoft-com:mac:vml" xmlns:p="http://schemas.openxmlformats.org/presentationml/2006/main" xmlns:c="http://schemas.openxmlformats.org/drawingml/2006/chart" xmlns:dgm="http://schemas.openxmlformats.org/drawingml/2006/diagram" xmlns:o="urn:schemas-microsoft-com:office:office" xmlns:v="urn:schemas-microsoft-com:vml" xmlns:pvml="urn:schemas-microsoft-com:office:powerpoint" xmlns:com="http://schemas.openxmlformats.org/drawingml/2006/compatibility" xmlns:p14="http://schemas.microsoft.com/office/powerpoint/2010/main" xmlns:p15="http://schemas.microsoft.com/office/powerpoint/2012/main" xmlns:ahyp="http://schemas.microsoft.com/office/drawing/2018/hyperlinkcolor" showMasterPhAnim="0" showMasterSp="0">
+<p:notes xmlns:a="http://schemas.openxmlformats.org/drawingml/2006/main" xmlns:r="http://schemas.openxmlformats.org/officeDocument/2006/relationships" xmlns:p="http://schemas.openxmlformats.org/presentationml/2006/main" showMasterSp="0" showMasterPhAnim="0">
   <p:cSld>
     <p:spTree>
       <p:nvGrpSpPr>
-        <p:cNvPr id="105" name="Shape 105"/>
+        <p:cNvPr id="1" name="Shape 105"/>
         <p:cNvGrpSpPr/>
         <p:nvPr/>
       </p:nvGrpSpPr>
@@ -1124,9 +1159,11 @@
       <p:sp>
         <p:nvSpPr>
           <p:cNvPr id="106" name="Google Shape;106;gfecae17c66_0_330:notes"/>
-          <p:cNvSpPr/>
+          <p:cNvSpPr>
+            <a:spLocks noGrp="1" noRot="1" noChangeAspect="1"/>
+          </p:cNvSpPr>
           <p:nvPr>
-            <p:ph idx="2" type="sldImg"/>
+            <p:ph type="sldImg" idx="2"/>
           </p:nvPr>
         </p:nvSpPr>
         <p:spPr>
@@ -1135,9 +1172,13 @@
             <a:ext cx="6096000" cy="3429000"/>
           </a:xfrm>
           <a:custGeom>
-            <a:rect b="b" l="l" r="r" t="t"/>
+            <a:avLst/>
+            <a:gdLst/>
+            <a:ahLst/>
+            <a:cxnLst/>
+            <a:rect l="l" t="t" r="r" b="b"/>
             <a:pathLst>
-              <a:path extrusionOk="0" h="120000" w="120000">
+              <a:path w="120000" h="120000" extrusionOk="0">
                 <a:moveTo>
                   <a:pt x="0" y="0"/>
                 </a:moveTo>
@@ -1159,9 +1200,11 @@
       <p:sp>
         <p:nvSpPr>
           <p:cNvPr id="107" name="Google Shape;107;gfecae17c66_0_330:notes"/>
-          <p:cNvSpPr txBox="1"/>
+          <p:cNvSpPr txBox="1">
+            <a:spLocks noGrp="1"/>
+          </p:cNvSpPr>
           <p:nvPr>
-            <p:ph idx="1" type="body"/>
+            <p:ph type="body" idx="1"/>
           </p:nvPr>
         </p:nvSpPr>
         <p:spPr>
@@ -1174,12 +1217,12 @@
           </a:prstGeom>
         </p:spPr>
         <p:txBody>
-          <a:bodyPr anchorCtr="0" anchor="t" bIns="91425" lIns="91425" spcFirstLastPara="1" rIns="91425" wrap="square" tIns="91425">
+          <a:bodyPr spcFirstLastPara="1" wrap="square" lIns="91425" tIns="91425" rIns="91425" bIns="91425" anchor="t" anchorCtr="0">
             <a:noAutofit/>
           </a:bodyPr>
           <a:lstStyle/>
           <a:p>
-            <a:pPr indent="0" lvl="0" marL="0" rtl="0" algn="l">
+            <a:pPr marL="0" lvl="0" indent="0" algn="l" rtl="0">
               <a:spcBef>
                 <a:spcPts val="0"/>
               </a:spcBef>
@@ -1188,9 +1231,6 @@
               </a:spcAft>
               <a:buNone/>
             </a:pPr>
-            <a:r>
-              <a:t/>
-            </a:r>
             <a:endParaRPr/>
           </a:p>
         </p:txBody>
@@ -1204,11 +1244,11 @@
 </file>
 
 <file path=ppt/slideLayouts/slideLayout1.xml><?xml version="1.0" encoding="utf-8"?>
-<p:sldLayout xmlns:a="http://schemas.openxmlformats.org/drawingml/2006/main" xmlns:r="http://schemas.openxmlformats.org/officeDocument/2006/relationships" xmlns:mc="http://schemas.openxmlformats.org/markup-compatibility/2006" xmlns:mv="urn:schemas-microsoft-com:mac:vml" xmlns:p="http://schemas.openxmlformats.org/presentationml/2006/main" xmlns:c="http://schemas.openxmlformats.org/drawingml/2006/chart" xmlns:dgm="http://schemas.openxmlformats.org/drawingml/2006/diagram" xmlns:o="urn:schemas-microsoft-com:office:office" xmlns:v="urn:schemas-microsoft-com:vml" xmlns:pvml="urn:schemas-microsoft-com:office:powerpoint" xmlns:com="http://schemas.openxmlformats.org/drawingml/2006/compatibility" xmlns:p14="http://schemas.microsoft.com/office/powerpoint/2010/main" xmlns:p15="http://schemas.microsoft.com/office/powerpoint/2012/main" xmlns:ahyp="http://schemas.microsoft.com/office/drawing/2018/hyperlinkcolor" matchingName="Title slide" type="title">
+<p:sldLayout xmlns:a="http://schemas.openxmlformats.org/drawingml/2006/main" xmlns:r="http://schemas.openxmlformats.org/officeDocument/2006/relationships" xmlns:p="http://schemas.openxmlformats.org/presentationml/2006/main" matchingName="Title slide" type="title">
   <p:cSld name="TITLE">
     <p:spTree>
       <p:nvGrpSpPr>
-        <p:cNvPr id="9" name="Shape 9"/>
+        <p:cNvPr id="1" name="Shape 9"/>
         <p:cNvGrpSpPr/>
         <p:nvPr/>
       </p:nvGrpSpPr>
@@ -1223,7 +1263,9 @@
       <p:sp>
         <p:nvSpPr>
           <p:cNvPr id="10" name="Google Shape;10;p2"/>
-          <p:cNvSpPr txBox="1"/>
+          <p:cNvSpPr txBox="1">
+            <a:spLocks noGrp="1"/>
+          </p:cNvSpPr>
           <p:nvPr>
             <p:ph type="ctrTitle"/>
           </p:nvPr>
@@ -1238,7 +1280,7 @@
           </a:prstGeom>
         </p:spPr>
         <p:txBody>
-          <a:bodyPr anchorCtr="0" anchor="b" bIns="91425" lIns="91425" spcFirstLastPara="1" rIns="91425" wrap="square" tIns="91425">
+          <a:bodyPr spcFirstLastPara="1" wrap="square" lIns="91425" tIns="91425" rIns="91425" bIns="91425" anchor="b" anchorCtr="0">
             <a:normAutofit/>
           </a:bodyPr>
           <a:lstStyle>
@@ -1342,15 +1384,19 @@
               <a:defRPr sz="5200"/>
             </a:lvl9pPr>
           </a:lstStyle>
-          <a:p/>
+          <a:p>
+            <a:endParaRPr/>
+          </a:p>
         </p:txBody>
       </p:sp>
       <p:sp>
         <p:nvSpPr>
           <p:cNvPr id="11" name="Google Shape;11;p2"/>
-          <p:cNvSpPr txBox="1"/>
+          <p:cNvSpPr txBox="1">
+            <a:spLocks noGrp="1"/>
+          </p:cNvSpPr>
           <p:nvPr>
-            <p:ph idx="1" type="subTitle"/>
+            <p:ph type="subTitle" idx="1"/>
           </p:nvPr>
         </p:nvSpPr>
         <p:spPr>
@@ -1363,7 +1409,7 @@
           </a:prstGeom>
         </p:spPr>
         <p:txBody>
-          <a:bodyPr anchorCtr="0" anchor="t" bIns="91425" lIns="91425" spcFirstLastPara="1" rIns="91425" wrap="square" tIns="91425">
+          <a:bodyPr spcFirstLastPara="1" wrap="square" lIns="91425" tIns="91425" rIns="91425" bIns="91425" anchor="t" anchorCtr="0">
             <a:normAutofit/>
           </a:bodyPr>
           <a:lstStyle>
@@ -1494,15 +1540,19 @@
               <a:defRPr sz="2800"/>
             </a:lvl9pPr>
           </a:lstStyle>
-          <a:p/>
+          <a:p>
+            <a:endParaRPr/>
+          </a:p>
         </p:txBody>
       </p:sp>
       <p:sp>
         <p:nvSpPr>
           <p:cNvPr id="12" name="Google Shape;12;p2"/>
-          <p:cNvSpPr txBox="1"/>
+          <p:cNvSpPr txBox="1">
+            <a:spLocks noGrp="1"/>
+          </p:cNvSpPr>
           <p:nvPr>
-            <p:ph idx="12" type="sldNum"/>
+            <p:ph type="sldNum" idx="12"/>
           </p:nvPr>
         </p:nvSpPr>
         <p:spPr>
@@ -1515,7 +1565,7 @@
           </a:prstGeom>
         </p:spPr>
         <p:txBody>
-          <a:bodyPr anchorCtr="0" anchor="ctr" bIns="91425" lIns="91425" spcFirstLastPara="1" rIns="91425" wrap="square" tIns="91425">
+          <a:bodyPr spcFirstLastPara="1" wrap="square" lIns="91425" tIns="91425" rIns="91425" bIns="91425" anchor="ctr" anchorCtr="0">
             <a:normAutofit/>
           </a:bodyPr>
           <a:lstStyle>
@@ -1557,7 +1607,7 @@
             </a:lvl9pPr>
           </a:lstStyle>
           <a:p>
-            <a:pPr indent="0" lvl="0" marL="0" rtl="0" algn="r">
+            <a:pPr marL="0" lvl="0" indent="0" algn="r" rtl="0">
               <a:spcBef>
                 <a:spcPts val="0"/>
               </a:spcBef>
@@ -1583,11 +1633,11 @@
 </file>
 
 <file path=ppt/slideLayouts/slideLayout10.xml><?xml version="1.0" encoding="utf-8"?>
-<p:sldLayout xmlns:a="http://schemas.openxmlformats.org/drawingml/2006/main" xmlns:r="http://schemas.openxmlformats.org/officeDocument/2006/relationships" xmlns:mc="http://schemas.openxmlformats.org/markup-compatibility/2006" xmlns:mv="urn:schemas-microsoft-com:mac:vml" xmlns:p="http://schemas.openxmlformats.org/presentationml/2006/main" xmlns:c="http://schemas.openxmlformats.org/drawingml/2006/chart" xmlns:dgm="http://schemas.openxmlformats.org/drawingml/2006/diagram" xmlns:o="urn:schemas-microsoft-com:office:office" xmlns:v="urn:schemas-microsoft-com:vml" xmlns:pvml="urn:schemas-microsoft-com:office:powerpoint" xmlns:com="http://schemas.openxmlformats.org/drawingml/2006/compatibility" xmlns:p14="http://schemas.microsoft.com/office/powerpoint/2010/main" xmlns:p15="http://schemas.microsoft.com/office/powerpoint/2012/main" xmlns:ahyp="http://schemas.microsoft.com/office/drawing/2018/hyperlinkcolor" matchingName="Big number">
+<p:sldLayout xmlns:a="http://schemas.openxmlformats.org/drawingml/2006/main" xmlns:r="http://schemas.openxmlformats.org/officeDocument/2006/relationships" xmlns:p="http://schemas.openxmlformats.org/presentationml/2006/main" matchingName="Big number">
   <p:cSld name="BIG_NUMBER">
     <p:spTree>
       <p:nvGrpSpPr>
-        <p:cNvPr id="44" name="Shape 44"/>
+        <p:cNvPr id="1" name="Shape 44"/>
         <p:cNvGrpSpPr/>
         <p:nvPr/>
       </p:nvGrpSpPr>
@@ -1602,9 +1652,11 @@
       <p:sp>
         <p:nvSpPr>
           <p:cNvPr id="45" name="Google Shape;45;p11"/>
-          <p:cNvSpPr txBox="1"/>
+          <p:cNvSpPr txBox="1">
+            <a:spLocks noGrp="1"/>
+          </p:cNvSpPr>
           <p:nvPr>
-            <p:ph hasCustomPrompt="1" type="title"/>
+            <p:ph type="title" hasCustomPrompt="1"/>
           </p:nvPr>
         </p:nvSpPr>
         <p:spPr>
@@ -1617,7 +1669,7 @@
           </a:prstGeom>
         </p:spPr>
         <p:txBody>
-          <a:bodyPr anchorCtr="0" anchor="b" bIns="91425" lIns="91425" spcFirstLastPara="1" rIns="91425" wrap="square" tIns="91425">
+          <a:bodyPr spcFirstLastPara="1" wrap="square" lIns="91425" tIns="91425" rIns="91425" bIns="91425" anchor="b" anchorCtr="0">
             <a:normAutofit/>
           </a:bodyPr>
           <a:lstStyle>
@@ -1731,9 +1783,11 @@
       <p:sp>
         <p:nvSpPr>
           <p:cNvPr id="46" name="Google Shape;46;p11"/>
-          <p:cNvSpPr txBox="1"/>
+          <p:cNvSpPr txBox="1">
+            <a:spLocks noGrp="1"/>
+          </p:cNvSpPr>
           <p:nvPr>
-            <p:ph idx="1" type="body"/>
+            <p:ph type="body" idx="1"/>
           </p:nvPr>
         </p:nvSpPr>
         <p:spPr>
@@ -1746,11 +1800,11 @@
           </a:prstGeom>
         </p:spPr>
         <p:txBody>
-          <a:bodyPr anchorCtr="0" anchor="t" bIns="91425" lIns="91425" spcFirstLastPara="1" rIns="91425" wrap="square" tIns="91425">
+          <a:bodyPr spcFirstLastPara="1" wrap="square" lIns="91425" tIns="91425" rIns="91425" bIns="91425" anchor="t" anchorCtr="0">
             <a:normAutofit/>
           </a:bodyPr>
           <a:lstStyle>
-            <a:lvl1pPr indent="-342900" lvl="0" marL="457200" algn="ctr">
+            <a:lvl1pPr marL="457200" lvl="0" indent="-342900" algn="ctr">
               <a:spcBef>
                 <a:spcPts val="0"/>
               </a:spcBef>
@@ -1761,7 +1815,7 @@
               <a:buChar char="●"/>
               <a:defRPr/>
             </a:lvl1pPr>
-            <a:lvl2pPr indent="-317500" lvl="1" marL="914400" algn="ctr">
+            <a:lvl2pPr marL="914400" lvl="1" indent="-317500" algn="ctr">
               <a:spcBef>
                 <a:spcPts val="0"/>
               </a:spcBef>
@@ -1772,7 +1826,7 @@
               <a:buChar char="○"/>
               <a:defRPr/>
             </a:lvl2pPr>
-            <a:lvl3pPr indent="-317500" lvl="2" marL="1371600" algn="ctr">
+            <a:lvl3pPr marL="1371600" lvl="2" indent="-317500" algn="ctr">
               <a:spcBef>
                 <a:spcPts val="0"/>
               </a:spcBef>
@@ -1783,7 +1837,7 @@
               <a:buChar char="■"/>
               <a:defRPr/>
             </a:lvl3pPr>
-            <a:lvl4pPr indent="-317500" lvl="3" marL="1828800" algn="ctr">
+            <a:lvl4pPr marL="1828800" lvl="3" indent="-317500" algn="ctr">
               <a:spcBef>
                 <a:spcPts val="0"/>
               </a:spcBef>
@@ -1794,7 +1848,7 @@
               <a:buChar char="●"/>
               <a:defRPr/>
             </a:lvl4pPr>
-            <a:lvl5pPr indent="-317500" lvl="4" marL="2286000" algn="ctr">
+            <a:lvl5pPr marL="2286000" lvl="4" indent="-317500" algn="ctr">
               <a:spcBef>
                 <a:spcPts val="0"/>
               </a:spcBef>
@@ -1805,7 +1859,7 @@
               <a:buChar char="○"/>
               <a:defRPr/>
             </a:lvl5pPr>
-            <a:lvl6pPr indent="-317500" lvl="5" marL="2743200" algn="ctr">
+            <a:lvl6pPr marL="2743200" lvl="5" indent="-317500" algn="ctr">
               <a:spcBef>
                 <a:spcPts val="0"/>
               </a:spcBef>
@@ -1816,7 +1870,7 @@
               <a:buChar char="■"/>
               <a:defRPr/>
             </a:lvl6pPr>
-            <a:lvl7pPr indent="-317500" lvl="6" marL="3200400" algn="ctr">
+            <a:lvl7pPr marL="3200400" lvl="6" indent="-317500" algn="ctr">
               <a:spcBef>
                 <a:spcPts val="0"/>
               </a:spcBef>
@@ -1827,7 +1881,7 @@
               <a:buChar char="●"/>
               <a:defRPr/>
             </a:lvl7pPr>
-            <a:lvl8pPr indent="-317500" lvl="7" marL="3657600" algn="ctr">
+            <a:lvl8pPr marL="3657600" lvl="7" indent="-317500" algn="ctr">
               <a:spcBef>
                 <a:spcPts val="0"/>
               </a:spcBef>
@@ -1838,7 +1892,7 @@
               <a:buChar char="○"/>
               <a:defRPr/>
             </a:lvl8pPr>
-            <a:lvl9pPr indent="-317500" lvl="8" marL="4114800" algn="ctr">
+            <a:lvl9pPr marL="4114800" lvl="8" indent="-317500" algn="ctr">
               <a:spcBef>
                 <a:spcPts val="0"/>
               </a:spcBef>
@@ -1850,15 +1904,19 @@
               <a:defRPr/>
             </a:lvl9pPr>
           </a:lstStyle>
-          <a:p/>
+          <a:p>
+            <a:endParaRPr/>
+          </a:p>
         </p:txBody>
       </p:sp>
       <p:sp>
         <p:nvSpPr>
           <p:cNvPr id="47" name="Google Shape;47;p11"/>
-          <p:cNvSpPr txBox="1"/>
+          <p:cNvSpPr txBox="1">
+            <a:spLocks noGrp="1"/>
+          </p:cNvSpPr>
           <p:nvPr>
-            <p:ph idx="12" type="sldNum"/>
+            <p:ph type="sldNum" idx="12"/>
           </p:nvPr>
         </p:nvSpPr>
         <p:spPr>
@@ -1871,7 +1929,7 @@
           </a:prstGeom>
         </p:spPr>
         <p:txBody>
-          <a:bodyPr anchorCtr="0" anchor="ctr" bIns="91425" lIns="91425" spcFirstLastPara="1" rIns="91425" wrap="square" tIns="91425">
+          <a:bodyPr spcFirstLastPara="1" wrap="square" lIns="91425" tIns="91425" rIns="91425" bIns="91425" anchor="ctr" anchorCtr="0">
             <a:normAutofit/>
           </a:bodyPr>
           <a:lstStyle>
@@ -1913,7 +1971,7 @@
             </a:lvl9pPr>
           </a:lstStyle>
           <a:p>
-            <a:pPr indent="0" lvl="0" marL="0" rtl="0" algn="r">
+            <a:pPr marL="0" lvl="0" indent="0" algn="r" rtl="0">
               <a:spcBef>
                 <a:spcPts val="0"/>
               </a:spcBef>
@@ -1939,11 +1997,11 @@
 </file>
 
 <file path=ppt/slideLayouts/slideLayout11.xml><?xml version="1.0" encoding="utf-8"?>
-<p:sldLayout xmlns:a="http://schemas.openxmlformats.org/drawingml/2006/main" xmlns:r="http://schemas.openxmlformats.org/officeDocument/2006/relationships" xmlns:mc="http://schemas.openxmlformats.org/markup-compatibility/2006" xmlns:mv="urn:schemas-microsoft-com:mac:vml" xmlns:p="http://schemas.openxmlformats.org/presentationml/2006/main" xmlns:c="http://schemas.openxmlformats.org/drawingml/2006/chart" xmlns:dgm="http://schemas.openxmlformats.org/drawingml/2006/diagram" xmlns:o="urn:schemas-microsoft-com:office:office" xmlns:v="urn:schemas-microsoft-com:vml" xmlns:pvml="urn:schemas-microsoft-com:office:powerpoint" xmlns:com="http://schemas.openxmlformats.org/drawingml/2006/compatibility" xmlns:p14="http://schemas.microsoft.com/office/powerpoint/2010/main" xmlns:p15="http://schemas.microsoft.com/office/powerpoint/2012/main" xmlns:ahyp="http://schemas.microsoft.com/office/drawing/2018/hyperlinkcolor" matchingName="Blank" type="blank">
+<p:sldLayout xmlns:a="http://schemas.openxmlformats.org/drawingml/2006/main" xmlns:r="http://schemas.openxmlformats.org/officeDocument/2006/relationships" xmlns:p="http://schemas.openxmlformats.org/presentationml/2006/main" matchingName="Blank" type="blank">
   <p:cSld name="BLANK">
     <p:spTree>
       <p:nvGrpSpPr>
-        <p:cNvPr id="48" name="Shape 48"/>
+        <p:cNvPr id="1" name="Shape 48"/>
         <p:cNvGrpSpPr/>
         <p:nvPr/>
       </p:nvGrpSpPr>
@@ -1958,9 +2016,11 @@
       <p:sp>
         <p:nvSpPr>
           <p:cNvPr id="49" name="Google Shape;49;p12"/>
-          <p:cNvSpPr txBox="1"/>
+          <p:cNvSpPr txBox="1">
+            <a:spLocks noGrp="1"/>
+          </p:cNvSpPr>
           <p:nvPr>
-            <p:ph idx="12" type="sldNum"/>
+            <p:ph type="sldNum" idx="12"/>
           </p:nvPr>
         </p:nvSpPr>
         <p:spPr>
@@ -1973,7 +2033,7 @@
           </a:prstGeom>
         </p:spPr>
         <p:txBody>
-          <a:bodyPr anchorCtr="0" anchor="ctr" bIns="91425" lIns="91425" spcFirstLastPara="1" rIns="91425" wrap="square" tIns="91425">
+          <a:bodyPr spcFirstLastPara="1" wrap="square" lIns="91425" tIns="91425" rIns="91425" bIns="91425" anchor="ctr" anchorCtr="0">
             <a:normAutofit/>
           </a:bodyPr>
           <a:lstStyle>
@@ -2015,7 +2075,7 @@
             </a:lvl9pPr>
           </a:lstStyle>
           <a:p>
-            <a:pPr indent="0" lvl="0" marL="0" rtl="0" algn="r">
+            <a:pPr marL="0" lvl="0" indent="0" algn="r" rtl="0">
               <a:spcBef>
                 <a:spcPts val="0"/>
               </a:spcBef>
@@ -2041,11 +2101,11 @@
 </file>
 
 <file path=ppt/slideLayouts/slideLayout2.xml><?xml version="1.0" encoding="utf-8"?>
-<p:sldLayout xmlns:a="http://schemas.openxmlformats.org/drawingml/2006/main" xmlns:r="http://schemas.openxmlformats.org/officeDocument/2006/relationships" xmlns:mc="http://schemas.openxmlformats.org/markup-compatibility/2006" xmlns:mv="urn:schemas-microsoft-com:mac:vml" xmlns:p="http://schemas.openxmlformats.org/presentationml/2006/main" xmlns:c="http://schemas.openxmlformats.org/drawingml/2006/chart" xmlns:dgm="http://schemas.openxmlformats.org/drawingml/2006/diagram" xmlns:o="urn:schemas-microsoft-com:office:office" xmlns:v="urn:schemas-microsoft-com:vml" xmlns:pvml="urn:schemas-microsoft-com:office:powerpoint" xmlns:com="http://schemas.openxmlformats.org/drawingml/2006/compatibility" xmlns:p14="http://schemas.microsoft.com/office/powerpoint/2010/main" xmlns:p15="http://schemas.microsoft.com/office/powerpoint/2012/main" xmlns:ahyp="http://schemas.microsoft.com/office/drawing/2018/hyperlinkcolor" matchingName="Section header" type="secHead">
+<p:sldLayout xmlns:a="http://schemas.openxmlformats.org/drawingml/2006/main" xmlns:r="http://schemas.openxmlformats.org/officeDocument/2006/relationships" xmlns:p="http://schemas.openxmlformats.org/presentationml/2006/main" matchingName="Section header" type="secHead">
   <p:cSld name="SECTION_HEADER">
     <p:spTree>
       <p:nvGrpSpPr>
-        <p:cNvPr id="13" name="Shape 13"/>
+        <p:cNvPr id="1" name="Shape 13"/>
         <p:cNvGrpSpPr/>
         <p:nvPr/>
       </p:nvGrpSpPr>
@@ -2060,7 +2120,9 @@
       <p:sp>
         <p:nvSpPr>
           <p:cNvPr id="14" name="Google Shape;14;p3"/>
-          <p:cNvSpPr txBox="1"/>
+          <p:cNvSpPr txBox="1">
+            <a:spLocks noGrp="1"/>
+          </p:cNvSpPr>
           <p:nvPr>
             <p:ph type="title"/>
           </p:nvPr>
@@ -2075,7 +2137,7 @@
           </a:prstGeom>
         </p:spPr>
         <p:txBody>
-          <a:bodyPr anchorCtr="0" anchor="ctr" bIns="91425" lIns="91425" spcFirstLastPara="1" rIns="91425" wrap="square" tIns="91425">
+          <a:bodyPr spcFirstLastPara="1" wrap="square" lIns="91425" tIns="91425" rIns="91425" bIns="91425" anchor="ctr" anchorCtr="0">
             <a:normAutofit/>
           </a:bodyPr>
           <a:lstStyle>
@@ -2179,15 +2241,19 @@
               <a:defRPr sz="3600"/>
             </a:lvl9pPr>
           </a:lstStyle>
-          <a:p/>
+          <a:p>
+            <a:endParaRPr/>
+          </a:p>
         </p:txBody>
       </p:sp>
       <p:sp>
         <p:nvSpPr>
           <p:cNvPr id="15" name="Google Shape;15;p3"/>
-          <p:cNvSpPr txBox="1"/>
+          <p:cNvSpPr txBox="1">
+            <a:spLocks noGrp="1"/>
+          </p:cNvSpPr>
           <p:nvPr>
-            <p:ph idx="12" type="sldNum"/>
+            <p:ph type="sldNum" idx="12"/>
           </p:nvPr>
         </p:nvSpPr>
         <p:spPr>
@@ -2200,7 +2266,7 @@
           </a:prstGeom>
         </p:spPr>
         <p:txBody>
-          <a:bodyPr anchorCtr="0" anchor="ctr" bIns="91425" lIns="91425" spcFirstLastPara="1" rIns="91425" wrap="square" tIns="91425">
+          <a:bodyPr spcFirstLastPara="1" wrap="square" lIns="91425" tIns="91425" rIns="91425" bIns="91425" anchor="ctr" anchorCtr="0">
             <a:normAutofit/>
           </a:bodyPr>
           <a:lstStyle>
@@ -2242,7 +2308,7 @@
             </a:lvl9pPr>
           </a:lstStyle>
           <a:p>
-            <a:pPr indent="0" lvl="0" marL="0" rtl="0" algn="r">
+            <a:pPr marL="0" lvl="0" indent="0" algn="r" rtl="0">
               <a:spcBef>
                 <a:spcPts val="0"/>
               </a:spcBef>
@@ -2268,11 +2334,11 @@
 </file>
 
 <file path=ppt/slideLayouts/slideLayout3.xml><?xml version="1.0" encoding="utf-8"?>
-<p:sldLayout xmlns:a="http://schemas.openxmlformats.org/drawingml/2006/main" xmlns:r="http://schemas.openxmlformats.org/officeDocument/2006/relationships" xmlns:mc="http://schemas.openxmlformats.org/markup-compatibility/2006" xmlns:mv="urn:schemas-microsoft-com:mac:vml" xmlns:p="http://schemas.openxmlformats.org/presentationml/2006/main" xmlns:c="http://schemas.openxmlformats.org/drawingml/2006/chart" xmlns:dgm="http://schemas.openxmlformats.org/drawingml/2006/diagram" xmlns:o="urn:schemas-microsoft-com:office:office" xmlns:v="urn:schemas-microsoft-com:vml" xmlns:pvml="urn:schemas-microsoft-com:office:powerpoint" xmlns:com="http://schemas.openxmlformats.org/drawingml/2006/compatibility" xmlns:p14="http://schemas.microsoft.com/office/powerpoint/2010/main" xmlns:p15="http://schemas.microsoft.com/office/powerpoint/2012/main" xmlns:ahyp="http://schemas.microsoft.com/office/drawing/2018/hyperlinkcolor" matchingName="Title and body" type="tx">
+<p:sldLayout xmlns:a="http://schemas.openxmlformats.org/drawingml/2006/main" xmlns:r="http://schemas.openxmlformats.org/officeDocument/2006/relationships" xmlns:p="http://schemas.openxmlformats.org/presentationml/2006/main" matchingName="Title and body" type="tx">
   <p:cSld name="TITLE_AND_BODY">
     <p:spTree>
       <p:nvGrpSpPr>
-        <p:cNvPr id="16" name="Shape 16"/>
+        <p:cNvPr id="1" name="Shape 16"/>
         <p:cNvGrpSpPr/>
         <p:nvPr/>
       </p:nvGrpSpPr>
@@ -2287,7 +2353,9 @@
       <p:sp>
         <p:nvSpPr>
           <p:cNvPr id="17" name="Google Shape;17;p4"/>
-          <p:cNvSpPr txBox="1"/>
+          <p:cNvSpPr txBox="1">
+            <a:spLocks noGrp="1"/>
+          </p:cNvSpPr>
           <p:nvPr>
             <p:ph type="title"/>
           </p:nvPr>
@@ -2302,7 +2370,7 @@
           </a:prstGeom>
         </p:spPr>
         <p:txBody>
-          <a:bodyPr anchorCtr="0" anchor="t" bIns="91425" lIns="91425" spcFirstLastPara="1" rIns="91425" wrap="square" tIns="91425">
+          <a:bodyPr spcFirstLastPara="1" wrap="square" lIns="91425" tIns="91425" rIns="91425" bIns="91425" anchor="t" anchorCtr="0">
             <a:normAutofit/>
           </a:bodyPr>
           <a:lstStyle>
@@ -2406,15 +2474,19 @@
               <a:defRPr/>
             </a:lvl9pPr>
           </a:lstStyle>
-          <a:p/>
+          <a:p>
+            <a:endParaRPr/>
+          </a:p>
         </p:txBody>
       </p:sp>
       <p:sp>
         <p:nvSpPr>
           <p:cNvPr id="18" name="Google Shape;18;p4"/>
-          <p:cNvSpPr txBox="1"/>
+          <p:cNvSpPr txBox="1">
+            <a:spLocks noGrp="1"/>
+          </p:cNvSpPr>
           <p:nvPr>
-            <p:ph idx="1" type="body"/>
+            <p:ph type="body" idx="1"/>
           </p:nvPr>
         </p:nvSpPr>
         <p:spPr>
@@ -2427,11 +2499,11 @@
           </a:prstGeom>
         </p:spPr>
         <p:txBody>
-          <a:bodyPr anchorCtr="0" anchor="t" bIns="91425" lIns="91425" spcFirstLastPara="1" rIns="91425" wrap="square" tIns="91425">
+          <a:bodyPr spcFirstLastPara="1" wrap="square" lIns="91425" tIns="91425" rIns="91425" bIns="91425" anchor="t" anchorCtr="0">
             <a:normAutofit/>
           </a:bodyPr>
           <a:lstStyle>
-            <a:lvl1pPr indent="-342900" lvl="0" marL="457200">
+            <a:lvl1pPr marL="457200" lvl="0" indent="-342900">
               <a:spcBef>
                 <a:spcPts val="0"/>
               </a:spcBef>
@@ -2442,7 +2514,7 @@
               <a:buChar char="●"/>
               <a:defRPr/>
             </a:lvl1pPr>
-            <a:lvl2pPr indent="-317500" lvl="1" marL="914400">
+            <a:lvl2pPr marL="914400" lvl="1" indent="-317500">
               <a:spcBef>
                 <a:spcPts val="0"/>
               </a:spcBef>
@@ -2453,7 +2525,7 @@
               <a:buChar char="○"/>
               <a:defRPr/>
             </a:lvl2pPr>
-            <a:lvl3pPr indent="-317500" lvl="2" marL="1371600">
+            <a:lvl3pPr marL="1371600" lvl="2" indent="-317500">
               <a:spcBef>
                 <a:spcPts val="0"/>
               </a:spcBef>
@@ -2464,7 +2536,7 @@
               <a:buChar char="■"/>
               <a:defRPr/>
             </a:lvl3pPr>
-            <a:lvl4pPr indent="-317500" lvl="3" marL="1828800">
+            <a:lvl4pPr marL="1828800" lvl="3" indent="-317500">
               <a:spcBef>
                 <a:spcPts val="0"/>
               </a:spcBef>
@@ -2475,7 +2547,7 @@
               <a:buChar char="●"/>
               <a:defRPr/>
             </a:lvl4pPr>
-            <a:lvl5pPr indent="-317500" lvl="4" marL="2286000">
+            <a:lvl5pPr marL="2286000" lvl="4" indent="-317500">
               <a:spcBef>
                 <a:spcPts val="0"/>
               </a:spcBef>
@@ -2486,7 +2558,7 @@
               <a:buChar char="○"/>
               <a:defRPr/>
             </a:lvl5pPr>
-            <a:lvl6pPr indent="-317500" lvl="5" marL="2743200">
+            <a:lvl6pPr marL="2743200" lvl="5" indent="-317500">
               <a:spcBef>
                 <a:spcPts val="0"/>
               </a:spcBef>
@@ -2497,7 +2569,7 @@
               <a:buChar char="■"/>
               <a:defRPr/>
             </a:lvl6pPr>
-            <a:lvl7pPr indent="-317500" lvl="6" marL="3200400">
+            <a:lvl7pPr marL="3200400" lvl="6" indent="-317500">
               <a:spcBef>
                 <a:spcPts val="0"/>
               </a:spcBef>
@@ -2508,7 +2580,7 @@
               <a:buChar char="●"/>
               <a:defRPr/>
             </a:lvl7pPr>
-            <a:lvl8pPr indent="-317500" lvl="7" marL="3657600">
+            <a:lvl8pPr marL="3657600" lvl="7" indent="-317500">
               <a:spcBef>
                 <a:spcPts val="0"/>
               </a:spcBef>
@@ -2519,7 +2591,7 @@
               <a:buChar char="○"/>
               <a:defRPr/>
             </a:lvl8pPr>
-            <a:lvl9pPr indent="-317500" lvl="8" marL="4114800">
+            <a:lvl9pPr marL="4114800" lvl="8" indent="-317500">
               <a:spcBef>
                 <a:spcPts val="0"/>
               </a:spcBef>
@@ -2531,15 +2603,19 @@
               <a:defRPr/>
             </a:lvl9pPr>
           </a:lstStyle>
-          <a:p/>
+          <a:p>
+            <a:endParaRPr/>
+          </a:p>
         </p:txBody>
       </p:sp>
       <p:sp>
         <p:nvSpPr>
           <p:cNvPr id="19" name="Google Shape;19;p4"/>
-          <p:cNvSpPr txBox="1"/>
+          <p:cNvSpPr txBox="1">
+            <a:spLocks noGrp="1"/>
+          </p:cNvSpPr>
           <p:nvPr>
-            <p:ph idx="12" type="sldNum"/>
+            <p:ph type="sldNum" idx="12"/>
           </p:nvPr>
         </p:nvSpPr>
         <p:spPr>
@@ -2552,7 +2628,7 @@
           </a:prstGeom>
         </p:spPr>
         <p:txBody>
-          <a:bodyPr anchorCtr="0" anchor="ctr" bIns="91425" lIns="91425" spcFirstLastPara="1" rIns="91425" wrap="square" tIns="91425">
+          <a:bodyPr spcFirstLastPara="1" wrap="square" lIns="91425" tIns="91425" rIns="91425" bIns="91425" anchor="ctr" anchorCtr="0">
             <a:normAutofit/>
           </a:bodyPr>
           <a:lstStyle>
@@ -2594,7 +2670,7 @@
             </a:lvl9pPr>
           </a:lstStyle>
           <a:p>
-            <a:pPr indent="0" lvl="0" marL="0" rtl="0" algn="r">
+            <a:pPr marL="0" lvl="0" indent="0" algn="r" rtl="0">
               <a:spcBef>
                 <a:spcPts val="0"/>
               </a:spcBef>
@@ -2620,11 +2696,11 @@
 </file>
 
 <file path=ppt/slideLayouts/slideLayout4.xml><?xml version="1.0" encoding="utf-8"?>
-<p:sldLayout xmlns:a="http://schemas.openxmlformats.org/drawingml/2006/main" xmlns:r="http://schemas.openxmlformats.org/officeDocument/2006/relationships" xmlns:mc="http://schemas.openxmlformats.org/markup-compatibility/2006" xmlns:mv="urn:schemas-microsoft-com:mac:vml" xmlns:p="http://schemas.openxmlformats.org/presentationml/2006/main" xmlns:c="http://schemas.openxmlformats.org/drawingml/2006/chart" xmlns:dgm="http://schemas.openxmlformats.org/drawingml/2006/diagram" xmlns:o="urn:schemas-microsoft-com:office:office" xmlns:v="urn:schemas-microsoft-com:vml" xmlns:pvml="urn:schemas-microsoft-com:office:powerpoint" xmlns:com="http://schemas.openxmlformats.org/drawingml/2006/compatibility" xmlns:p14="http://schemas.microsoft.com/office/powerpoint/2010/main" xmlns:p15="http://schemas.microsoft.com/office/powerpoint/2012/main" xmlns:ahyp="http://schemas.microsoft.com/office/drawing/2018/hyperlinkcolor" matchingName="Title and two columns" type="twoColTx">
+<p:sldLayout xmlns:a="http://schemas.openxmlformats.org/drawingml/2006/main" xmlns:r="http://schemas.openxmlformats.org/officeDocument/2006/relationships" xmlns:p="http://schemas.openxmlformats.org/presentationml/2006/main" matchingName="Title and two columns" type="twoColTx">
   <p:cSld name="TITLE_AND_TWO_COLUMNS">
     <p:spTree>
       <p:nvGrpSpPr>
-        <p:cNvPr id="20" name="Shape 20"/>
+        <p:cNvPr id="1" name="Shape 20"/>
         <p:cNvGrpSpPr/>
         <p:nvPr/>
       </p:nvGrpSpPr>
@@ -2639,7 +2715,9 @@
       <p:sp>
         <p:nvSpPr>
           <p:cNvPr id="21" name="Google Shape;21;p5"/>
-          <p:cNvSpPr txBox="1"/>
+          <p:cNvSpPr txBox="1">
+            <a:spLocks noGrp="1"/>
+          </p:cNvSpPr>
           <p:nvPr>
             <p:ph type="title"/>
           </p:nvPr>
@@ -2654,7 +2732,7 @@
           </a:prstGeom>
         </p:spPr>
         <p:txBody>
-          <a:bodyPr anchorCtr="0" anchor="t" bIns="91425" lIns="91425" spcFirstLastPara="1" rIns="91425" wrap="square" tIns="91425">
+          <a:bodyPr spcFirstLastPara="1" wrap="square" lIns="91425" tIns="91425" rIns="91425" bIns="91425" anchor="t" anchorCtr="0">
             <a:normAutofit/>
           </a:bodyPr>
           <a:lstStyle>
@@ -2758,15 +2836,19 @@
               <a:defRPr/>
             </a:lvl9pPr>
           </a:lstStyle>
-          <a:p/>
+          <a:p>
+            <a:endParaRPr/>
+          </a:p>
         </p:txBody>
       </p:sp>
       <p:sp>
         <p:nvSpPr>
           <p:cNvPr id="22" name="Google Shape;22;p5"/>
-          <p:cNvSpPr txBox="1"/>
+          <p:cNvSpPr txBox="1">
+            <a:spLocks noGrp="1"/>
+          </p:cNvSpPr>
           <p:nvPr>
-            <p:ph idx="1" type="body"/>
+            <p:ph type="body" idx="1"/>
           </p:nvPr>
         </p:nvSpPr>
         <p:spPr>
@@ -2779,11 +2861,11 @@
           </a:prstGeom>
         </p:spPr>
         <p:txBody>
-          <a:bodyPr anchorCtr="0" anchor="t" bIns="91425" lIns="91425" spcFirstLastPara="1" rIns="91425" wrap="square" tIns="91425">
+          <a:bodyPr spcFirstLastPara="1" wrap="square" lIns="91425" tIns="91425" rIns="91425" bIns="91425" anchor="t" anchorCtr="0">
             <a:normAutofit/>
           </a:bodyPr>
           <a:lstStyle>
-            <a:lvl1pPr indent="-317500" lvl="0" marL="457200">
+            <a:lvl1pPr marL="457200" lvl="0" indent="-317500">
               <a:spcBef>
                 <a:spcPts val="0"/>
               </a:spcBef>
@@ -2794,7 +2876,7 @@
               <a:buChar char="●"/>
               <a:defRPr sz="1400"/>
             </a:lvl1pPr>
-            <a:lvl2pPr indent="-304800" lvl="1" marL="914400">
+            <a:lvl2pPr marL="914400" lvl="1" indent="-304800">
               <a:spcBef>
                 <a:spcPts val="0"/>
               </a:spcBef>
@@ -2805,7 +2887,7 @@
               <a:buChar char="○"/>
               <a:defRPr sz="1200"/>
             </a:lvl2pPr>
-            <a:lvl3pPr indent="-304800" lvl="2" marL="1371600">
+            <a:lvl3pPr marL="1371600" lvl="2" indent="-304800">
               <a:spcBef>
                 <a:spcPts val="0"/>
               </a:spcBef>
@@ -2816,7 +2898,7 @@
               <a:buChar char="■"/>
               <a:defRPr sz="1200"/>
             </a:lvl3pPr>
-            <a:lvl4pPr indent="-304800" lvl="3" marL="1828800">
+            <a:lvl4pPr marL="1828800" lvl="3" indent="-304800">
               <a:spcBef>
                 <a:spcPts val="0"/>
               </a:spcBef>
@@ -2827,7 +2909,7 @@
               <a:buChar char="●"/>
               <a:defRPr sz="1200"/>
             </a:lvl4pPr>
-            <a:lvl5pPr indent="-304800" lvl="4" marL="2286000">
+            <a:lvl5pPr marL="2286000" lvl="4" indent="-304800">
               <a:spcBef>
                 <a:spcPts val="0"/>
               </a:spcBef>
@@ -2838,7 +2920,7 @@
               <a:buChar char="○"/>
               <a:defRPr sz="1200"/>
             </a:lvl5pPr>
-            <a:lvl6pPr indent="-304800" lvl="5" marL="2743200">
+            <a:lvl6pPr marL="2743200" lvl="5" indent="-304800">
               <a:spcBef>
                 <a:spcPts val="0"/>
               </a:spcBef>
@@ -2849,7 +2931,7 @@
               <a:buChar char="■"/>
               <a:defRPr sz="1200"/>
             </a:lvl6pPr>
-            <a:lvl7pPr indent="-304800" lvl="6" marL="3200400">
+            <a:lvl7pPr marL="3200400" lvl="6" indent="-304800">
               <a:spcBef>
                 <a:spcPts val="0"/>
               </a:spcBef>
@@ -2860,7 +2942,7 @@
               <a:buChar char="●"/>
               <a:defRPr sz="1200"/>
             </a:lvl7pPr>
-            <a:lvl8pPr indent="-304800" lvl="7" marL="3657600">
+            <a:lvl8pPr marL="3657600" lvl="7" indent="-304800">
               <a:spcBef>
                 <a:spcPts val="0"/>
               </a:spcBef>
@@ -2871,7 +2953,7 @@
               <a:buChar char="○"/>
               <a:defRPr sz="1200"/>
             </a:lvl8pPr>
-            <a:lvl9pPr indent="-304800" lvl="8" marL="4114800">
+            <a:lvl9pPr marL="4114800" lvl="8" indent="-304800">
               <a:spcBef>
                 <a:spcPts val="0"/>
               </a:spcBef>
@@ -2883,15 +2965,19 @@
               <a:defRPr sz="1200"/>
             </a:lvl9pPr>
           </a:lstStyle>
-          <a:p/>
+          <a:p>
+            <a:endParaRPr/>
+          </a:p>
         </p:txBody>
       </p:sp>
       <p:sp>
         <p:nvSpPr>
           <p:cNvPr id="23" name="Google Shape;23;p5"/>
-          <p:cNvSpPr txBox="1"/>
+          <p:cNvSpPr txBox="1">
+            <a:spLocks noGrp="1"/>
+          </p:cNvSpPr>
           <p:nvPr>
-            <p:ph idx="2" type="body"/>
+            <p:ph type="body" idx="2"/>
           </p:nvPr>
         </p:nvSpPr>
         <p:spPr>
@@ -2904,11 +2990,11 @@
           </a:prstGeom>
         </p:spPr>
         <p:txBody>
-          <a:bodyPr anchorCtr="0" anchor="t" bIns="91425" lIns="91425" spcFirstLastPara="1" rIns="91425" wrap="square" tIns="91425">
+          <a:bodyPr spcFirstLastPara="1" wrap="square" lIns="91425" tIns="91425" rIns="91425" bIns="91425" anchor="t" anchorCtr="0">
             <a:normAutofit/>
           </a:bodyPr>
           <a:lstStyle>
-            <a:lvl1pPr indent="-317500" lvl="0" marL="457200">
+            <a:lvl1pPr marL="457200" lvl="0" indent="-317500">
               <a:spcBef>
                 <a:spcPts val="0"/>
               </a:spcBef>
@@ -2919,7 +3005,7 @@
               <a:buChar char="●"/>
               <a:defRPr sz="1400"/>
             </a:lvl1pPr>
-            <a:lvl2pPr indent="-304800" lvl="1" marL="914400">
+            <a:lvl2pPr marL="914400" lvl="1" indent="-304800">
               <a:spcBef>
                 <a:spcPts val="0"/>
               </a:spcBef>
@@ -2930,7 +3016,7 @@
               <a:buChar char="○"/>
               <a:defRPr sz="1200"/>
             </a:lvl2pPr>
-            <a:lvl3pPr indent="-304800" lvl="2" marL="1371600">
+            <a:lvl3pPr marL="1371600" lvl="2" indent="-304800">
               <a:spcBef>
                 <a:spcPts val="0"/>
               </a:spcBef>
@@ -2941,7 +3027,7 @@
               <a:buChar char="■"/>
               <a:defRPr sz="1200"/>
             </a:lvl3pPr>
-            <a:lvl4pPr indent="-304800" lvl="3" marL="1828800">
+            <a:lvl4pPr marL="1828800" lvl="3" indent="-304800">
               <a:spcBef>
                 <a:spcPts val="0"/>
               </a:spcBef>
@@ -2952,7 +3038,7 @@
               <a:buChar char="●"/>
               <a:defRPr sz="1200"/>
             </a:lvl4pPr>
-            <a:lvl5pPr indent="-304800" lvl="4" marL="2286000">
+            <a:lvl5pPr marL="2286000" lvl="4" indent="-304800">
               <a:spcBef>
                 <a:spcPts val="0"/>
               </a:spcBef>
@@ -2963,7 +3049,7 @@
               <a:buChar char="○"/>
               <a:defRPr sz="1200"/>
             </a:lvl5pPr>
-            <a:lvl6pPr indent="-304800" lvl="5" marL="2743200">
+            <a:lvl6pPr marL="2743200" lvl="5" indent="-304800">
               <a:spcBef>
                 <a:spcPts val="0"/>
               </a:spcBef>
@@ -2974,7 +3060,7 @@
               <a:buChar char="■"/>
               <a:defRPr sz="1200"/>
             </a:lvl6pPr>
-            <a:lvl7pPr indent="-304800" lvl="6" marL="3200400">
+            <a:lvl7pPr marL="3200400" lvl="6" indent="-304800">
               <a:spcBef>
                 <a:spcPts val="0"/>
               </a:spcBef>
@@ -2985,7 +3071,7 @@
               <a:buChar char="●"/>
               <a:defRPr sz="1200"/>
             </a:lvl7pPr>
-            <a:lvl8pPr indent="-304800" lvl="7" marL="3657600">
+            <a:lvl8pPr marL="3657600" lvl="7" indent="-304800">
               <a:spcBef>
                 <a:spcPts val="0"/>
               </a:spcBef>
@@ -2996,7 +3082,7 @@
               <a:buChar char="○"/>
               <a:defRPr sz="1200"/>
             </a:lvl8pPr>
-            <a:lvl9pPr indent="-304800" lvl="8" marL="4114800">
+            <a:lvl9pPr marL="4114800" lvl="8" indent="-304800">
               <a:spcBef>
                 <a:spcPts val="0"/>
               </a:spcBef>
@@ -3008,15 +3094,19 @@
               <a:defRPr sz="1200"/>
             </a:lvl9pPr>
           </a:lstStyle>
-          <a:p/>
+          <a:p>
+            <a:endParaRPr/>
+          </a:p>
         </p:txBody>
       </p:sp>
       <p:sp>
         <p:nvSpPr>
           <p:cNvPr id="24" name="Google Shape;24;p5"/>
-          <p:cNvSpPr txBox="1"/>
+          <p:cNvSpPr txBox="1">
+            <a:spLocks noGrp="1"/>
+          </p:cNvSpPr>
           <p:nvPr>
-            <p:ph idx="12" type="sldNum"/>
+            <p:ph type="sldNum" idx="12"/>
           </p:nvPr>
         </p:nvSpPr>
         <p:spPr>
@@ -3029,7 +3119,7 @@
           </a:prstGeom>
         </p:spPr>
         <p:txBody>
-          <a:bodyPr anchorCtr="0" anchor="ctr" bIns="91425" lIns="91425" spcFirstLastPara="1" rIns="91425" wrap="square" tIns="91425">
+          <a:bodyPr spcFirstLastPara="1" wrap="square" lIns="91425" tIns="91425" rIns="91425" bIns="91425" anchor="ctr" anchorCtr="0">
             <a:normAutofit/>
           </a:bodyPr>
           <a:lstStyle>
@@ -3071,7 +3161,7 @@
             </a:lvl9pPr>
           </a:lstStyle>
           <a:p>
-            <a:pPr indent="0" lvl="0" marL="0" rtl="0" algn="r">
+            <a:pPr marL="0" lvl="0" indent="0" algn="r" rtl="0">
               <a:spcBef>
                 <a:spcPts val="0"/>
               </a:spcBef>
@@ -3097,11 +3187,11 @@
 </file>
 
 <file path=ppt/slideLayouts/slideLayout5.xml><?xml version="1.0" encoding="utf-8"?>
-<p:sldLayout xmlns:a="http://schemas.openxmlformats.org/drawingml/2006/main" xmlns:r="http://schemas.openxmlformats.org/officeDocument/2006/relationships" xmlns:mc="http://schemas.openxmlformats.org/markup-compatibility/2006" xmlns:mv="urn:schemas-microsoft-com:mac:vml" xmlns:p="http://schemas.openxmlformats.org/presentationml/2006/main" xmlns:c="http://schemas.openxmlformats.org/drawingml/2006/chart" xmlns:dgm="http://schemas.openxmlformats.org/drawingml/2006/diagram" xmlns:o="urn:schemas-microsoft-com:office:office" xmlns:v="urn:schemas-microsoft-com:vml" xmlns:pvml="urn:schemas-microsoft-com:office:powerpoint" xmlns:com="http://schemas.openxmlformats.org/drawingml/2006/compatibility" xmlns:p14="http://schemas.microsoft.com/office/powerpoint/2010/main" xmlns:p15="http://schemas.microsoft.com/office/powerpoint/2012/main" xmlns:ahyp="http://schemas.microsoft.com/office/drawing/2018/hyperlinkcolor" matchingName="Title only" type="titleOnly">
+<p:sldLayout xmlns:a="http://schemas.openxmlformats.org/drawingml/2006/main" xmlns:r="http://schemas.openxmlformats.org/officeDocument/2006/relationships" xmlns:p="http://schemas.openxmlformats.org/presentationml/2006/main" matchingName="Title only" type="titleOnly">
   <p:cSld name="TITLE_ONLY">
     <p:spTree>
       <p:nvGrpSpPr>
-        <p:cNvPr id="25" name="Shape 25"/>
+        <p:cNvPr id="1" name="Shape 25"/>
         <p:cNvGrpSpPr/>
         <p:nvPr/>
       </p:nvGrpSpPr>
@@ -3116,7 +3206,9 @@
       <p:sp>
         <p:nvSpPr>
           <p:cNvPr id="26" name="Google Shape;26;p6"/>
-          <p:cNvSpPr txBox="1"/>
+          <p:cNvSpPr txBox="1">
+            <a:spLocks noGrp="1"/>
+          </p:cNvSpPr>
           <p:nvPr>
             <p:ph type="title"/>
           </p:nvPr>
@@ -3131,7 +3223,7 @@
           </a:prstGeom>
         </p:spPr>
         <p:txBody>
-          <a:bodyPr anchorCtr="0" anchor="t" bIns="91425" lIns="91425" spcFirstLastPara="1" rIns="91425" wrap="square" tIns="91425">
+          <a:bodyPr spcFirstLastPara="1" wrap="square" lIns="91425" tIns="91425" rIns="91425" bIns="91425" anchor="t" anchorCtr="0">
             <a:normAutofit/>
           </a:bodyPr>
           <a:lstStyle>
@@ -3235,15 +3327,19 @@
               <a:defRPr/>
             </a:lvl9pPr>
           </a:lstStyle>
-          <a:p/>
+          <a:p>
+            <a:endParaRPr/>
+          </a:p>
         </p:txBody>
       </p:sp>
       <p:sp>
         <p:nvSpPr>
           <p:cNvPr id="27" name="Google Shape;27;p6"/>
-          <p:cNvSpPr txBox="1"/>
+          <p:cNvSpPr txBox="1">
+            <a:spLocks noGrp="1"/>
+          </p:cNvSpPr>
           <p:nvPr>
-            <p:ph idx="12" type="sldNum"/>
+            <p:ph type="sldNum" idx="12"/>
           </p:nvPr>
         </p:nvSpPr>
         <p:spPr>
@@ -3256,7 +3352,7 @@
           </a:prstGeom>
         </p:spPr>
         <p:txBody>
-          <a:bodyPr anchorCtr="0" anchor="ctr" bIns="91425" lIns="91425" spcFirstLastPara="1" rIns="91425" wrap="square" tIns="91425">
+          <a:bodyPr spcFirstLastPara="1" wrap="square" lIns="91425" tIns="91425" rIns="91425" bIns="91425" anchor="ctr" anchorCtr="0">
             <a:normAutofit/>
           </a:bodyPr>
           <a:lstStyle>
@@ -3298,7 +3394,7 @@
             </a:lvl9pPr>
           </a:lstStyle>
           <a:p>
-            <a:pPr indent="0" lvl="0" marL="0" rtl="0" algn="r">
+            <a:pPr marL="0" lvl="0" indent="0" algn="r" rtl="0">
               <a:spcBef>
                 <a:spcPts val="0"/>
               </a:spcBef>
@@ -3324,11 +3420,11 @@
 </file>
 
 <file path=ppt/slideLayouts/slideLayout6.xml><?xml version="1.0" encoding="utf-8"?>
-<p:sldLayout xmlns:a="http://schemas.openxmlformats.org/drawingml/2006/main" xmlns:r="http://schemas.openxmlformats.org/officeDocument/2006/relationships" xmlns:mc="http://schemas.openxmlformats.org/markup-compatibility/2006" xmlns:mv="urn:schemas-microsoft-com:mac:vml" xmlns:p="http://schemas.openxmlformats.org/presentationml/2006/main" xmlns:c="http://schemas.openxmlformats.org/drawingml/2006/chart" xmlns:dgm="http://schemas.openxmlformats.org/drawingml/2006/diagram" xmlns:o="urn:schemas-microsoft-com:office:office" xmlns:v="urn:schemas-microsoft-com:vml" xmlns:pvml="urn:schemas-microsoft-com:office:powerpoint" xmlns:com="http://schemas.openxmlformats.org/drawingml/2006/compatibility" xmlns:p14="http://schemas.microsoft.com/office/powerpoint/2010/main" xmlns:p15="http://schemas.microsoft.com/office/powerpoint/2012/main" xmlns:ahyp="http://schemas.microsoft.com/office/drawing/2018/hyperlinkcolor" matchingName="One column text">
+<p:sldLayout xmlns:a="http://schemas.openxmlformats.org/drawingml/2006/main" xmlns:r="http://schemas.openxmlformats.org/officeDocument/2006/relationships" xmlns:p="http://schemas.openxmlformats.org/presentationml/2006/main" matchingName="One column text">
   <p:cSld name="ONE_COLUMN_TEXT">
     <p:spTree>
       <p:nvGrpSpPr>
-        <p:cNvPr id="28" name="Shape 28"/>
+        <p:cNvPr id="1" name="Shape 28"/>
         <p:cNvGrpSpPr/>
         <p:nvPr/>
       </p:nvGrpSpPr>
@@ -3343,7 +3439,9 @@
       <p:sp>
         <p:nvSpPr>
           <p:cNvPr id="29" name="Google Shape;29;p7"/>
-          <p:cNvSpPr txBox="1"/>
+          <p:cNvSpPr txBox="1">
+            <a:spLocks noGrp="1"/>
+          </p:cNvSpPr>
           <p:nvPr>
             <p:ph type="title"/>
           </p:nvPr>
@@ -3358,7 +3456,7 @@
           </a:prstGeom>
         </p:spPr>
         <p:txBody>
-          <a:bodyPr anchorCtr="0" anchor="b" bIns="91425" lIns="91425" spcFirstLastPara="1" rIns="91425" wrap="square" tIns="91425">
+          <a:bodyPr spcFirstLastPara="1" wrap="square" lIns="91425" tIns="91425" rIns="91425" bIns="91425" anchor="b" anchorCtr="0">
             <a:normAutofit/>
           </a:bodyPr>
           <a:lstStyle>
@@ -3462,15 +3560,19 @@
               <a:defRPr sz="2400"/>
             </a:lvl9pPr>
           </a:lstStyle>
-          <a:p/>
+          <a:p>
+            <a:endParaRPr/>
+          </a:p>
         </p:txBody>
       </p:sp>
       <p:sp>
         <p:nvSpPr>
           <p:cNvPr id="30" name="Google Shape;30;p7"/>
-          <p:cNvSpPr txBox="1"/>
+          <p:cNvSpPr txBox="1">
+            <a:spLocks noGrp="1"/>
+          </p:cNvSpPr>
           <p:nvPr>
-            <p:ph idx="1" type="body"/>
+            <p:ph type="body" idx="1"/>
           </p:nvPr>
         </p:nvSpPr>
         <p:spPr>
@@ -3483,11 +3585,11 @@
           </a:prstGeom>
         </p:spPr>
         <p:txBody>
-          <a:bodyPr anchorCtr="0" anchor="t" bIns="91425" lIns="91425" spcFirstLastPara="1" rIns="91425" wrap="square" tIns="91425">
+          <a:bodyPr spcFirstLastPara="1" wrap="square" lIns="91425" tIns="91425" rIns="91425" bIns="91425" anchor="t" anchorCtr="0">
             <a:normAutofit/>
           </a:bodyPr>
           <a:lstStyle>
-            <a:lvl1pPr indent="-304800" lvl="0" marL="457200">
+            <a:lvl1pPr marL="457200" lvl="0" indent="-304800">
               <a:spcBef>
                 <a:spcPts val="0"/>
               </a:spcBef>
@@ -3498,7 +3600,7 @@
               <a:buChar char="●"/>
               <a:defRPr sz="1200"/>
             </a:lvl1pPr>
-            <a:lvl2pPr indent="-304800" lvl="1" marL="914400">
+            <a:lvl2pPr marL="914400" lvl="1" indent="-304800">
               <a:spcBef>
                 <a:spcPts val="0"/>
               </a:spcBef>
@@ -3509,7 +3611,7 @@
               <a:buChar char="○"/>
               <a:defRPr sz="1200"/>
             </a:lvl2pPr>
-            <a:lvl3pPr indent="-304800" lvl="2" marL="1371600">
+            <a:lvl3pPr marL="1371600" lvl="2" indent="-304800">
               <a:spcBef>
                 <a:spcPts val="0"/>
               </a:spcBef>
@@ -3520,7 +3622,7 @@
               <a:buChar char="■"/>
               <a:defRPr sz="1200"/>
             </a:lvl3pPr>
-            <a:lvl4pPr indent="-304800" lvl="3" marL="1828800">
+            <a:lvl4pPr marL="1828800" lvl="3" indent="-304800">
               <a:spcBef>
                 <a:spcPts val="0"/>
               </a:spcBef>
@@ -3531,7 +3633,7 @@
               <a:buChar char="●"/>
               <a:defRPr sz="1200"/>
             </a:lvl4pPr>
-            <a:lvl5pPr indent="-304800" lvl="4" marL="2286000">
+            <a:lvl5pPr marL="2286000" lvl="4" indent="-304800">
               <a:spcBef>
                 <a:spcPts val="0"/>
               </a:spcBef>
@@ -3542,7 +3644,7 @@
               <a:buChar char="○"/>
               <a:defRPr sz="1200"/>
             </a:lvl5pPr>
-            <a:lvl6pPr indent="-304800" lvl="5" marL="2743200">
+            <a:lvl6pPr marL="2743200" lvl="5" indent="-304800">
               <a:spcBef>
                 <a:spcPts val="0"/>
               </a:spcBef>
@@ -3553,7 +3655,7 @@
               <a:buChar char="■"/>
               <a:defRPr sz="1200"/>
             </a:lvl6pPr>
-            <a:lvl7pPr indent="-304800" lvl="6" marL="3200400">
+            <a:lvl7pPr marL="3200400" lvl="6" indent="-304800">
               <a:spcBef>
                 <a:spcPts val="0"/>
               </a:spcBef>
@@ -3564,7 +3666,7 @@
               <a:buChar char="●"/>
               <a:defRPr sz="1200"/>
             </a:lvl7pPr>
-            <a:lvl8pPr indent="-304800" lvl="7" marL="3657600">
+            <a:lvl8pPr marL="3657600" lvl="7" indent="-304800">
               <a:spcBef>
                 <a:spcPts val="0"/>
               </a:spcBef>
@@ -3575,7 +3677,7 @@
               <a:buChar char="○"/>
               <a:defRPr sz="1200"/>
             </a:lvl8pPr>
-            <a:lvl9pPr indent="-304800" lvl="8" marL="4114800">
+            <a:lvl9pPr marL="4114800" lvl="8" indent="-304800">
               <a:spcBef>
                 <a:spcPts val="0"/>
               </a:spcBef>
@@ -3587,15 +3689,19 @@
               <a:defRPr sz="1200"/>
             </a:lvl9pPr>
           </a:lstStyle>
-          <a:p/>
+          <a:p>
+            <a:endParaRPr/>
+          </a:p>
         </p:txBody>
       </p:sp>
       <p:sp>
         <p:nvSpPr>
           <p:cNvPr id="31" name="Google Shape;31;p7"/>
-          <p:cNvSpPr txBox="1"/>
+          <p:cNvSpPr txBox="1">
+            <a:spLocks noGrp="1"/>
+          </p:cNvSpPr>
           <p:nvPr>
-            <p:ph idx="12" type="sldNum"/>
+            <p:ph type="sldNum" idx="12"/>
           </p:nvPr>
         </p:nvSpPr>
         <p:spPr>
@@ -3608,7 +3714,7 @@
           </a:prstGeom>
         </p:spPr>
         <p:txBody>
-          <a:bodyPr anchorCtr="0" anchor="ctr" bIns="91425" lIns="91425" spcFirstLastPara="1" rIns="91425" wrap="square" tIns="91425">
+          <a:bodyPr spcFirstLastPara="1" wrap="square" lIns="91425" tIns="91425" rIns="91425" bIns="91425" anchor="ctr" anchorCtr="0">
             <a:normAutofit/>
           </a:bodyPr>
           <a:lstStyle>
@@ -3650,7 +3756,7 @@
             </a:lvl9pPr>
           </a:lstStyle>
           <a:p>
-            <a:pPr indent="0" lvl="0" marL="0" rtl="0" algn="r">
+            <a:pPr marL="0" lvl="0" indent="0" algn="r" rtl="0">
               <a:spcBef>
                 <a:spcPts val="0"/>
               </a:spcBef>
@@ -3676,11 +3782,11 @@
 </file>
 
 <file path=ppt/slideLayouts/slideLayout7.xml><?xml version="1.0" encoding="utf-8"?>
-<p:sldLayout xmlns:a="http://schemas.openxmlformats.org/drawingml/2006/main" xmlns:r="http://schemas.openxmlformats.org/officeDocument/2006/relationships" xmlns:mc="http://schemas.openxmlformats.org/markup-compatibility/2006" xmlns:mv="urn:schemas-microsoft-com:mac:vml" xmlns:p="http://schemas.openxmlformats.org/presentationml/2006/main" xmlns:c="http://schemas.openxmlformats.org/drawingml/2006/chart" xmlns:dgm="http://schemas.openxmlformats.org/drawingml/2006/diagram" xmlns:o="urn:schemas-microsoft-com:office:office" xmlns:v="urn:schemas-microsoft-com:vml" xmlns:pvml="urn:schemas-microsoft-com:office:powerpoint" xmlns:com="http://schemas.openxmlformats.org/drawingml/2006/compatibility" xmlns:p14="http://schemas.microsoft.com/office/powerpoint/2010/main" xmlns:p15="http://schemas.microsoft.com/office/powerpoint/2012/main" xmlns:ahyp="http://schemas.microsoft.com/office/drawing/2018/hyperlinkcolor" matchingName="Main point">
+<p:sldLayout xmlns:a="http://schemas.openxmlformats.org/drawingml/2006/main" xmlns:r="http://schemas.openxmlformats.org/officeDocument/2006/relationships" xmlns:p="http://schemas.openxmlformats.org/presentationml/2006/main" matchingName="Main point">
   <p:cSld name="MAIN_POINT">
     <p:spTree>
       <p:nvGrpSpPr>
-        <p:cNvPr id="32" name="Shape 32"/>
+        <p:cNvPr id="1" name="Shape 32"/>
         <p:cNvGrpSpPr/>
         <p:nvPr/>
       </p:nvGrpSpPr>
@@ -3695,7 +3801,9 @@
       <p:sp>
         <p:nvSpPr>
           <p:cNvPr id="33" name="Google Shape;33;p8"/>
-          <p:cNvSpPr txBox="1"/>
+          <p:cNvSpPr txBox="1">
+            <a:spLocks noGrp="1"/>
+          </p:cNvSpPr>
           <p:nvPr>
             <p:ph type="title"/>
           </p:nvPr>
@@ -3710,7 +3818,7 @@
           </a:prstGeom>
         </p:spPr>
         <p:txBody>
-          <a:bodyPr anchorCtr="0" anchor="ctr" bIns="91425" lIns="91425" spcFirstLastPara="1" rIns="91425" wrap="square" tIns="91425">
+          <a:bodyPr spcFirstLastPara="1" wrap="square" lIns="91425" tIns="91425" rIns="91425" bIns="91425" anchor="ctr" anchorCtr="0">
             <a:normAutofit/>
           </a:bodyPr>
           <a:lstStyle>
@@ -3814,15 +3922,19 @@
               <a:defRPr sz="4800"/>
             </a:lvl9pPr>
           </a:lstStyle>
-          <a:p/>
+          <a:p>
+            <a:endParaRPr/>
+          </a:p>
         </p:txBody>
       </p:sp>
       <p:sp>
         <p:nvSpPr>
           <p:cNvPr id="34" name="Google Shape;34;p8"/>
-          <p:cNvSpPr txBox="1"/>
+          <p:cNvSpPr txBox="1">
+            <a:spLocks noGrp="1"/>
+          </p:cNvSpPr>
           <p:nvPr>
-            <p:ph idx="12" type="sldNum"/>
+            <p:ph type="sldNum" idx="12"/>
           </p:nvPr>
         </p:nvSpPr>
         <p:spPr>
@@ -3835,7 +3947,7 @@
           </a:prstGeom>
         </p:spPr>
         <p:txBody>
-          <a:bodyPr anchorCtr="0" anchor="ctr" bIns="91425" lIns="91425" spcFirstLastPara="1" rIns="91425" wrap="square" tIns="91425">
+          <a:bodyPr spcFirstLastPara="1" wrap="square" lIns="91425" tIns="91425" rIns="91425" bIns="91425" anchor="ctr" anchorCtr="0">
             <a:normAutofit/>
           </a:bodyPr>
           <a:lstStyle>
@@ -3877,7 +3989,7 @@
             </a:lvl9pPr>
           </a:lstStyle>
           <a:p>
-            <a:pPr indent="0" lvl="0" marL="0" rtl="0" algn="r">
+            <a:pPr marL="0" lvl="0" indent="0" algn="r" rtl="0">
               <a:spcBef>
                 <a:spcPts val="0"/>
               </a:spcBef>
@@ -3903,11 +4015,11 @@
 </file>
 
 <file path=ppt/slideLayouts/slideLayout8.xml><?xml version="1.0" encoding="utf-8"?>
-<p:sldLayout xmlns:a="http://schemas.openxmlformats.org/drawingml/2006/main" xmlns:r="http://schemas.openxmlformats.org/officeDocument/2006/relationships" xmlns:mc="http://schemas.openxmlformats.org/markup-compatibility/2006" xmlns:mv="urn:schemas-microsoft-com:mac:vml" xmlns:p="http://schemas.openxmlformats.org/presentationml/2006/main" xmlns:c="http://schemas.openxmlformats.org/drawingml/2006/chart" xmlns:dgm="http://schemas.openxmlformats.org/drawingml/2006/diagram" xmlns:o="urn:schemas-microsoft-com:office:office" xmlns:v="urn:schemas-microsoft-com:vml" xmlns:pvml="urn:schemas-microsoft-com:office:powerpoint" xmlns:com="http://schemas.openxmlformats.org/drawingml/2006/compatibility" xmlns:p14="http://schemas.microsoft.com/office/powerpoint/2010/main" xmlns:p15="http://schemas.microsoft.com/office/powerpoint/2012/main" xmlns:ahyp="http://schemas.microsoft.com/office/drawing/2018/hyperlinkcolor" matchingName="Section title and description">
+<p:sldLayout xmlns:a="http://schemas.openxmlformats.org/drawingml/2006/main" xmlns:r="http://schemas.openxmlformats.org/officeDocument/2006/relationships" xmlns:p="http://schemas.openxmlformats.org/presentationml/2006/main" matchingName="Section title and description">
   <p:cSld name="SECTION_TITLE_AND_DESCRIPTION">
     <p:spTree>
       <p:nvGrpSpPr>
-        <p:cNvPr id="35" name="Shape 35"/>
+        <p:cNvPr id="1" name="Shape 35"/>
         <p:cNvGrpSpPr/>
         <p:nvPr/>
       </p:nvGrpSpPr>
@@ -3941,12 +4053,12 @@
           </a:ln>
         </p:spPr>
         <p:txBody>
-          <a:bodyPr anchorCtr="0" anchor="ctr" bIns="91425" lIns="91425" spcFirstLastPara="1" rIns="91425" wrap="square" tIns="91425">
+          <a:bodyPr spcFirstLastPara="1" wrap="square" lIns="91425" tIns="91425" rIns="91425" bIns="91425" anchor="ctr" anchorCtr="0">
             <a:noAutofit/>
           </a:bodyPr>
           <a:lstStyle/>
           <a:p>
-            <a:pPr indent="0" lvl="0" marL="0" rtl="0" algn="l">
+            <a:pPr marL="0" lvl="0" indent="0" algn="l" rtl="0">
               <a:spcBef>
                 <a:spcPts val="0"/>
               </a:spcBef>
@@ -3955,9 +4067,6 @@
               </a:spcAft>
               <a:buNone/>
             </a:pPr>
-            <a:r>
-              <a:t/>
-            </a:r>
             <a:endParaRPr/>
           </a:p>
         </p:txBody>
@@ -3965,7 +4074,9 @@
       <p:sp>
         <p:nvSpPr>
           <p:cNvPr id="37" name="Google Shape;37;p9"/>
-          <p:cNvSpPr txBox="1"/>
+          <p:cNvSpPr txBox="1">
+            <a:spLocks noGrp="1"/>
+          </p:cNvSpPr>
           <p:nvPr>
             <p:ph type="title"/>
           </p:nvPr>
@@ -3980,7 +4091,7 @@
           </a:prstGeom>
         </p:spPr>
         <p:txBody>
-          <a:bodyPr anchorCtr="0" anchor="b" bIns="91425" lIns="91425" spcFirstLastPara="1" rIns="91425" wrap="square" tIns="91425">
+          <a:bodyPr spcFirstLastPara="1" wrap="square" lIns="91425" tIns="91425" rIns="91425" bIns="91425" anchor="b" anchorCtr="0">
             <a:normAutofit/>
           </a:bodyPr>
           <a:lstStyle>
@@ -4084,15 +4195,19 @@
               <a:defRPr sz="4200"/>
             </a:lvl9pPr>
           </a:lstStyle>
-          <a:p/>
+          <a:p>
+            <a:endParaRPr/>
+          </a:p>
         </p:txBody>
       </p:sp>
       <p:sp>
         <p:nvSpPr>
           <p:cNvPr id="38" name="Google Shape;38;p9"/>
-          <p:cNvSpPr txBox="1"/>
+          <p:cNvSpPr txBox="1">
+            <a:spLocks noGrp="1"/>
+          </p:cNvSpPr>
           <p:nvPr>
-            <p:ph idx="1" type="subTitle"/>
+            <p:ph type="subTitle" idx="1"/>
           </p:nvPr>
         </p:nvSpPr>
         <p:spPr>
@@ -4105,7 +4220,7 @@
           </a:prstGeom>
         </p:spPr>
         <p:txBody>
-          <a:bodyPr anchorCtr="0" anchor="t" bIns="91425" lIns="91425" spcFirstLastPara="1" rIns="91425" wrap="square" tIns="91425">
+          <a:bodyPr spcFirstLastPara="1" wrap="square" lIns="91425" tIns="91425" rIns="91425" bIns="91425" anchor="t" anchorCtr="0">
             <a:normAutofit/>
           </a:bodyPr>
           <a:lstStyle>
@@ -4236,15 +4351,19 @@
               <a:defRPr sz="2100"/>
             </a:lvl9pPr>
           </a:lstStyle>
-          <a:p/>
+          <a:p>
+            <a:endParaRPr/>
+          </a:p>
         </p:txBody>
       </p:sp>
       <p:sp>
         <p:nvSpPr>
           <p:cNvPr id="39" name="Google Shape;39;p9"/>
-          <p:cNvSpPr txBox="1"/>
+          <p:cNvSpPr txBox="1">
+            <a:spLocks noGrp="1"/>
+          </p:cNvSpPr>
           <p:nvPr>
-            <p:ph idx="2" type="body"/>
+            <p:ph type="body" idx="2"/>
           </p:nvPr>
         </p:nvSpPr>
         <p:spPr>
@@ -4257,11 +4376,11 @@
           </a:prstGeom>
         </p:spPr>
         <p:txBody>
-          <a:bodyPr anchorCtr="0" anchor="ctr" bIns="91425" lIns="91425" spcFirstLastPara="1" rIns="91425" wrap="square" tIns="91425">
+          <a:bodyPr spcFirstLastPara="1" wrap="square" lIns="91425" tIns="91425" rIns="91425" bIns="91425" anchor="ctr" anchorCtr="0">
             <a:normAutofit/>
           </a:bodyPr>
           <a:lstStyle>
-            <a:lvl1pPr indent="-342900" lvl="0" marL="457200">
+            <a:lvl1pPr marL="457200" lvl="0" indent="-342900">
               <a:spcBef>
                 <a:spcPts val="0"/>
               </a:spcBef>
@@ -4272,7 +4391,7 @@
               <a:buChar char="●"/>
               <a:defRPr/>
             </a:lvl1pPr>
-            <a:lvl2pPr indent="-317500" lvl="1" marL="914400">
+            <a:lvl2pPr marL="914400" lvl="1" indent="-317500">
               <a:spcBef>
                 <a:spcPts val="0"/>
               </a:spcBef>
@@ -4283,7 +4402,7 @@
               <a:buChar char="○"/>
               <a:defRPr/>
             </a:lvl2pPr>
-            <a:lvl3pPr indent="-317500" lvl="2" marL="1371600">
+            <a:lvl3pPr marL="1371600" lvl="2" indent="-317500">
               <a:spcBef>
                 <a:spcPts val="0"/>
               </a:spcBef>
@@ -4294,7 +4413,7 @@
               <a:buChar char="■"/>
               <a:defRPr/>
             </a:lvl3pPr>
-            <a:lvl4pPr indent="-317500" lvl="3" marL="1828800">
+            <a:lvl4pPr marL="1828800" lvl="3" indent="-317500">
               <a:spcBef>
                 <a:spcPts val="0"/>
               </a:spcBef>
@@ -4305,7 +4424,7 @@
               <a:buChar char="●"/>
               <a:defRPr/>
             </a:lvl4pPr>
-            <a:lvl5pPr indent="-317500" lvl="4" marL="2286000">
+            <a:lvl5pPr marL="2286000" lvl="4" indent="-317500">
               <a:spcBef>
                 <a:spcPts val="0"/>
               </a:spcBef>
@@ -4316,7 +4435,7 @@
               <a:buChar char="○"/>
               <a:defRPr/>
             </a:lvl5pPr>
-            <a:lvl6pPr indent="-317500" lvl="5" marL="2743200">
+            <a:lvl6pPr marL="2743200" lvl="5" indent="-317500">
               <a:spcBef>
                 <a:spcPts val="0"/>
               </a:spcBef>
@@ -4327,7 +4446,7 @@
               <a:buChar char="■"/>
               <a:defRPr/>
             </a:lvl6pPr>
-            <a:lvl7pPr indent="-317500" lvl="6" marL="3200400">
+            <a:lvl7pPr marL="3200400" lvl="6" indent="-317500">
               <a:spcBef>
                 <a:spcPts val="0"/>
               </a:spcBef>
@@ -4338,7 +4457,7 @@
               <a:buChar char="●"/>
               <a:defRPr/>
             </a:lvl7pPr>
-            <a:lvl8pPr indent="-317500" lvl="7" marL="3657600">
+            <a:lvl8pPr marL="3657600" lvl="7" indent="-317500">
               <a:spcBef>
                 <a:spcPts val="0"/>
               </a:spcBef>
@@ -4349,7 +4468,7 @@
               <a:buChar char="○"/>
               <a:defRPr/>
             </a:lvl8pPr>
-            <a:lvl9pPr indent="-317500" lvl="8" marL="4114800">
+            <a:lvl9pPr marL="4114800" lvl="8" indent="-317500">
               <a:spcBef>
                 <a:spcPts val="0"/>
               </a:spcBef>
@@ -4361,15 +4480,19 @@
               <a:defRPr/>
             </a:lvl9pPr>
           </a:lstStyle>
-          <a:p/>
+          <a:p>
+            <a:endParaRPr/>
+          </a:p>
         </p:txBody>
       </p:sp>
       <p:sp>
         <p:nvSpPr>
           <p:cNvPr id="40" name="Google Shape;40;p9"/>
-          <p:cNvSpPr txBox="1"/>
+          <p:cNvSpPr txBox="1">
+            <a:spLocks noGrp="1"/>
+          </p:cNvSpPr>
           <p:nvPr>
-            <p:ph idx="12" type="sldNum"/>
+            <p:ph type="sldNum" idx="12"/>
           </p:nvPr>
         </p:nvSpPr>
         <p:spPr>
@@ -4382,7 +4505,7 @@
           </a:prstGeom>
         </p:spPr>
         <p:txBody>
-          <a:bodyPr anchorCtr="0" anchor="ctr" bIns="91425" lIns="91425" spcFirstLastPara="1" rIns="91425" wrap="square" tIns="91425">
+          <a:bodyPr spcFirstLastPara="1" wrap="square" lIns="91425" tIns="91425" rIns="91425" bIns="91425" anchor="ctr" anchorCtr="0">
             <a:normAutofit/>
           </a:bodyPr>
           <a:lstStyle>
@@ -4424,7 +4547,7 @@
             </a:lvl9pPr>
           </a:lstStyle>
           <a:p>
-            <a:pPr indent="0" lvl="0" marL="0" rtl="0" algn="r">
+            <a:pPr marL="0" lvl="0" indent="0" algn="r" rtl="0">
               <a:spcBef>
                 <a:spcPts val="0"/>
               </a:spcBef>
@@ -4450,11 +4573,11 @@
 </file>
 
 <file path=ppt/slideLayouts/slideLayout9.xml><?xml version="1.0" encoding="utf-8"?>
-<p:sldLayout xmlns:a="http://schemas.openxmlformats.org/drawingml/2006/main" xmlns:r="http://schemas.openxmlformats.org/officeDocument/2006/relationships" xmlns:mc="http://schemas.openxmlformats.org/markup-compatibility/2006" xmlns:mv="urn:schemas-microsoft-com:mac:vml" xmlns:p="http://schemas.openxmlformats.org/presentationml/2006/main" xmlns:c="http://schemas.openxmlformats.org/drawingml/2006/chart" xmlns:dgm="http://schemas.openxmlformats.org/drawingml/2006/diagram" xmlns:o="urn:schemas-microsoft-com:office:office" xmlns:v="urn:schemas-microsoft-com:vml" xmlns:pvml="urn:schemas-microsoft-com:office:powerpoint" xmlns:com="http://schemas.openxmlformats.org/drawingml/2006/compatibility" xmlns:p14="http://schemas.microsoft.com/office/powerpoint/2010/main" xmlns:p15="http://schemas.microsoft.com/office/powerpoint/2012/main" xmlns:ahyp="http://schemas.microsoft.com/office/drawing/2018/hyperlinkcolor" matchingName="Caption">
+<p:sldLayout xmlns:a="http://schemas.openxmlformats.org/drawingml/2006/main" xmlns:r="http://schemas.openxmlformats.org/officeDocument/2006/relationships" xmlns:p="http://schemas.openxmlformats.org/presentationml/2006/main" matchingName="Caption">
   <p:cSld name="CAPTION_ONLY">
     <p:spTree>
       <p:nvGrpSpPr>
-        <p:cNvPr id="41" name="Shape 41"/>
+        <p:cNvPr id="1" name="Shape 41"/>
         <p:cNvGrpSpPr/>
         <p:nvPr/>
       </p:nvGrpSpPr>
@@ -4469,9 +4592,11 @@
       <p:sp>
         <p:nvSpPr>
           <p:cNvPr id="42" name="Google Shape;42;p10"/>
-          <p:cNvSpPr txBox="1"/>
+          <p:cNvSpPr txBox="1">
+            <a:spLocks noGrp="1"/>
+          </p:cNvSpPr>
           <p:nvPr>
-            <p:ph idx="1" type="body"/>
+            <p:ph type="body" idx="1"/>
           </p:nvPr>
         </p:nvSpPr>
         <p:spPr>
@@ -4484,11 +4609,11 @@
           </a:prstGeom>
         </p:spPr>
         <p:txBody>
-          <a:bodyPr anchorCtr="0" anchor="ctr" bIns="91425" lIns="91425" spcFirstLastPara="1" rIns="91425" wrap="square" tIns="91425">
+          <a:bodyPr spcFirstLastPara="1" wrap="square" lIns="91425" tIns="91425" rIns="91425" bIns="91425" anchor="ctr" anchorCtr="0">
             <a:normAutofit/>
           </a:bodyPr>
           <a:lstStyle>
-            <a:lvl1pPr indent="-228600" lvl="0" marL="457200">
+            <a:lvl1pPr marL="457200" lvl="0" indent="-228600">
               <a:lnSpc>
                 <a:spcPct val="100000"/>
               </a:lnSpc>
@@ -4503,15 +4628,19 @@
               <a:defRPr/>
             </a:lvl1pPr>
           </a:lstStyle>
-          <a:p/>
+          <a:p>
+            <a:endParaRPr/>
+          </a:p>
         </p:txBody>
       </p:sp>
       <p:sp>
         <p:nvSpPr>
           <p:cNvPr id="43" name="Google Shape;43;p10"/>
-          <p:cNvSpPr txBox="1"/>
+          <p:cNvSpPr txBox="1">
+            <a:spLocks noGrp="1"/>
+          </p:cNvSpPr>
           <p:nvPr>
-            <p:ph idx="12" type="sldNum"/>
+            <p:ph type="sldNum" idx="12"/>
           </p:nvPr>
         </p:nvSpPr>
         <p:spPr>
@@ -4524,7 +4653,7 @@
           </a:prstGeom>
         </p:spPr>
         <p:txBody>
-          <a:bodyPr anchorCtr="0" anchor="ctr" bIns="91425" lIns="91425" spcFirstLastPara="1" rIns="91425" wrap="square" tIns="91425">
+          <a:bodyPr spcFirstLastPara="1" wrap="square" lIns="91425" tIns="91425" rIns="91425" bIns="91425" anchor="ctr" anchorCtr="0">
             <a:normAutofit/>
           </a:bodyPr>
           <a:lstStyle>
@@ -4566,7 +4695,7 @@
             </a:lvl9pPr>
           </a:lstStyle>
           <a:p>
-            <a:pPr indent="0" lvl="0" marL="0" rtl="0" algn="r">
+            <a:pPr marL="0" lvl="0" indent="0" algn="r" rtl="0">
               <a:spcBef>
                 <a:spcPts val="0"/>
               </a:spcBef>
@@ -4592,18 +4721,19 @@
 </file>
 
 <file path=ppt/slideMasters/slideMaster1.xml><?xml version="1.0" encoding="utf-8"?>
-<p:sldMaster xmlns:a="http://schemas.openxmlformats.org/drawingml/2006/main" xmlns:r="http://schemas.openxmlformats.org/officeDocument/2006/relationships" xmlns:mc="http://schemas.openxmlformats.org/markup-compatibility/2006" xmlns:mv="urn:schemas-microsoft-com:mac:vml" xmlns:p="http://schemas.openxmlformats.org/presentationml/2006/main" xmlns:c="http://schemas.openxmlformats.org/drawingml/2006/chart" xmlns:dgm="http://schemas.openxmlformats.org/drawingml/2006/diagram" xmlns:o="urn:schemas-microsoft-com:office:office" xmlns:v="urn:schemas-microsoft-com:vml" xmlns:pvml="urn:schemas-microsoft-com:office:powerpoint" xmlns:com="http://schemas.openxmlformats.org/drawingml/2006/compatibility" xmlns:p14="http://schemas.microsoft.com/office/powerpoint/2010/main" xmlns:p15="http://schemas.microsoft.com/office/powerpoint/2012/main" xmlns:ahyp="http://schemas.microsoft.com/office/drawing/2018/hyperlinkcolor">
+<p:sldMaster xmlns:a="http://schemas.openxmlformats.org/drawingml/2006/main" xmlns:r="http://schemas.openxmlformats.org/officeDocument/2006/relationships" xmlns:p="http://schemas.openxmlformats.org/presentationml/2006/main">
   <p:cSld name="simple-light-2">
     <p:bg>
       <p:bgPr>
         <a:solidFill>
           <a:schemeClr val="lt1"/>
         </a:solidFill>
+        <a:effectLst/>
       </p:bgPr>
     </p:bg>
     <p:spTree>
       <p:nvGrpSpPr>
-        <p:cNvPr id="5" name="Shape 5"/>
+        <p:cNvPr id="1" name="Shape 5"/>
         <p:cNvGrpSpPr/>
         <p:nvPr/>
       </p:nvGrpSpPr>
@@ -4618,7 +4748,9 @@
       <p:sp>
         <p:nvSpPr>
           <p:cNvPr id="6" name="Google Shape;6;p1"/>
-          <p:cNvSpPr txBox="1"/>
+          <p:cNvSpPr txBox="1">
+            <a:spLocks noGrp="1"/>
+          </p:cNvSpPr>
           <p:nvPr>
             <p:ph type="title"/>
           </p:nvPr>
@@ -4637,7 +4769,7 @@
           </a:ln>
         </p:spPr>
         <p:txBody>
-          <a:bodyPr anchorCtr="0" anchor="t" bIns="91425" lIns="91425" spcFirstLastPara="1" rIns="91425" wrap="square" tIns="91425">
+          <a:bodyPr spcFirstLastPara="1" wrap="square" lIns="91425" tIns="91425" rIns="91425" bIns="91425" anchor="t" anchorCtr="0">
             <a:normAutofit/>
           </a:bodyPr>
           <a:lstStyle>
@@ -4804,15 +4936,19 @@
               </a:defRPr>
             </a:lvl9pPr>
           </a:lstStyle>
-          <a:p/>
+          <a:p>
+            <a:endParaRPr/>
+          </a:p>
         </p:txBody>
       </p:sp>
       <p:sp>
         <p:nvSpPr>
           <p:cNvPr id="7" name="Google Shape;7;p1"/>
-          <p:cNvSpPr txBox="1"/>
+          <p:cNvSpPr txBox="1">
+            <a:spLocks noGrp="1"/>
+          </p:cNvSpPr>
           <p:nvPr>
-            <p:ph idx="1" type="body"/>
+            <p:ph type="body" idx="1"/>
           </p:nvPr>
         </p:nvSpPr>
         <p:spPr>
@@ -4829,11 +4965,11 @@
           </a:ln>
         </p:spPr>
         <p:txBody>
-          <a:bodyPr anchorCtr="0" anchor="t" bIns="91425" lIns="91425" spcFirstLastPara="1" rIns="91425" wrap="square" tIns="91425">
+          <a:bodyPr spcFirstLastPara="1" wrap="square" lIns="91425" tIns="91425" rIns="91425" bIns="91425" anchor="t" anchorCtr="0">
             <a:normAutofit/>
           </a:bodyPr>
           <a:lstStyle>
-            <a:lvl1pPr indent="-342900" lvl="0" marL="457200">
+            <a:lvl1pPr marL="457200" lvl="0" indent="-342900">
               <a:lnSpc>
                 <a:spcPct val="115000"/>
               </a:lnSpc>
@@ -4854,7 +4990,7 @@
                 </a:solidFill>
               </a:defRPr>
             </a:lvl1pPr>
-            <a:lvl2pPr indent="-317500" lvl="1" marL="914400">
+            <a:lvl2pPr marL="914400" lvl="1" indent="-317500">
               <a:lnSpc>
                 <a:spcPct val="115000"/>
               </a:lnSpc>
@@ -4875,7 +5011,7 @@
                 </a:solidFill>
               </a:defRPr>
             </a:lvl2pPr>
-            <a:lvl3pPr indent="-317500" lvl="2" marL="1371600">
+            <a:lvl3pPr marL="1371600" lvl="2" indent="-317500">
               <a:lnSpc>
                 <a:spcPct val="115000"/>
               </a:lnSpc>
@@ -4896,7 +5032,7 @@
                 </a:solidFill>
               </a:defRPr>
             </a:lvl3pPr>
-            <a:lvl4pPr indent="-317500" lvl="3" marL="1828800">
+            <a:lvl4pPr marL="1828800" lvl="3" indent="-317500">
               <a:lnSpc>
                 <a:spcPct val="115000"/>
               </a:lnSpc>
@@ -4917,7 +5053,7 @@
                 </a:solidFill>
               </a:defRPr>
             </a:lvl4pPr>
-            <a:lvl5pPr indent="-317500" lvl="4" marL="2286000">
+            <a:lvl5pPr marL="2286000" lvl="4" indent="-317500">
               <a:lnSpc>
                 <a:spcPct val="115000"/>
               </a:lnSpc>
@@ -4938,7 +5074,7 @@
                 </a:solidFill>
               </a:defRPr>
             </a:lvl5pPr>
-            <a:lvl6pPr indent="-317500" lvl="5" marL="2743200">
+            <a:lvl6pPr marL="2743200" lvl="5" indent="-317500">
               <a:lnSpc>
                 <a:spcPct val="115000"/>
               </a:lnSpc>
@@ -4959,7 +5095,7 @@
                 </a:solidFill>
               </a:defRPr>
             </a:lvl6pPr>
-            <a:lvl7pPr indent="-317500" lvl="6" marL="3200400">
+            <a:lvl7pPr marL="3200400" lvl="6" indent="-317500">
               <a:lnSpc>
                 <a:spcPct val="115000"/>
               </a:lnSpc>
@@ -4980,7 +5116,7 @@
                 </a:solidFill>
               </a:defRPr>
             </a:lvl7pPr>
-            <a:lvl8pPr indent="-317500" lvl="7" marL="3657600">
+            <a:lvl8pPr marL="3657600" lvl="7" indent="-317500">
               <a:lnSpc>
                 <a:spcPct val="115000"/>
               </a:lnSpc>
@@ -5001,7 +5137,7 @@
                 </a:solidFill>
               </a:defRPr>
             </a:lvl8pPr>
-            <a:lvl9pPr indent="-317500" lvl="8" marL="4114800">
+            <a:lvl9pPr marL="4114800" lvl="8" indent="-317500">
               <a:lnSpc>
                 <a:spcPct val="115000"/>
               </a:lnSpc>
@@ -5023,15 +5159,19 @@
               </a:defRPr>
             </a:lvl9pPr>
           </a:lstStyle>
-          <a:p/>
+          <a:p>
+            <a:endParaRPr/>
+          </a:p>
         </p:txBody>
       </p:sp>
       <p:sp>
         <p:nvSpPr>
           <p:cNvPr id="8" name="Google Shape;8;p1"/>
-          <p:cNvSpPr txBox="1"/>
+          <p:cNvSpPr txBox="1">
+            <a:spLocks noGrp="1"/>
+          </p:cNvSpPr>
           <p:nvPr>
-            <p:ph idx="12" type="sldNum"/>
+            <p:ph type="sldNum" idx="12"/>
           </p:nvPr>
         </p:nvSpPr>
         <p:spPr>
@@ -5048,7 +5188,7 @@
           </a:ln>
         </p:spPr>
         <p:txBody>
-          <a:bodyPr anchorCtr="0" anchor="ctr" bIns="91425" lIns="91425" spcFirstLastPara="1" rIns="91425" wrap="square" tIns="91425">
+          <a:bodyPr spcFirstLastPara="1" wrap="square" lIns="91425" tIns="91425" rIns="91425" bIns="91425" anchor="ctr" anchorCtr="0">
             <a:normAutofit/>
           </a:bodyPr>
           <a:lstStyle>
@@ -5126,7 +5266,7 @@
             </a:lvl9pPr>
           </a:lstStyle>
           <a:p>
-            <a:pPr indent="0" lvl="0" marL="0" rtl="0" algn="r">
+            <a:pPr marL="0" lvl="0" indent="0" algn="r" rtl="0">
               <a:spcBef>
                 <a:spcPts val="0"/>
               </a:spcBef>
@@ -5145,7 +5285,7 @@
       </p:sp>
     </p:spTree>
   </p:cSld>
-  <p:clrMap accent1="accent1" accent2="accent2" accent3="accent3" accent4="accent4" accent5="accent5" accent6="accent6" bg1="lt1" bg2="dk2" tx1="dk1" tx2="lt2" folHlink="folHlink" hlink="hlink"/>
+  <p:clrMap bg1="lt1" tx1="dk1" bg2="dk2" tx2="lt2" accent1="accent1" accent2="accent2" accent3="accent3" accent4="accent4" accent5="accent5" accent6="accent6" hlink="hlink" folHlink="folHlink"/>
   <p:sldLayoutIdLst>
     <p:sldLayoutId id="2147483648" r:id="rId1"/>
     <p:sldLayoutId id="2147483649" r:id="rId2"/>
@@ -5159,10 +5299,10 @@
     <p:sldLayoutId id="2147483657" r:id="rId10"/>
     <p:sldLayoutId id="2147483658" r:id="rId11"/>
   </p:sldLayoutIdLst>
-  <p:hf dt="0" ftr="0" hdr="0" sldNum="0"/>
+  <p:hf sldNum="0" hdr="0" ftr="0" dt="0"/>
   <p:txStyles>
     <p:titleStyle>
-      <a:defPPr lvl="0" marR="0" rtl="0" algn="l">
+      <a:defPPr marR="0" lvl="0" algn="l" rtl="0">
         <a:lnSpc>
           <a:spcPct val="100000"/>
         </a:lnSpc>
@@ -5173,7 +5313,7 @@
           <a:spcPts val="0"/>
         </a:spcAft>
       </a:defPPr>
-      <a:lvl1pPr lvl="0" marR="0" rtl="0" algn="l">
+      <a:lvl1pPr marR="0" lvl="0" algn="l" rtl="0">
         <a:lnSpc>
           <a:spcPct val="100000"/>
         </a:lnSpc>
@@ -5187,7 +5327,7 @@
           <a:srgbClr val="000000"/>
         </a:buClr>
         <a:buFont typeface="Arial"/>
-        <a:defRPr b="0" i="0" sz="1400" u="none" cap="none" strike="noStrike">
+        <a:defRPr sz="1400" b="0" i="0" u="none" strike="noStrike" cap="none">
           <a:solidFill>
             <a:srgbClr val="000000"/>
           </a:solidFill>
@@ -5197,7 +5337,7 @@
           <a:sym typeface="Arial"/>
         </a:defRPr>
       </a:lvl1pPr>
-      <a:lvl2pPr lvl="1" marR="0" rtl="0" algn="l">
+      <a:lvl2pPr marR="0" lvl="1" algn="l" rtl="0">
         <a:lnSpc>
           <a:spcPct val="100000"/>
         </a:lnSpc>
@@ -5211,7 +5351,7 @@
           <a:srgbClr val="000000"/>
         </a:buClr>
         <a:buFont typeface="Arial"/>
-        <a:defRPr b="0" i="0" sz="1400" u="none" cap="none" strike="noStrike">
+        <a:defRPr sz="1400" b="0" i="0" u="none" strike="noStrike" cap="none">
           <a:solidFill>
             <a:srgbClr val="000000"/>
           </a:solidFill>
@@ -5221,7 +5361,7 @@
           <a:sym typeface="Arial"/>
         </a:defRPr>
       </a:lvl2pPr>
-      <a:lvl3pPr lvl="2" marR="0" rtl="0" algn="l">
+      <a:lvl3pPr marR="0" lvl="2" algn="l" rtl="0">
         <a:lnSpc>
           <a:spcPct val="100000"/>
         </a:lnSpc>
@@ -5235,7 +5375,7 @@
           <a:srgbClr val="000000"/>
         </a:buClr>
         <a:buFont typeface="Arial"/>
-        <a:defRPr b="0" i="0" sz="1400" u="none" cap="none" strike="noStrike">
+        <a:defRPr sz="1400" b="0" i="0" u="none" strike="noStrike" cap="none">
           <a:solidFill>
             <a:srgbClr val="000000"/>
           </a:solidFill>
@@ -5245,7 +5385,7 @@
           <a:sym typeface="Arial"/>
         </a:defRPr>
       </a:lvl3pPr>
-      <a:lvl4pPr lvl="3" marR="0" rtl="0" algn="l">
+      <a:lvl4pPr marR="0" lvl="3" algn="l" rtl="0">
         <a:lnSpc>
           <a:spcPct val="100000"/>
         </a:lnSpc>
@@ -5259,7 +5399,7 @@
           <a:srgbClr val="000000"/>
         </a:buClr>
         <a:buFont typeface="Arial"/>
-        <a:defRPr b="0" i="0" sz="1400" u="none" cap="none" strike="noStrike">
+        <a:defRPr sz="1400" b="0" i="0" u="none" strike="noStrike" cap="none">
           <a:solidFill>
             <a:srgbClr val="000000"/>
           </a:solidFill>
@@ -5269,7 +5409,7 @@
           <a:sym typeface="Arial"/>
         </a:defRPr>
       </a:lvl4pPr>
-      <a:lvl5pPr lvl="4" marR="0" rtl="0" algn="l">
+      <a:lvl5pPr marR="0" lvl="4" algn="l" rtl="0">
         <a:lnSpc>
           <a:spcPct val="100000"/>
         </a:lnSpc>
@@ -5283,7 +5423,7 @@
           <a:srgbClr val="000000"/>
         </a:buClr>
         <a:buFont typeface="Arial"/>
-        <a:defRPr b="0" i="0" sz="1400" u="none" cap="none" strike="noStrike">
+        <a:defRPr sz="1400" b="0" i="0" u="none" strike="noStrike" cap="none">
           <a:solidFill>
             <a:srgbClr val="000000"/>
           </a:solidFill>
@@ -5293,7 +5433,7 @@
           <a:sym typeface="Arial"/>
         </a:defRPr>
       </a:lvl5pPr>
-      <a:lvl6pPr lvl="5" marR="0" rtl="0" algn="l">
+      <a:lvl6pPr marR="0" lvl="5" algn="l" rtl="0">
         <a:lnSpc>
           <a:spcPct val="100000"/>
         </a:lnSpc>
@@ -5307,7 +5447,7 @@
           <a:srgbClr val="000000"/>
         </a:buClr>
         <a:buFont typeface="Arial"/>
-        <a:defRPr b="0" i="0" sz="1400" u="none" cap="none" strike="noStrike">
+        <a:defRPr sz="1400" b="0" i="0" u="none" strike="noStrike" cap="none">
           <a:solidFill>
             <a:srgbClr val="000000"/>
           </a:solidFill>
@@ -5317,7 +5457,7 @@
           <a:sym typeface="Arial"/>
         </a:defRPr>
       </a:lvl6pPr>
-      <a:lvl7pPr lvl="6" marR="0" rtl="0" algn="l">
+      <a:lvl7pPr marR="0" lvl="6" algn="l" rtl="0">
         <a:lnSpc>
           <a:spcPct val="100000"/>
         </a:lnSpc>
@@ -5331,7 +5471,7 @@
           <a:srgbClr val="000000"/>
         </a:buClr>
         <a:buFont typeface="Arial"/>
-        <a:defRPr b="0" i="0" sz="1400" u="none" cap="none" strike="noStrike">
+        <a:defRPr sz="1400" b="0" i="0" u="none" strike="noStrike" cap="none">
           <a:solidFill>
             <a:srgbClr val="000000"/>
           </a:solidFill>
@@ -5341,7 +5481,7 @@
           <a:sym typeface="Arial"/>
         </a:defRPr>
       </a:lvl7pPr>
-      <a:lvl8pPr lvl="7" marR="0" rtl="0" algn="l">
+      <a:lvl8pPr marR="0" lvl="7" algn="l" rtl="0">
         <a:lnSpc>
           <a:spcPct val="100000"/>
         </a:lnSpc>
@@ -5355,7 +5495,7 @@
           <a:srgbClr val="000000"/>
         </a:buClr>
         <a:buFont typeface="Arial"/>
-        <a:defRPr b="0" i="0" sz="1400" u="none" cap="none" strike="noStrike">
+        <a:defRPr sz="1400" b="0" i="0" u="none" strike="noStrike" cap="none">
           <a:solidFill>
             <a:srgbClr val="000000"/>
           </a:solidFill>
@@ -5365,7 +5505,7 @@
           <a:sym typeface="Arial"/>
         </a:defRPr>
       </a:lvl8pPr>
-      <a:lvl9pPr lvl="8" marR="0" rtl="0" algn="l">
+      <a:lvl9pPr marR="0" lvl="8" algn="l" rtl="0">
         <a:lnSpc>
           <a:spcPct val="100000"/>
         </a:lnSpc>
@@ -5379,7 +5519,7 @@
           <a:srgbClr val="000000"/>
         </a:buClr>
         <a:buFont typeface="Arial"/>
-        <a:defRPr b="0" i="0" sz="1400" u="none" cap="none" strike="noStrike">
+        <a:defRPr sz="1400" b="0" i="0" u="none" strike="noStrike" cap="none">
           <a:solidFill>
             <a:srgbClr val="000000"/>
           </a:solidFill>
@@ -5391,7 +5531,7 @@
       </a:lvl9pPr>
     </p:titleStyle>
     <p:bodyStyle>
-      <a:defPPr lvl="0" marR="0" rtl="0" algn="l">
+      <a:defPPr marR="0" lvl="0" algn="l" rtl="0">
         <a:lnSpc>
           <a:spcPct val="100000"/>
         </a:lnSpc>
@@ -5402,7 +5542,7 @@
           <a:spcPts val="0"/>
         </a:spcAft>
       </a:defPPr>
-      <a:lvl1pPr lvl="0" marR="0" rtl="0" algn="l">
+      <a:lvl1pPr marR="0" lvl="0" algn="l" rtl="0">
         <a:lnSpc>
           <a:spcPct val="100000"/>
         </a:lnSpc>
@@ -5416,7 +5556,7 @@
           <a:srgbClr val="000000"/>
         </a:buClr>
         <a:buFont typeface="Arial"/>
-        <a:defRPr b="0" i="0" sz="1400" u="none" cap="none" strike="noStrike">
+        <a:defRPr sz="1400" b="0" i="0" u="none" strike="noStrike" cap="none">
           <a:solidFill>
             <a:srgbClr val="000000"/>
           </a:solidFill>
@@ -5426,7 +5566,7 @@
           <a:sym typeface="Arial"/>
         </a:defRPr>
       </a:lvl1pPr>
-      <a:lvl2pPr lvl="1" marR="0" rtl="0" algn="l">
+      <a:lvl2pPr marR="0" lvl="1" algn="l" rtl="0">
         <a:lnSpc>
           <a:spcPct val="100000"/>
         </a:lnSpc>
@@ -5440,7 +5580,7 @@
           <a:srgbClr val="000000"/>
         </a:buClr>
         <a:buFont typeface="Arial"/>
-        <a:defRPr b="0" i="0" sz="1400" u="none" cap="none" strike="noStrike">
+        <a:defRPr sz="1400" b="0" i="0" u="none" strike="noStrike" cap="none">
           <a:solidFill>
             <a:srgbClr val="000000"/>
           </a:solidFill>
@@ -5450,7 +5590,7 @@
           <a:sym typeface="Arial"/>
         </a:defRPr>
       </a:lvl2pPr>
-      <a:lvl3pPr lvl="2" marR="0" rtl="0" algn="l">
+      <a:lvl3pPr marR="0" lvl="2" algn="l" rtl="0">
         <a:lnSpc>
           <a:spcPct val="100000"/>
         </a:lnSpc>
@@ -5464,7 +5604,7 @@
           <a:srgbClr val="000000"/>
         </a:buClr>
         <a:buFont typeface="Arial"/>
-        <a:defRPr b="0" i="0" sz="1400" u="none" cap="none" strike="noStrike">
+        <a:defRPr sz="1400" b="0" i="0" u="none" strike="noStrike" cap="none">
           <a:solidFill>
             <a:srgbClr val="000000"/>
           </a:solidFill>
@@ -5474,7 +5614,7 @@
           <a:sym typeface="Arial"/>
         </a:defRPr>
       </a:lvl3pPr>
-      <a:lvl4pPr lvl="3" marR="0" rtl="0" algn="l">
+      <a:lvl4pPr marR="0" lvl="3" algn="l" rtl="0">
         <a:lnSpc>
           <a:spcPct val="100000"/>
         </a:lnSpc>
@@ -5488,7 +5628,7 @@
           <a:srgbClr val="000000"/>
         </a:buClr>
         <a:buFont typeface="Arial"/>
-        <a:defRPr b="0" i="0" sz="1400" u="none" cap="none" strike="noStrike">
+        <a:defRPr sz="1400" b="0" i="0" u="none" strike="noStrike" cap="none">
           <a:solidFill>
             <a:srgbClr val="000000"/>
           </a:solidFill>
@@ -5498,7 +5638,7 @@
           <a:sym typeface="Arial"/>
         </a:defRPr>
       </a:lvl4pPr>
-      <a:lvl5pPr lvl="4" marR="0" rtl="0" algn="l">
+      <a:lvl5pPr marR="0" lvl="4" algn="l" rtl="0">
         <a:lnSpc>
           <a:spcPct val="100000"/>
         </a:lnSpc>
@@ -5512,7 +5652,7 @@
           <a:srgbClr val="000000"/>
         </a:buClr>
         <a:buFont typeface="Arial"/>
-        <a:defRPr b="0" i="0" sz="1400" u="none" cap="none" strike="noStrike">
+        <a:defRPr sz="1400" b="0" i="0" u="none" strike="noStrike" cap="none">
           <a:solidFill>
             <a:srgbClr val="000000"/>
           </a:solidFill>
@@ -5522,7 +5662,7 @@
           <a:sym typeface="Arial"/>
         </a:defRPr>
       </a:lvl5pPr>
-      <a:lvl6pPr lvl="5" marR="0" rtl="0" algn="l">
+      <a:lvl6pPr marR="0" lvl="5" algn="l" rtl="0">
         <a:lnSpc>
           <a:spcPct val="100000"/>
         </a:lnSpc>
@@ -5536,7 +5676,7 @@
           <a:srgbClr val="000000"/>
         </a:buClr>
         <a:buFont typeface="Arial"/>
-        <a:defRPr b="0" i="0" sz="1400" u="none" cap="none" strike="noStrike">
+        <a:defRPr sz="1400" b="0" i="0" u="none" strike="noStrike" cap="none">
           <a:solidFill>
             <a:srgbClr val="000000"/>
           </a:solidFill>
@@ -5546,7 +5686,7 @@
           <a:sym typeface="Arial"/>
         </a:defRPr>
       </a:lvl6pPr>
-      <a:lvl7pPr lvl="6" marR="0" rtl="0" algn="l">
+      <a:lvl7pPr marR="0" lvl="6" algn="l" rtl="0">
         <a:lnSpc>
           <a:spcPct val="100000"/>
         </a:lnSpc>
@@ -5560,7 +5700,7 @@
           <a:srgbClr val="000000"/>
         </a:buClr>
         <a:buFont typeface="Arial"/>
-        <a:defRPr b="0" i="0" sz="1400" u="none" cap="none" strike="noStrike">
+        <a:defRPr sz="1400" b="0" i="0" u="none" strike="noStrike" cap="none">
           <a:solidFill>
             <a:srgbClr val="000000"/>
           </a:solidFill>
@@ -5570,7 +5710,7 @@
           <a:sym typeface="Arial"/>
         </a:defRPr>
       </a:lvl7pPr>
-      <a:lvl8pPr lvl="7" marR="0" rtl="0" algn="l">
+      <a:lvl8pPr marR="0" lvl="7" algn="l" rtl="0">
         <a:lnSpc>
           <a:spcPct val="100000"/>
         </a:lnSpc>
@@ -5584,7 +5724,7 @@
           <a:srgbClr val="000000"/>
         </a:buClr>
         <a:buFont typeface="Arial"/>
-        <a:defRPr b="0" i="0" sz="1400" u="none" cap="none" strike="noStrike">
+        <a:defRPr sz="1400" b="0" i="0" u="none" strike="noStrike" cap="none">
           <a:solidFill>
             <a:srgbClr val="000000"/>
           </a:solidFill>
@@ -5594,7 +5734,7 @@
           <a:sym typeface="Arial"/>
         </a:defRPr>
       </a:lvl8pPr>
-      <a:lvl9pPr lvl="8" marR="0" rtl="0" algn="l">
+      <a:lvl9pPr marR="0" lvl="8" algn="l" rtl="0">
         <a:lnSpc>
           <a:spcPct val="100000"/>
         </a:lnSpc>
@@ -5608,7 +5748,7 @@
           <a:srgbClr val="000000"/>
         </a:buClr>
         <a:buFont typeface="Arial"/>
-        <a:defRPr b="0" i="0" sz="1400" u="none" cap="none" strike="noStrike">
+        <a:defRPr sz="1400" b="0" i="0" u="none" strike="noStrike" cap="none">
           <a:solidFill>
             <a:srgbClr val="000000"/>
           </a:solidFill>
@@ -5620,7 +5760,7 @@
       </a:lvl9pPr>
     </p:bodyStyle>
     <p:otherStyle>
-      <a:defPPr lvl="0" marR="0" rtl="0" algn="l">
+      <a:defPPr marR="0" lvl="0" algn="l" rtl="0">
         <a:lnSpc>
           <a:spcPct val="100000"/>
         </a:lnSpc>
@@ -5631,7 +5771,7 @@
           <a:spcPts val="0"/>
         </a:spcAft>
       </a:defPPr>
-      <a:lvl1pPr lvl="0" marR="0" rtl="0" algn="l">
+      <a:lvl1pPr marR="0" lvl="0" algn="l" rtl="0">
         <a:lnSpc>
           <a:spcPct val="100000"/>
         </a:lnSpc>
@@ -5645,7 +5785,7 @@
           <a:srgbClr val="000000"/>
         </a:buClr>
         <a:buFont typeface="Arial"/>
-        <a:defRPr b="0" i="0" sz="1400" u="none" cap="none" strike="noStrike">
+        <a:defRPr sz="1400" b="0" i="0" u="none" strike="noStrike" cap="none">
           <a:solidFill>
             <a:srgbClr val="000000"/>
           </a:solidFill>
@@ -5655,7 +5795,7 @@
           <a:sym typeface="Arial"/>
         </a:defRPr>
       </a:lvl1pPr>
-      <a:lvl2pPr lvl="1" marR="0" rtl="0" algn="l">
+      <a:lvl2pPr marR="0" lvl="1" algn="l" rtl="0">
         <a:lnSpc>
           <a:spcPct val="100000"/>
         </a:lnSpc>
@@ -5669,7 +5809,7 @@
           <a:srgbClr val="000000"/>
         </a:buClr>
         <a:buFont typeface="Arial"/>
-        <a:defRPr b="0" i="0" sz="1400" u="none" cap="none" strike="noStrike">
+        <a:defRPr sz="1400" b="0" i="0" u="none" strike="noStrike" cap="none">
           <a:solidFill>
             <a:srgbClr val="000000"/>
           </a:solidFill>
@@ -5679,7 +5819,7 @@
           <a:sym typeface="Arial"/>
         </a:defRPr>
       </a:lvl2pPr>
-      <a:lvl3pPr lvl="2" marR="0" rtl="0" algn="l">
+      <a:lvl3pPr marR="0" lvl="2" algn="l" rtl="0">
         <a:lnSpc>
           <a:spcPct val="100000"/>
         </a:lnSpc>
@@ -5693,7 +5833,7 @@
           <a:srgbClr val="000000"/>
         </a:buClr>
         <a:buFont typeface="Arial"/>
-        <a:defRPr b="0" i="0" sz="1400" u="none" cap="none" strike="noStrike">
+        <a:defRPr sz="1400" b="0" i="0" u="none" strike="noStrike" cap="none">
           <a:solidFill>
             <a:srgbClr val="000000"/>
           </a:solidFill>
@@ -5703,7 +5843,7 @@
           <a:sym typeface="Arial"/>
         </a:defRPr>
       </a:lvl3pPr>
-      <a:lvl4pPr lvl="3" marR="0" rtl="0" algn="l">
+      <a:lvl4pPr marR="0" lvl="3" algn="l" rtl="0">
         <a:lnSpc>
           <a:spcPct val="100000"/>
         </a:lnSpc>
@@ -5717,7 +5857,7 @@
           <a:srgbClr val="000000"/>
         </a:buClr>
         <a:buFont typeface="Arial"/>
-        <a:defRPr b="0" i="0" sz="1400" u="none" cap="none" strike="noStrike">
+        <a:defRPr sz="1400" b="0" i="0" u="none" strike="noStrike" cap="none">
           <a:solidFill>
             <a:srgbClr val="000000"/>
           </a:solidFill>
@@ -5727,7 +5867,7 @@
           <a:sym typeface="Arial"/>
         </a:defRPr>
       </a:lvl4pPr>
-      <a:lvl5pPr lvl="4" marR="0" rtl="0" algn="l">
+      <a:lvl5pPr marR="0" lvl="4" algn="l" rtl="0">
         <a:lnSpc>
           <a:spcPct val="100000"/>
         </a:lnSpc>
@@ -5741,7 +5881,7 @@
           <a:srgbClr val="000000"/>
         </a:buClr>
         <a:buFont typeface="Arial"/>
-        <a:defRPr b="0" i="0" sz="1400" u="none" cap="none" strike="noStrike">
+        <a:defRPr sz="1400" b="0" i="0" u="none" strike="noStrike" cap="none">
           <a:solidFill>
             <a:srgbClr val="000000"/>
           </a:solidFill>
@@ -5751,7 +5891,7 @@
           <a:sym typeface="Arial"/>
         </a:defRPr>
       </a:lvl5pPr>
-      <a:lvl6pPr lvl="5" marR="0" rtl="0" algn="l">
+      <a:lvl6pPr marR="0" lvl="5" algn="l" rtl="0">
         <a:lnSpc>
           <a:spcPct val="100000"/>
         </a:lnSpc>
@@ -5765,7 +5905,7 @@
           <a:srgbClr val="000000"/>
         </a:buClr>
         <a:buFont typeface="Arial"/>
-        <a:defRPr b="0" i="0" sz="1400" u="none" cap="none" strike="noStrike">
+        <a:defRPr sz="1400" b="0" i="0" u="none" strike="noStrike" cap="none">
           <a:solidFill>
             <a:srgbClr val="000000"/>
           </a:solidFill>
@@ -5775,7 +5915,7 @@
           <a:sym typeface="Arial"/>
         </a:defRPr>
       </a:lvl6pPr>
-      <a:lvl7pPr lvl="6" marR="0" rtl="0" algn="l">
+      <a:lvl7pPr marR="0" lvl="6" algn="l" rtl="0">
         <a:lnSpc>
           <a:spcPct val="100000"/>
         </a:lnSpc>
@@ -5789,7 +5929,7 @@
           <a:srgbClr val="000000"/>
         </a:buClr>
         <a:buFont typeface="Arial"/>
-        <a:defRPr b="0" i="0" sz="1400" u="none" cap="none" strike="noStrike">
+        <a:defRPr sz="1400" b="0" i="0" u="none" strike="noStrike" cap="none">
           <a:solidFill>
             <a:srgbClr val="000000"/>
           </a:solidFill>
@@ -5799,7 +5939,7 @@
           <a:sym typeface="Arial"/>
         </a:defRPr>
       </a:lvl7pPr>
-      <a:lvl8pPr lvl="7" marR="0" rtl="0" algn="l">
+      <a:lvl8pPr marR="0" lvl="7" algn="l" rtl="0">
         <a:lnSpc>
           <a:spcPct val="100000"/>
         </a:lnSpc>
@@ -5813,7 +5953,7 @@
           <a:srgbClr val="000000"/>
         </a:buClr>
         <a:buFont typeface="Arial"/>
-        <a:defRPr b="0" i="0" sz="1400" u="none" cap="none" strike="noStrike">
+        <a:defRPr sz="1400" b="0" i="0" u="none" strike="noStrike" cap="none">
           <a:solidFill>
             <a:srgbClr val="000000"/>
           </a:solidFill>
@@ -5823,7 +5963,7 @@
           <a:sym typeface="Arial"/>
         </a:defRPr>
       </a:lvl8pPr>
-      <a:lvl9pPr lvl="8" marR="0" rtl="0" algn="l">
+      <a:lvl9pPr marR="0" lvl="8" algn="l" rtl="0">
         <a:lnSpc>
           <a:spcPct val="100000"/>
         </a:lnSpc>
@@ -5837,7 +5977,7 @@
           <a:srgbClr val="000000"/>
         </a:buClr>
         <a:buFont typeface="Arial"/>
-        <a:defRPr b="0" i="0" sz="1400" u="none" cap="none" strike="noStrike">
+        <a:defRPr sz="1400" b="0" i="0" u="none" strike="noStrike" cap="none">
           <a:solidFill>
             <a:srgbClr val="000000"/>
           </a:solidFill>
@@ -5853,11 +5993,157 @@
 </file>
 
 <file path=ppt/slides/slide1.xml><?xml version="1.0" encoding="utf-8"?>
-<p:sld xmlns:a="http://schemas.openxmlformats.org/drawingml/2006/main" xmlns:r="http://schemas.openxmlformats.org/officeDocument/2006/relationships" xmlns:mc="http://schemas.openxmlformats.org/markup-compatibility/2006" xmlns:mv="urn:schemas-microsoft-com:mac:vml" xmlns:p="http://schemas.openxmlformats.org/presentationml/2006/main" xmlns:c="http://schemas.openxmlformats.org/drawingml/2006/chart" xmlns:dgm="http://schemas.openxmlformats.org/drawingml/2006/diagram" xmlns:o="urn:schemas-microsoft-com:office:office" xmlns:v="urn:schemas-microsoft-com:vml" xmlns:pvml="urn:schemas-microsoft-com:office:powerpoint" xmlns:com="http://schemas.openxmlformats.org/drawingml/2006/compatibility" xmlns:p14="http://schemas.microsoft.com/office/powerpoint/2010/main" xmlns:p15="http://schemas.microsoft.com/office/powerpoint/2012/main" xmlns:ahyp="http://schemas.microsoft.com/office/drawing/2018/hyperlinkcolor">
+<p:sld xmlns:a="http://schemas.openxmlformats.org/drawingml/2006/main" xmlns:r="http://schemas.openxmlformats.org/officeDocument/2006/relationships" xmlns:p="http://schemas.openxmlformats.org/presentationml/2006/main">
   <p:cSld>
     <p:spTree>
       <p:nvGrpSpPr>
-        <p:cNvPr id="53" name="Shape 53"/>
+        <p:cNvPr id="1" name=""/>
+        <p:cNvGrpSpPr/>
+        <p:nvPr/>
+      </p:nvGrpSpPr>
+      <p:grpSpPr>
+        <a:xfrm>
+          <a:off x="0" y="0"/>
+          <a:ext cx="0" cy="0"/>
+          <a:chOff x="0" y="0"/>
+          <a:chExt cx="0" cy="0"/>
+        </a:xfrm>
+      </p:grpSpPr>
+      <p:sp>
+        <p:nvSpPr>
+          <p:cNvPr id="2" name="Title 1">
+            <a:extLst>
+              <a:ext uri="{FF2B5EF4-FFF2-40B4-BE49-F238E27FC236}">
+                <a16:creationId xmlns:a16="http://schemas.microsoft.com/office/drawing/2014/main" id="{CC6D0963-DBF8-0492-C6AA-4F7070C6BA78}"/>
+              </a:ext>
+            </a:extLst>
+          </p:cNvPr>
+          <p:cNvSpPr>
+            <a:spLocks noGrp="1"/>
+          </p:cNvSpPr>
+          <p:nvPr>
+            <p:ph type="ctrTitle"/>
+          </p:nvPr>
+        </p:nvSpPr>
+        <p:spPr/>
+        <p:txBody>
+          <a:bodyPr>
+            <a:normAutofit/>
+          </a:bodyPr>
+          <a:lstStyle/>
+          <a:p>
+            <a:r>
+              <a:rPr lang="en-US" dirty="0"/>
+              <a:t>BFF(Backend For Frontend) with AKKA HTTP</a:t>
+            </a:r>
+          </a:p>
+        </p:txBody>
+      </p:sp>
+      <p:sp>
+        <p:nvSpPr>
+          <p:cNvPr id="3" name="Subtitle 2">
+            <a:extLst>
+              <a:ext uri="{FF2B5EF4-FFF2-40B4-BE49-F238E27FC236}">
+                <a16:creationId xmlns:a16="http://schemas.microsoft.com/office/drawing/2014/main" id="{40533BD4-BEE2-8DC5-CA07-F3280C5FE8CB}"/>
+              </a:ext>
+            </a:extLst>
+          </p:cNvPr>
+          <p:cNvSpPr>
+            <a:spLocks noGrp="1"/>
+          </p:cNvSpPr>
+          <p:nvPr>
+            <p:ph type="subTitle" idx="1"/>
+          </p:nvPr>
+        </p:nvSpPr>
+        <p:spPr/>
+        <p:txBody>
+          <a:bodyPr/>
+          <a:lstStyle/>
+          <a:p>
+            <a:r>
+              <a:rPr lang="en-US" dirty="0"/>
+              <a:t>Yang Li, Denis </a:t>
+            </a:r>
+            <a:r>
+              <a:rPr lang="en-US" dirty="0" err="1"/>
+              <a:t>Konakov</a:t>
+            </a:r>
+            <a:endParaRPr lang="en-US" dirty="0"/>
+          </a:p>
+        </p:txBody>
+      </p:sp>
+    </p:spTree>
+    <p:extLst>
+      <p:ext uri="{BB962C8B-B14F-4D97-AF65-F5344CB8AC3E}">
+        <p14:creationId xmlns:p14="http://schemas.microsoft.com/office/powerpoint/2010/main" val="2958510019"/>
+      </p:ext>
+    </p:extLst>
+  </p:cSld>
+  <p:clrMapOvr>
+    <a:masterClrMapping/>
+  </p:clrMapOvr>
+</p:sld>
+</file>
+
+<file path=ppt/slides/slide10.xml><?xml version="1.0" encoding="utf-8"?>
+<p:sld xmlns:a="http://schemas.openxmlformats.org/drawingml/2006/main" xmlns:r="http://schemas.openxmlformats.org/officeDocument/2006/relationships" xmlns:p="http://schemas.openxmlformats.org/presentationml/2006/main">
+  <p:cSld>
+    <p:spTree>
+      <p:nvGrpSpPr>
+        <p:cNvPr id="1" name="Shape 108"/>
+        <p:cNvGrpSpPr/>
+        <p:nvPr/>
+      </p:nvGrpSpPr>
+      <p:grpSpPr>
+        <a:xfrm>
+          <a:off x="0" y="0"/>
+          <a:ext cx="0" cy="0"/>
+          <a:chOff x="0" y="0"/>
+          <a:chExt cx="0" cy="0"/>
+        </a:xfrm>
+      </p:grpSpPr>
+      <p:pic>
+        <p:nvPicPr>
+          <p:cNvPr id="109" name="Google Shape;109;p17"/>
+          <p:cNvPicPr preferRelativeResize="0"/>
+          <p:nvPr/>
+        </p:nvPicPr>
+        <p:blipFill>
+          <a:blip r:embed="rId3">
+            <a:alphaModFix/>
+          </a:blip>
+          <a:stretch>
+            <a:fillRect/>
+          </a:stretch>
+        </p:blipFill>
+        <p:spPr>
+          <a:xfrm>
+            <a:off x="1847550" y="113650"/>
+            <a:ext cx="5913968" cy="4838701"/>
+          </a:xfrm>
+          <a:prstGeom prst="rect">
+            <a:avLst/>
+          </a:prstGeom>
+          <a:noFill/>
+          <a:ln>
+            <a:noFill/>
+          </a:ln>
+        </p:spPr>
+      </p:pic>
+    </p:spTree>
+  </p:cSld>
+  <p:clrMapOvr>
+    <a:masterClrMapping/>
+  </p:clrMapOvr>
+</p:sld>
+</file>
+
+<file path=ppt/slides/slide2.xml><?xml version="1.0" encoding="utf-8"?>
+<p:sld xmlns:a="http://schemas.openxmlformats.org/drawingml/2006/main" xmlns:r="http://schemas.openxmlformats.org/officeDocument/2006/relationships" xmlns:p="http://schemas.openxmlformats.org/presentationml/2006/main">
+  <p:cSld>
+    <p:spTree>
+      <p:nvGrpSpPr>
+        <p:cNvPr id="1" name="Shape 53"/>
         <p:cNvGrpSpPr/>
         <p:nvPr/>
       </p:nvGrpSpPr>
@@ -5872,7 +6158,9 @@
       <p:sp>
         <p:nvSpPr>
           <p:cNvPr id="54" name="Google Shape;54;p13"/>
-          <p:cNvSpPr txBox="1"/>
+          <p:cNvSpPr txBox="1">
+            <a:spLocks noGrp="1"/>
+          </p:cNvSpPr>
           <p:nvPr>
             <p:ph type="ctrTitle"/>
           </p:nvPr>
@@ -5887,12 +6175,12 @@
           </a:prstGeom>
         </p:spPr>
         <p:txBody>
-          <a:bodyPr anchorCtr="0" anchor="b" bIns="91425" lIns="91425" spcFirstLastPara="1" rIns="91425" wrap="square" tIns="91425">
+          <a:bodyPr spcFirstLastPara="1" wrap="square" lIns="91425" tIns="91425" rIns="91425" bIns="91425" anchor="b" anchorCtr="0">
             <a:noAutofit/>
           </a:bodyPr>
           <a:lstStyle/>
           <a:p>
-            <a:pPr indent="0" lvl="0" marL="0" rtl="0" algn="ctr">
+            <a:pPr marL="0" lvl="0" indent="0" algn="ctr" rtl="0">
               <a:spcBef>
                 <a:spcPts val="0"/>
               </a:spcBef>
@@ -5929,12 +6217,12 @@
           </a:ln>
         </p:spPr>
         <p:txBody>
-          <a:bodyPr anchorCtr="0" anchor="t" bIns="91425" lIns="91425" spcFirstLastPara="1" rIns="91425" wrap="square" tIns="91425">
+          <a:bodyPr spcFirstLastPara="1" wrap="square" lIns="91425" tIns="91425" rIns="91425" bIns="91425" anchor="t" anchorCtr="0">
             <a:spAutoFit/>
           </a:bodyPr>
           <a:lstStyle/>
           <a:p>
-            <a:pPr indent="-317500" lvl="0" marL="457200" rtl="0" algn="l">
+            <a:pPr marL="457200" lvl="0" indent="-317500" algn="l" rtl="0">
               <a:spcBef>
                 <a:spcPts val="0"/>
               </a:spcBef>
@@ -5962,7 +6250,7 @@
             </a:endParaRPr>
           </a:p>
           <a:p>
-            <a:pPr indent="-317500" lvl="0" marL="457200" rtl="0" algn="l">
+            <a:pPr marL="457200" lvl="0" indent="-317500" algn="l" rtl="0">
               <a:spcBef>
                 <a:spcPts val="0"/>
               </a:spcBef>
@@ -5990,7 +6278,7 @@
             </a:endParaRPr>
           </a:p>
           <a:p>
-            <a:pPr indent="-317500" lvl="0" marL="457200" rtl="0" algn="l">
+            <a:pPr marL="457200" lvl="0" indent="-317500" algn="l" rtl="0">
               <a:spcBef>
                 <a:spcPts val="0"/>
               </a:spcBef>
@@ -6018,7 +6306,7 @@
             </a:endParaRPr>
           </a:p>
           <a:p>
-            <a:pPr indent="-317500" lvl="0" marL="457200" rtl="0" algn="l">
+            <a:pPr marL="457200" lvl="0" indent="-317500" algn="l" rtl="0">
               <a:spcBef>
                 <a:spcPts val="0"/>
               </a:spcBef>
@@ -6046,7 +6334,7 @@
             </a:endParaRPr>
           </a:p>
           <a:p>
-            <a:pPr indent="-317500" lvl="0" marL="457200" rtl="0" algn="l">
+            <a:pPr marL="457200" lvl="0" indent="-317500" algn="l" rtl="0">
               <a:spcBef>
                 <a:spcPts val="0"/>
               </a:spcBef>
@@ -6195,12 +6483,12 @@
 </p:sld>
 </file>
 
-<file path=ppt/slides/slide2.xml><?xml version="1.0" encoding="utf-8"?>
-<p:sld xmlns:a="http://schemas.openxmlformats.org/drawingml/2006/main" xmlns:r="http://schemas.openxmlformats.org/officeDocument/2006/relationships" xmlns:mc="http://schemas.openxmlformats.org/markup-compatibility/2006" xmlns:mv="urn:schemas-microsoft-com:mac:vml" xmlns:p="http://schemas.openxmlformats.org/presentationml/2006/main" xmlns:c="http://schemas.openxmlformats.org/drawingml/2006/chart" xmlns:dgm="http://schemas.openxmlformats.org/drawingml/2006/diagram" xmlns:o="urn:schemas-microsoft-com:office:office" xmlns:v="urn:schemas-microsoft-com:vml" xmlns:pvml="urn:schemas-microsoft-com:office:powerpoint" xmlns:com="http://schemas.openxmlformats.org/drawingml/2006/compatibility" xmlns:p14="http://schemas.microsoft.com/office/powerpoint/2010/main" xmlns:p15="http://schemas.microsoft.com/office/powerpoint/2012/main" xmlns:ahyp="http://schemas.microsoft.com/office/drawing/2018/hyperlinkcolor">
+<file path=ppt/slides/slide3.xml><?xml version="1.0" encoding="utf-8"?>
+<p:sld xmlns:a="http://schemas.openxmlformats.org/drawingml/2006/main" xmlns:r="http://schemas.openxmlformats.org/officeDocument/2006/relationships" xmlns:p="http://schemas.openxmlformats.org/presentationml/2006/main">
   <p:cSld>
     <p:spTree>
       <p:nvGrpSpPr>
-        <p:cNvPr id="63" name="Shape 63"/>
+        <p:cNvPr id="1" name="Shape 63"/>
         <p:cNvGrpSpPr/>
         <p:nvPr/>
       </p:nvGrpSpPr>
@@ -6215,7 +6503,9 @@
       <p:sp>
         <p:nvSpPr>
           <p:cNvPr id="64" name="Google Shape;64;p14"/>
-          <p:cNvSpPr txBox="1"/>
+          <p:cNvSpPr txBox="1">
+            <a:spLocks noGrp="1"/>
+          </p:cNvSpPr>
           <p:nvPr>
             <p:ph type="title"/>
           </p:nvPr>
@@ -6230,12 +6520,12 @@
           </a:prstGeom>
         </p:spPr>
         <p:txBody>
-          <a:bodyPr anchorCtr="0" anchor="ctr" bIns="91425" lIns="91425" spcFirstLastPara="1" rIns="91425" wrap="square" tIns="91425">
+          <a:bodyPr spcFirstLastPara="1" wrap="square" lIns="91425" tIns="91425" rIns="91425" bIns="91425" anchor="ctr" anchorCtr="0">
             <a:noAutofit/>
           </a:bodyPr>
           <a:lstStyle/>
           <a:p>
-            <a:pPr indent="0" lvl="0" marL="0" rtl="0" algn="ctr">
+            <a:pPr marL="0" lvl="0" indent="0" algn="ctr" rtl="0">
               <a:spcBef>
                 <a:spcPts val="0"/>
               </a:spcBef>
@@ -6329,12 +6619,12 @@
           </a:ln>
         </p:spPr>
         <p:txBody>
-          <a:bodyPr anchorCtr="0" anchor="t" bIns="91425" lIns="91425" spcFirstLastPara="1" rIns="91425" wrap="square" tIns="91425">
+          <a:bodyPr spcFirstLastPara="1" wrap="square" lIns="91425" tIns="91425" rIns="91425" bIns="91425" anchor="t" anchorCtr="0">
             <a:spAutoFit/>
           </a:bodyPr>
           <a:lstStyle/>
           <a:p>
-            <a:pPr indent="0" lvl="0" marL="0" rtl="0" algn="l">
+            <a:pPr marL="0" lvl="0" indent="0" algn="l" rtl="0">
               <a:spcBef>
                 <a:spcPts val="0"/>
               </a:spcBef>
@@ -6344,7 +6634,7 @@
               <a:buNone/>
             </a:pPr>
             <a:r>
-              <a:rPr b="1" lang="en"/>
+              <a:rPr lang="en" b="1"/>
               <a:t>From</a:t>
             </a:r>
             <a:endParaRPr b="1"/>
@@ -6371,12 +6661,12 @@
           </a:ln>
         </p:spPr>
         <p:txBody>
-          <a:bodyPr anchorCtr="0" anchor="t" bIns="91425" lIns="91425" spcFirstLastPara="1" rIns="91425" wrap="square" tIns="91425">
+          <a:bodyPr spcFirstLastPara="1" wrap="square" lIns="91425" tIns="91425" rIns="91425" bIns="91425" anchor="t" anchorCtr="0">
             <a:spAutoFit/>
           </a:bodyPr>
           <a:lstStyle/>
           <a:p>
-            <a:pPr indent="0" lvl="0" marL="0" rtl="0" algn="l">
+            <a:pPr marL="0" lvl="0" indent="0" algn="l" rtl="0">
               <a:spcBef>
                 <a:spcPts val="0"/>
               </a:spcBef>
@@ -6386,7 +6676,7 @@
               <a:buNone/>
             </a:pPr>
             <a:r>
-              <a:rPr b="1" lang="en"/>
+              <a:rPr lang="en" b="1"/>
               <a:t>To</a:t>
             </a:r>
             <a:endParaRPr b="1"/>
@@ -6406,30 +6696,30 @@
           </a:xfrm>
           <a:prstGeom prst="rightArrow">
             <a:avLst>
-              <a:gd fmla="val 50000" name="adj1"/>
-              <a:gd fmla="val 50000" name="adj2"/>
+              <a:gd name="adj1" fmla="val 50000"/>
+              <a:gd name="adj2" fmla="val 50000"/>
             </a:avLst>
           </a:prstGeom>
           <a:solidFill>
             <a:schemeClr val="lt2"/>
           </a:solidFill>
-          <a:ln cap="flat" cmpd="sng" w="9525">
+          <a:ln w="9525" cap="flat" cmpd="sng">
             <a:solidFill>
               <a:schemeClr val="dk2"/>
             </a:solidFill>
             <a:prstDash val="solid"/>
             <a:round/>
-            <a:headEnd len="sm" w="sm" type="none"/>
-            <a:tailEnd len="sm" w="sm" type="none"/>
+            <a:headEnd type="none" w="sm" len="sm"/>
+            <a:tailEnd type="none" w="sm" len="sm"/>
           </a:ln>
         </p:spPr>
         <p:txBody>
-          <a:bodyPr anchorCtr="0" anchor="ctr" bIns="91425" lIns="91425" spcFirstLastPara="1" rIns="91425" wrap="square" tIns="91425">
+          <a:bodyPr spcFirstLastPara="1" wrap="square" lIns="91425" tIns="91425" rIns="91425" bIns="91425" anchor="ctr" anchorCtr="0">
             <a:noAutofit/>
           </a:bodyPr>
           <a:lstStyle/>
           <a:p>
-            <a:pPr indent="0" lvl="0" marL="0" rtl="0" algn="l">
+            <a:pPr marL="0" lvl="0" indent="0" algn="l" rtl="0">
               <a:spcBef>
                 <a:spcPts val="0"/>
               </a:spcBef>
@@ -6438,9 +6728,6 @@
               </a:spcAft>
               <a:buNone/>
             </a:pPr>
-            <a:r>
-              <a:t/>
-            </a:r>
             <a:endParaRPr/>
           </a:p>
         </p:txBody>
@@ -6493,12 +6780,12 @@
           </a:ln>
         </p:spPr>
         <p:txBody>
-          <a:bodyPr anchorCtr="0" anchor="t" bIns="91425" lIns="91425" spcFirstLastPara="1" rIns="91425" wrap="square" tIns="91425">
+          <a:bodyPr spcFirstLastPara="1" wrap="square" lIns="91425" tIns="91425" rIns="91425" bIns="91425" anchor="t" anchorCtr="0">
             <a:spAutoFit/>
           </a:bodyPr>
           <a:lstStyle/>
           <a:p>
-            <a:pPr indent="0" lvl="0" marL="0" rtl="0" algn="l">
+            <a:pPr marL="0" lvl="0" indent="0" algn="l" rtl="0">
               <a:spcBef>
                 <a:spcPts val="0"/>
               </a:spcBef>
@@ -6545,12 +6832,120 @@
 </p:sld>
 </file>
 
-<file path=ppt/slides/slide3.xml><?xml version="1.0" encoding="utf-8"?>
-<p:sld xmlns:a="http://schemas.openxmlformats.org/drawingml/2006/main" xmlns:r="http://schemas.openxmlformats.org/officeDocument/2006/relationships" xmlns:mc="http://schemas.openxmlformats.org/markup-compatibility/2006" xmlns:mv="urn:schemas-microsoft-com:mac:vml" xmlns:p="http://schemas.openxmlformats.org/presentationml/2006/main" xmlns:c="http://schemas.openxmlformats.org/drawingml/2006/chart" xmlns:dgm="http://schemas.openxmlformats.org/drawingml/2006/diagram" xmlns:o="urn:schemas-microsoft-com:office:office" xmlns:v="urn:schemas-microsoft-com:vml" xmlns:pvml="urn:schemas-microsoft-com:office:powerpoint" xmlns:com="http://schemas.openxmlformats.org/drawingml/2006/compatibility" xmlns:p14="http://schemas.microsoft.com/office/powerpoint/2010/main" xmlns:p15="http://schemas.microsoft.com/office/powerpoint/2012/main" xmlns:ahyp="http://schemas.microsoft.com/office/drawing/2018/hyperlinkcolor">
+<file path=ppt/slides/slide4.xml><?xml version="1.0" encoding="utf-8"?>
+<p:sld xmlns:a="http://schemas.openxmlformats.org/drawingml/2006/main" xmlns:r="http://schemas.openxmlformats.org/officeDocument/2006/relationships" xmlns:p="http://schemas.openxmlformats.org/presentationml/2006/main">
   <p:cSld>
     <p:spTree>
       <p:nvGrpSpPr>
-        <p:cNvPr id="75" name="Shape 75"/>
+        <p:cNvPr id="1" name=""/>
+        <p:cNvGrpSpPr/>
+        <p:nvPr/>
+      </p:nvGrpSpPr>
+      <p:grpSpPr>
+        <a:xfrm>
+          <a:off x="0" y="0"/>
+          <a:ext cx="0" cy="0"/>
+          <a:chOff x="0" y="0"/>
+          <a:chExt cx="0" cy="0"/>
+        </a:xfrm>
+      </p:grpSpPr>
+      <p:sp>
+        <p:nvSpPr>
+          <p:cNvPr id="3" name="Title 2">
+            <a:extLst>
+              <a:ext uri="{FF2B5EF4-FFF2-40B4-BE49-F238E27FC236}">
+                <a16:creationId xmlns:a16="http://schemas.microsoft.com/office/drawing/2014/main" id="{19D04ED1-1AF8-3F44-38A0-7581DEB66A1D}"/>
+              </a:ext>
+            </a:extLst>
+          </p:cNvPr>
+          <p:cNvSpPr>
+            <a:spLocks noGrp="1"/>
+          </p:cNvSpPr>
+          <p:nvPr>
+            <p:ph type="title"/>
+          </p:nvPr>
+        </p:nvSpPr>
+        <p:spPr/>
+        <p:txBody>
+          <a:bodyPr>
+            <a:normAutofit fontScale="90000"/>
+          </a:bodyPr>
+          <a:lstStyle/>
+          <a:p>
+            <a:r>
+              <a:rPr lang="en-US" dirty="0"/>
+              <a:t>The main purpose of this project</a:t>
+            </a:r>
+          </a:p>
+        </p:txBody>
+      </p:sp>
+      <p:sp>
+        <p:nvSpPr>
+          <p:cNvPr id="4" name="Text Placeholder 3">
+            <a:extLst>
+              <a:ext uri="{FF2B5EF4-FFF2-40B4-BE49-F238E27FC236}">
+                <a16:creationId xmlns:a16="http://schemas.microsoft.com/office/drawing/2014/main" id="{FA5E5F88-DE21-222D-5C06-AB42BEC100DC}"/>
+              </a:ext>
+            </a:extLst>
+          </p:cNvPr>
+          <p:cNvSpPr>
+            <a:spLocks noGrp="1"/>
+          </p:cNvSpPr>
+          <p:nvPr>
+            <p:ph type="body" idx="1"/>
+          </p:nvPr>
+        </p:nvSpPr>
+        <p:spPr/>
+        <p:txBody>
+          <a:bodyPr/>
+          <a:lstStyle/>
+          <a:p>
+            <a:r>
+              <a:rPr lang="en-US" dirty="0"/>
+              <a:t>Evaluate the performance of BFF implemented with AKK HTTP as developer</a:t>
+            </a:r>
+          </a:p>
+          <a:p>
+            <a:r>
+              <a:rPr lang="en-US" dirty="0"/>
+              <a:t>Compare the performance of AKK HTTP BFF with BFF implemented with Spring Boot </a:t>
+            </a:r>
+            <a:r>
+              <a:rPr lang="en-US" dirty="0" err="1"/>
+              <a:t>Webflux</a:t>
+            </a:r>
+            <a:endParaRPr lang="en-US" dirty="0"/>
+          </a:p>
+          <a:p>
+            <a:endParaRPr lang="en-US" dirty="0"/>
+          </a:p>
+          <a:p>
+            <a:pPr marL="114300" indent="0">
+              <a:buNone/>
+            </a:pPr>
+            <a:endParaRPr lang="en-US" dirty="0"/>
+          </a:p>
+        </p:txBody>
+      </p:sp>
+    </p:spTree>
+    <p:extLst>
+      <p:ext uri="{BB962C8B-B14F-4D97-AF65-F5344CB8AC3E}">
+        <p14:creationId xmlns:p14="http://schemas.microsoft.com/office/powerpoint/2010/main" val="2313045071"/>
+      </p:ext>
+    </p:extLst>
+  </p:cSld>
+  <p:clrMapOvr>
+    <a:masterClrMapping/>
+  </p:clrMapOvr>
+</p:sld>
+</file>
+
+<file path=ppt/slides/slide5.xml><?xml version="1.0" encoding="utf-8"?>
+<p:sld xmlns:a="http://schemas.openxmlformats.org/drawingml/2006/main" xmlns:r="http://schemas.openxmlformats.org/officeDocument/2006/relationships" xmlns:p="http://schemas.openxmlformats.org/presentationml/2006/main">
+  <p:cSld>
+    <p:spTree>
+      <p:nvGrpSpPr>
+        <p:cNvPr id="1" name="Shape 75"/>
         <p:cNvGrpSpPr/>
         <p:nvPr/>
       </p:nvGrpSpPr>
@@ -6565,7 +6960,9 @@
       <p:sp>
         <p:nvSpPr>
           <p:cNvPr id="76" name="Google Shape;76;p15"/>
-          <p:cNvSpPr txBox="1"/>
+          <p:cNvSpPr txBox="1">
+            <a:spLocks noGrp="1"/>
+          </p:cNvSpPr>
           <p:nvPr>
             <p:ph type="title"/>
           </p:nvPr>
@@ -6580,12 +6977,12 @@
           </a:prstGeom>
         </p:spPr>
         <p:txBody>
-          <a:bodyPr anchorCtr="0" anchor="t" bIns="91425" lIns="91425" spcFirstLastPara="1" rIns="91425" wrap="square" tIns="91425">
+          <a:bodyPr spcFirstLastPara="1" wrap="square" lIns="91425" tIns="91425" rIns="91425" bIns="91425" anchor="t" anchorCtr="0">
             <a:normAutofit fontScale="90000"/>
           </a:bodyPr>
           <a:lstStyle/>
           <a:p>
-            <a:pPr indent="0" lvl="0" marL="0" rtl="0" algn="l">
+            <a:pPr marL="0" lvl="0" indent="0" algn="l" rtl="0">
               <a:spcBef>
                 <a:spcPts val="0"/>
               </a:spcBef>
@@ -6615,29 +7012,29 @@
           </a:xfrm>
           <a:prstGeom prst="can">
             <a:avLst>
-              <a:gd fmla="val 25000" name="adj"/>
+              <a:gd name="adj" fmla="val 25000"/>
             </a:avLst>
           </a:prstGeom>
           <a:solidFill>
             <a:schemeClr val="lt2"/>
           </a:solidFill>
-          <a:ln cap="flat" cmpd="sng" w="9525">
+          <a:ln w="9525" cap="flat" cmpd="sng">
             <a:solidFill>
               <a:schemeClr val="dk2"/>
             </a:solidFill>
             <a:prstDash val="solid"/>
             <a:round/>
-            <a:headEnd len="sm" w="sm" type="none"/>
-            <a:tailEnd len="sm" w="sm" type="none"/>
+            <a:headEnd type="none" w="sm" len="sm"/>
+            <a:tailEnd type="none" w="sm" len="sm"/>
           </a:ln>
         </p:spPr>
         <p:txBody>
-          <a:bodyPr anchorCtr="0" anchor="ctr" bIns="91425" lIns="91425" spcFirstLastPara="1" rIns="91425" wrap="square" tIns="91425">
+          <a:bodyPr spcFirstLastPara="1" wrap="square" lIns="91425" tIns="91425" rIns="91425" bIns="91425" anchor="ctr" anchorCtr="0">
             <a:noAutofit/>
           </a:bodyPr>
           <a:lstStyle/>
           <a:p>
-            <a:pPr indent="0" lvl="0" marL="0" rtl="0" algn="l">
+            <a:pPr marL="0" lvl="0" indent="0" algn="l" rtl="0">
               <a:spcBef>
                 <a:spcPts val="0"/>
               </a:spcBef>
@@ -6653,7 +7050,7 @@
             <a:endParaRPr/>
           </a:p>
           <a:p>
-            <a:pPr indent="0" lvl="0" marL="0" rtl="0" algn="l">
+            <a:pPr marL="0" lvl="0" indent="0" algn="l" rtl="0">
               <a:spcBef>
                 <a:spcPts val="0"/>
               </a:spcBef>
@@ -6683,29 +7080,29 @@
           </a:xfrm>
           <a:prstGeom prst="roundRect">
             <a:avLst>
-              <a:gd fmla="val 16667" name="adj"/>
+              <a:gd name="adj" fmla="val 16667"/>
             </a:avLst>
           </a:prstGeom>
           <a:solidFill>
             <a:schemeClr val="lt2"/>
           </a:solidFill>
-          <a:ln cap="flat" cmpd="sng" w="9525">
+          <a:ln w="9525" cap="flat" cmpd="sng">
             <a:solidFill>
               <a:schemeClr val="dk2"/>
             </a:solidFill>
             <a:prstDash val="solid"/>
             <a:round/>
-            <a:headEnd len="sm" w="sm" type="none"/>
-            <a:tailEnd len="sm" w="sm" type="none"/>
+            <a:headEnd type="none" w="sm" len="sm"/>
+            <a:tailEnd type="none" w="sm" len="sm"/>
           </a:ln>
         </p:spPr>
         <p:txBody>
-          <a:bodyPr anchorCtr="0" anchor="ctr" bIns="91425" lIns="91425" spcFirstLastPara="1" rIns="91425" wrap="square" tIns="91425">
+          <a:bodyPr spcFirstLastPara="1" wrap="square" lIns="91425" tIns="91425" rIns="91425" bIns="91425" anchor="ctr" anchorCtr="0">
             <a:noAutofit/>
           </a:bodyPr>
           <a:lstStyle/>
           <a:p>
-            <a:pPr indent="0" lvl="0" marL="0" rtl="0" algn="l">
+            <a:pPr marL="0" lvl="0" indent="0" algn="l" rtl="0">
               <a:spcBef>
                 <a:spcPts val="0"/>
               </a:spcBef>
@@ -6735,29 +7132,29 @@
           </a:xfrm>
           <a:prstGeom prst="roundRect">
             <a:avLst>
-              <a:gd fmla="val 16667" name="adj"/>
+              <a:gd name="adj" fmla="val 16667"/>
             </a:avLst>
           </a:prstGeom>
           <a:solidFill>
             <a:schemeClr val="lt2"/>
           </a:solidFill>
-          <a:ln cap="flat" cmpd="sng" w="9525">
+          <a:ln w="9525" cap="flat" cmpd="sng">
             <a:solidFill>
               <a:schemeClr val="dk2"/>
             </a:solidFill>
             <a:prstDash val="solid"/>
             <a:round/>
-            <a:headEnd len="sm" w="sm" type="none"/>
-            <a:tailEnd len="sm" w="sm" type="none"/>
+            <a:headEnd type="none" w="sm" len="sm"/>
+            <a:tailEnd type="none" w="sm" len="sm"/>
           </a:ln>
         </p:spPr>
         <p:txBody>
-          <a:bodyPr anchorCtr="0" anchor="ctr" bIns="91425" lIns="91425" spcFirstLastPara="1" rIns="91425" wrap="square" tIns="91425">
+          <a:bodyPr spcFirstLastPara="1" wrap="square" lIns="91425" tIns="91425" rIns="91425" bIns="91425" anchor="ctr" anchorCtr="0">
             <a:noAutofit/>
           </a:bodyPr>
           <a:lstStyle/>
           <a:p>
-            <a:pPr indent="0" lvl="0" marL="0" rtl="0" algn="l">
+            <a:pPr marL="0" lvl="0" indent="0" algn="l" rtl="0">
               <a:spcBef>
                 <a:spcPts val="0"/>
               </a:spcBef>
@@ -6773,7 +7170,7 @@
             <a:endParaRPr/>
           </a:p>
           <a:p>
-            <a:pPr indent="0" lvl="0" marL="0" rtl="0" algn="l">
+            <a:pPr marL="0" lvl="0" indent="0" algn="l" rtl="0">
               <a:spcBef>
                 <a:spcPts val="0"/>
               </a:spcBef>
@@ -6810,12 +7207,12 @@
           </a:ln>
         </p:spPr>
         <p:txBody>
-          <a:bodyPr anchorCtr="0" anchor="t" bIns="91425" lIns="91425" spcFirstLastPara="1" rIns="91425" wrap="square" tIns="91425">
+          <a:bodyPr spcFirstLastPara="1" wrap="square" lIns="91425" tIns="91425" rIns="91425" bIns="91425" anchor="t" anchorCtr="0">
             <a:spAutoFit/>
           </a:bodyPr>
           <a:lstStyle/>
           <a:p>
-            <a:pPr indent="0" lvl="0" marL="0" rtl="0" algn="l">
+            <a:pPr marL="0" lvl="0" indent="0" algn="l" rtl="0">
               <a:spcBef>
                 <a:spcPts val="0"/>
               </a:spcBef>
@@ -6852,12 +7249,12 @@
           </a:ln>
         </p:spPr>
         <p:txBody>
-          <a:bodyPr anchorCtr="0" anchor="t" bIns="91425" lIns="91425" spcFirstLastPara="1" rIns="91425" wrap="square" tIns="91425">
+          <a:bodyPr spcFirstLastPara="1" wrap="square" lIns="91425" tIns="91425" rIns="91425" bIns="91425" anchor="t" anchorCtr="0">
             <a:spAutoFit/>
           </a:bodyPr>
           <a:lstStyle/>
           <a:p>
-            <a:pPr indent="0" lvl="0" marL="0" rtl="0" algn="l">
+            <a:pPr marL="0" lvl="0" indent="0" algn="l" rtl="0">
               <a:spcBef>
                 <a:spcPts val="0"/>
               </a:spcBef>
@@ -6887,30 +7284,30 @@
           </a:xfrm>
           <a:prstGeom prst="leftRightArrow">
             <a:avLst>
-              <a:gd fmla="val 50000" name="adj1"/>
-              <a:gd fmla="val 50000" name="adj2"/>
+              <a:gd name="adj1" fmla="val 50000"/>
+              <a:gd name="adj2" fmla="val 50000"/>
             </a:avLst>
           </a:prstGeom>
           <a:solidFill>
             <a:schemeClr val="lt2"/>
           </a:solidFill>
-          <a:ln cap="flat" cmpd="sng" w="9525">
+          <a:ln w="9525" cap="flat" cmpd="sng">
             <a:solidFill>
               <a:schemeClr val="dk2"/>
             </a:solidFill>
             <a:prstDash val="solid"/>
             <a:round/>
-            <a:headEnd len="sm" w="sm" type="none"/>
-            <a:tailEnd len="sm" w="sm" type="none"/>
+            <a:headEnd type="none" w="sm" len="sm"/>
+            <a:tailEnd type="none" w="sm" len="sm"/>
           </a:ln>
         </p:spPr>
         <p:txBody>
-          <a:bodyPr anchorCtr="0" anchor="ctr" bIns="91425" lIns="91425" spcFirstLastPara="1" rIns="91425" wrap="square" tIns="91425">
+          <a:bodyPr spcFirstLastPara="1" wrap="square" lIns="91425" tIns="91425" rIns="91425" bIns="91425" anchor="ctr" anchorCtr="0">
             <a:noAutofit/>
           </a:bodyPr>
           <a:lstStyle/>
           <a:p>
-            <a:pPr indent="0" lvl="0" marL="0" rtl="0" algn="l">
+            <a:pPr marL="0" lvl="0" indent="0" algn="l" rtl="0">
               <a:spcBef>
                 <a:spcPts val="0"/>
               </a:spcBef>
@@ -6919,9 +7316,6 @@
               </a:spcAft>
               <a:buNone/>
             </a:pPr>
-            <a:r>
-              <a:t/>
-            </a:r>
             <a:endParaRPr/>
           </a:p>
         </p:txBody>
@@ -6939,30 +7333,30 @@
           </a:xfrm>
           <a:prstGeom prst="leftRightArrow">
             <a:avLst>
-              <a:gd fmla="val 50000" name="adj1"/>
-              <a:gd fmla="val 50000" name="adj2"/>
+              <a:gd name="adj1" fmla="val 50000"/>
+              <a:gd name="adj2" fmla="val 50000"/>
             </a:avLst>
           </a:prstGeom>
           <a:solidFill>
             <a:schemeClr val="lt2"/>
           </a:solidFill>
-          <a:ln cap="flat" cmpd="sng" w="9525">
+          <a:ln w="9525" cap="flat" cmpd="sng">
             <a:solidFill>
               <a:schemeClr val="dk2"/>
             </a:solidFill>
             <a:prstDash val="solid"/>
             <a:round/>
-            <a:headEnd len="sm" w="sm" type="none"/>
-            <a:tailEnd len="sm" w="sm" type="none"/>
+            <a:headEnd type="none" w="sm" len="sm"/>
+            <a:tailEnd type="none" w="sm" len="sm"/>
           </a:ln>
         </p:spPr>
         <p:txBody>
-          <a:bodyPr anchorCtr="0" anchor="ctr" bIns="91425" lIns="91425" spcFirstLastPara="1" rIns="91425" wrap="square" tIns="91425">
+          <a:bodyPr spcFirstLastPara="1" wrap="square" lIns="91425" tIns="91425" rIns="91425" bIns="91425" anchor="ctr" anchorCtr="0">
             <a:noAutofit/>
           </a:bodyPr>
           <a:lstStyle/>
           <a:p>
-            <a:pPr indent="0" lvl="0" marL="0" rtl="0" algn="l">
+            <a:pPr marL="0" lvl="0" indent="0" algn="l" rtl="0">
               <a:spcBef>
                 <a:spcPts val="0"/>
               </a:spcBef>
@@ -6971,9 +7365,6 @@
               </a:spcAft>
               <a:buNone/>
             </a:pPr>
-            <a:r>
-              <a:t/>
-            </a:r>
             <a:endParaRPr/>
           </a:p>
         </p:txBody>
@@ -6995,23 +7386,23 @@
           <a:solidFill>
             <a:schemeClr val="lt2"/>
           </a:solidFill>
-          <a:ln cap="flat" cmpd="sng" w="9525">
+          <a:ln w="9525" cap="flat" cmpd="sng">
             <a:solidFill>
               <a:schemeClr val="dk2"/>
             </a:solidFill>
             <a:prstDash val="solid"/>
             <a:round/>
-            <a:headEnd len="sm" w="sm" type="none"/>
-            <a:tailEnd len="sm" w="sm" type="none"/>
+            <a:headEnd type="none" w="sm" len="sm"/>
+            <a:tailEnd type="none" w="sm" len="sm"/>
           </a:ln>
         </p:spPr>
         <p:txBody>
-          <a:bodyPr anchorCtr="0" anchor="ctr" bIns="91425" lIns="91425" spcFirstLastPara="1" rIns="91425" wrap="square" tIns="91425">
+          <a:bodyPr spcFirstLastPara="1" wrap="square" lIns="91425" tIns="91425" rIns="91425" bIns="91425" anchor="ctr" anchorCtr="0">
             <a:noAutofit/>
           </a:bodyPr>
           <a:lstStyle/>
           <a:p>
-            <a:pPr indent="0" lvl="0" marL="0" rtl="0" algn="l">
+            <a:pPr marL="0" lvl="0" indent="0" algn="l" rtl="0">
               <a:spcBef>
                 <a:spcPts val="0"/>
               </a:spcBef>
@@ -7045,23 +7436,23 @@
           <a:solidFill>
             <a:schemeClr val="lt2"/>
           </a:solidFill>
-          <a:ln cap="flat" cmpd="sng" w="9525">
+          <a:ln w="9525" cap="flat" cmpd="sng">
             <a:solidFill>
               <a:schemeClr val="dk2"/>
             </a:solidFill>
             <a:prstDash val="solid"/>
             <a:round/>
-            <a:headEnd len="sm" w="sm" type="none"/>
-            <a:tailEnd len="sm" w="sm" type="none"/>
+            <a:headEnd type="none" w="sm" len="sm"/>
+            <a:tailEnd type="none" w="sm" len="sm"/>
           </a:ln>
         </p:spPr>
         <p:txBody>
-          <a:bodyPr anchorCtr="0" anchor="ctr" bIns="91425" lIns="91425" spcFirstLastPara="1" rIns="91425" wrap="square" tIns="91425">
+          <a:bodyPr spcFirstLastPara="1" wrap="square" lIns="91425" tIns="91425" rIns="91425" bIns="91425" anchor="ctr" anchorCtr="0">
             <a:noAutofit/>
           </a:bodyPr>
           <a:lstStyle/>
           <a:p>
-            <a:pPr indent="0" lvl="0" marL="0" rtl="0" algn="l">
+            <a:pPr marL="0" lvl="0" indent="0" algn="l" rtl="0">
               <a:spcBef>
                 <a:spcPts val="0"/>
               </a:spcBef>
@@ -7091,30 +7482,30 @@
           </a:xfrm>
           <a:prstGeom prst="leftRightArrow">
             <a:avLst>
-              <a:gd fmla="val 50000" name="adj1"/>
-              <a:gd fmla="val 50000" name="adj2"/>
+              <a:gd name="adj1" fmla="val 50000"/>
+              <a:gd name="adj2" fmla="val 50000"/>
             </a:avLst>
           </a:prstGeom>
           <a:solidFill>
             <a:schemeClr val="lt2"/>
           </a:solidFill>
-          <a:ln cap="flat" cmpd="sng" w="9525">
+          <a:ln w="9525" cap="flat" cmpd="sng">
             <a:solidFill>
               <a:schemeClr val="dk2"/>
             </a:solidFill>
             <a:prstDash val="solid"/>
             <a:round/>
-            <a:headEnd len="sm" w="sm" type="none"/>
-            <a:tailEnd len="sm" w="sm" type="none"/>
+            <a:headEnd type="none" w="sm" len="sm"/>
+            <a:tailEnd type="none" w="sm" len="sm"/>
           </a:ln>
         </p:spPr>
         <p:txBody>
-          <a:bodyPr anchorCtr="0" anchor="ctr" bIns="91425" lIns="91425" spcFirstLastPara="1" rIns="91425" wrap="square" tIns="91425">
+          <a:bodyPr spcFirstLastPara="1" wrap="square" lIns="91425" tIns="91425" rIns="91425" bIns="91425" anchor="ctr" anchorCtr="0">
             <a:noAutofit/>
           </a:bodyPr>
           <a:lstStyle/>
           <a:p>
-            <a:pPr indent="0" lvl="0" marL="0" rtl="0" algn="l">
+            <a:pPr marL="0" lvl="0" indent="0" algn="l" rtl="0">
               <a:spcBef>
                 <a:spcPts val="0"/>
               </a:spcBef>
@@ -7123,9 +7514,6 @@
               </a:spcAft>
               <a:buNone/>
             </a:pPr>
-            <a:r>
-              <a:t/>
-            </a:r>
             <a:endParaRPr/>
           </a:p>
         </p:txBody>
@@ -7143,30 +7531,30 @@
           </a:xfrm>
           <a:prstGeom prst="leftRightArrow">
             <a:avLst>
-              <a:gd fmla="val 50000" name="adj1"/>
-              <a:gd fmla="val 50000" name="adj2"/>
+              <a:gd name="adj1" fmla="val 50000"/>
+              <a:gd name="adj2" fmla="val 50000"/>
             </a:avLst>
           </a:prstGeom>
           <a:solidFill>
             <a:schemeClr val="lt2"/>
           </a:solidFill>
-          <a:ln cap="flat" cmpd="sng" w="9525">
+          <a:ln w="9525" cap="flat" cmpd="sng">
             <a:solidFill>
               <a:schemeClr val="dk2"/>
             </a:solidFill>
             <a:prstDash val="solid"/>
             <a:round/>
-            <a:headEnd len="sm" w="sm" type="none"/>
-            <a:tailEnd len="sm" w="sm" type="none"/>
+            <a:headEnd type="none" w="sm" len="sm"/>
+            <a:tailEnd type="none" w="sm" len="sm"/>
           </a:ln>
         </p:spPr>
         <p:txBody>
-          <a:bodyPr anchorCtr="0" anchor="ctr" bIns="91425" lIns="91425" spcFirstLastPara="1" rIns="91425" wrap="square" tIns="91425">
+          <a:bodyPr spcFirstLastPara="1" wrap="square" lIns="91425" tIns="91425" rIns="91425" bIns="91425" anchor="ctr" anchorCtr="0">
             <a:noAutofit/>
           </a:bodyPr>
           <a:lstStyle/>
           <a:p>
-            <a:pPr indent="0" lvl="0" marL="0" rtl="0" algn="l">
+            <a:pPr marL="0" lvl="0" indent="0" algn="l" rtl="0">
               <a:spcBef>
                 <a:spcPts val="0"/>
               </a:spcBef>
@@ -7175,9 +7563,6 @@
               </a:spcAft>
               <a:buNone/>
             </a:pPr>
-            <a:r>
-              <a:t/>
-            </a:r>
             <a:endParaRPr/>
           </a:p>
         </p:txBody>
@@ -7195,30 +7580,30 @@
           </a:xfrm>
           <a:prstGeom prst="leftRightArrow">
             <a:avLst>
-              <a:gd fmla="val 50000" name="adj1"/>
-              <a:gd fmla="val 50000" name="adj2"/>
+              <a:gd name="adj1" fmla="val 50000"/>
+              <a:gd name="adj2" fmla="val 50000"/>
             </a:avLst>
           </a:prstGeom>
           <a:solidFill>
             <a:schemeClr val="lt2"/>
           </a:solidFill>
-          <a:ln cap="flat" cmpd="sng" w="9525">
+          <a:ln w="9525" cap="flat" cmpd="sng">
             <a:solidFill>
               <a:schemeClr val="dk2"/>
             </a:solidFill>
             <a:prstDash val="solid"/>
             <a:round/>
-            <a:headEnd len="sm" w="sm" type="none"/>
-            <a:tailEnd len="sm" w="sm" type="none"/>
+            <a:headEnd type="none" w="sm" len="sm"/>
+            <a:tailEnd type="none" w="sm" len="sm"/>
           </a:ln>
         </p:spPr>
         <p:txBody>
-          <a:bodyPr anchorCtr="0" anchor="ctr" bIns="91425" lIns="91425" spcFirstLastPara="1" rIns="91425" wrap="square" tIns="91425">
+          <a:bodyPr spcFirstLastPara="1" wrap="square" lIns="91425" tIns="91425" rIns="91425" bIns="91425" anchor="ctr" anchorCtr="0">
             <a:noAutofit/>
           </a:bodyPr>
           <a:lstStyle/>
           <a:p>
-            <a:pPr indent="0" lvl="0" marL="0" rtl="0" algn="l">
+            <a:pPr marL="0" lvl="0" indent="0" algn="l" rtl="0">
               <a:spcBef>
                 <a:spcPts val="0"/>
               </a:spcBef>
@@ -7227,9 +7612,6 @@
               </a:spcAft>
               <a:buNone/>
             </a:pPr>
-            <a:r>
-              <a:t/>
-            </a:r>
             <a:endParaRPr/>
           </a:p>
         </p:txBody>
@@ -7247,30 +7629,30 @@
           </a:xfrm>
           <a:prstGeom prst="leftRightArrow">
             <a:avLst>
-              <a:gd fmla="val 50000" name="adj1"/>
-              <a:gd fmla="val 50000" name="adj2"/>
+              <a:gd name="adj1" fmla="val 50000"/>
+              <a:gd name="adj2" fmla="val 50000"/>
             </a:avLst>
           </a:prstGeom>
           <a:solidFill>
             <a:schemeClr val="lt2"/>
           </a:solidFill>
-          <a:ln cap="flat" cmpd="sng" w="9525">
+          <a:ln w="9525" cap="flat" cmpd="sng">
             <a:solidFill>
               <a:schemeClr val="dk2"/>
             </a:solidFill>
             <a:prstDash val="solid"/>
             <a:round/>
-            <a:headEnd len="sm" w="sm" type="none"/>
-            <a:tailEnd len="sm" w="sm" type="none"/>
+            <a:headEnd type="none" w="sm" len="sm"/>
+            <a:tailEnd type="none" w="sm" len="sm"/>
           </a:ln>
         </p:spPr>
         <p:txBody>
-          <a:bodyPr anchorCtr="0" anchor="ctr" bIns="91425" lIns="91425" spcFirstLastPara="1" rIns="91425" wrap="square" tIns="91425">
+          <a:bodyPr spcFirstLastPara="1" wrap="square" lIns="91425" tIns="91425" rIns="91425" bIns="91425" anchor="ctr" anchorCtr="0">
             <a:noAutofit/>
           </a:bodyPr>
           <a:lstStyle/>
           <a:p>
-            <a:pPr indent="0" lvl="0" marL="0" rtl="0" algn="l">
+            <a:pPr marL="0" lvl="0" indent="0" algn="l" rtl="0">
               <a:spcBef>
                 <a:spcPts val="0"/>
               </a:spcBef>
@@ -7279,9 +7661,6 @@
               </a:spcAft>
               <a:buNone/>
             </a:pPr>
-            <a:r>
-              <a:t/>
-            </a:r>
             <a:endParaRPr/>
           </a:p>
         </p:txBody>
@@ -7303,23 +7682,23 @@
           <a:solidFill>
             <a:schemeClr val="lt2"/>
           </a:solidFill>
-          <a:ln cap="flat" cmpd="sng" w="9525">
+          <a:ln w="9525" cap="flat" cmpd="sng">
             <a:solidFill>
               <a:schemeClr val="dk2"/>
             </a:solidFill>
             <a:prstDash val="solid"/>
             <a:round/>
-            <a:headEnd len="sm" w="sm" type="none"/>
-            <a:tailEnd len="sm" w="sm" type="none"/>
+            <a:headEnd type="none" w="sm" len="sm"/>
+            <a:tailEnd type="none" w="sm" len="sm"/>
           </a:ln>
         </p:spPr>
         <p:txBody>
-          <a:bodyPr anchorCtr="0" anchor="ctr" bIns="91425" lIns="91425" spcFirstLastPara="1" rIns="91425" wrap="square" tIns="91425">
+          <a:bodyPr spcFirstLastPara="1" wrap="square" lIns="91425" tIns="91425" rIns="91425" bIns="91425" anchor="ctr" anchorCtr="0">
             <a:noAutofit/>
           </a:bodyPr>
           <a:lstStyle/>
           <a:p>
-            <a:pPr indent="0" lvl="0" marL="0" rtl="0" algn="l">
+            <a:pPr marL="0" lvl="0" indent="0" algn="l" rtl="0">
               <a:spcBef>
                 <a:spcPts val="0"/>
               </a:spcBef>
@@ -7353,23 +7732,23 @@
           <a:solidFill>
             <a:schemeClr val="lt2"/>
           </a:solidFill>
-          <a:ln cap="flat" cmpd="sng" w="9525">
+          <a:ln w="9525" cap="flat" cmpd="sng">
             <a:solidFill>
               <a:schemeClr val="dk2"/>
             </a:solidFill>
             <a:prstDash val="solid"/>
             <a:round/>
-            <a:headEnd len="sm" w="sm" type="none"/>
-            <a:tailEnd len="sm" w="sm" type="none"/>
+            <a:headEnd type="none" w="sm" len="sm"/>
+            <a:tailEnd type="none" w="sm" len="sm"/>
           </a:ln>
         </p:spPr>
         <p:txBody>
-          <a:bodyPr anchorCtr="0" anchor="ctr" bIns="91425" lIns="91425" spcFirstLastPara="1" rIns="91425" wrap="square" tIns="91425">
+          <a:bodyPr spcFirstLastPara="1" wrap="square" lIns="91425" tIns="91425" rIns="91425" bIns="91425" anchor="ctr" anchorCtr="0">
             <a:noAutofit/>
           </a:bodyPr>
           <a:lstStyle/>
           <a:p>
-            <a:pPr indent="0" lvl="0" marL="0" rtl="0" algn="l">
+            <a:pPr marL="0" lvl="0" indent="0" algn="l" rtl="0">
               <a:spcBef>
                 <a:spcPts val="0"/>
               </a:spcBef>
@@ -7401,14 +7780,14 @@
             <a:avLst/>
           </a:prstGeom>
           <a:noFill/>
-          <a:ln cap="flat" cmpd="sng" w="9525">
+          <a:ln w="9525" cap="flat" cmpd="sng">
             <a:solidFill>
               <a:schemeClr val="dk2"/>
             </a:solidFill>
             <a:prstDash val="solid"/>
             <a:round/>
-            <a:headEnd len="med" w="med" type="none"/>
-            <a:tailEnd len="med" w="med" type="triangle"/>
+            <a:headEnd type="none" w="med" len="med"/>
+            <a:tailEnd type="triangle" w="med" len="med"/>
           </a:ln>
         </p:spPr>
       </p:cxnSp>
@@ -7427,14 +7806,14 @@
             <a:avLst/>
           </a:prstGeom>
           <a:noFill/>
-          <a:ln cap="flat" cmpd="sng" w="9525">
+          <a:ln w="9525" cap="flat" cmpd="sng">
             <a:solidFill>
               <a:schemeClr val="dk2"/>
             </a:solidFill>
             <a:prstDash val="solid"/>
             <a:round/>
-            <a:headEnd len="med" w="med" type="none"/>
-            <a:tailEnd len="med" w="med" type="triangle"/>
+            <a:headEnd type="none" w="med" len="med"/>
+            <a:tailEnd type="triangle" w="med" len="med"/>
           </a:ln>
         </p:spPr>
       </p:cxnSp>
@@ -7453,14 +7832,14 @@
             <a:avLst/>
           </a:prstGeom>
           <a:noFill/>
-          <a:ln cap="flat" cmpd="sng" w="9525">
+          <a:ln w="9525" cap="flat" cmpd="sng">
             <a:solidFill>
               <a:schemeClr val="dk2"/>
             </a:solidFill>
             <a:prstDash val="solid"/>
             <a:round/>
-            <a:headEnd len="med" w="med" type="none"/>
-            <a:tailEnd len="med" w="med" type="triangle"/>
+            <a:headEnd type="none" w="med" len="med"/>
+            <a:tailEnd type="triangle" w="med" len="med"/>
           </a:ln>
         </p:spPr>
       </p:cxnSp>
@@ -7479,14 +7858,14 @@
             <a:avLst/>
           </a:prstGeom>
           <a:noFill/>
-          <a:ln cap="flat" cmpd="sng" w="9525">
+          <a:ln w="9525" cap="flat" cmpd="sng">
             <a:solidFill>
               <a:schemeClr val="dk2"/>
             </a:solidFill>
             <a:prstDash val="solid"/>
             <a:round/>
-            <a:headEnd len="med" w="med" type="none"/>
-            <a:tailEnd len="med" w="med" type="triangle"/>
+            <a:headEnd type="none" w="med" len="med"/>
+            <a:tailEnd type="triangle" w="med" len="med"/>
           </a:ln>
         </p:spPr>
       </p:cxnSp>
@@ -7497,7 +7876,7 @@
           <p:nvPr/>
         </p:nvCxnSpPr>
         <p:spPr>
-          <a:xfrm flipH="1" rot="10800000">
+          <a:xfrm rot="10800000" flipH="1">
             <a:off x="1775725" y="2265625"/>
             <a:ext cx="708600" cy="944700"/>
           </a:xfrm>
@@ -7505,14 +7884,14 @@
             <a:avLst/>
           </a:prstGeom>
           <a:noFill/>
-          <a:ln cap="flat" cmpd="sng" w="9525">
+          <a:ln w="9525" cap="flat" cmpd="sng">
             <a:solidFill>
               <a:schemeClr val="dk2"/>
             </a:solidFill>
             <a:prstDash val="solid"/>
             <a:round/>
-            <a:headEnd len="med" w="med" type="none"/>
-            <a:tailEnd len="med" w="med" type="triangle"/>
+            <a:headEnd type="none" w="med" len="med"/>
+            <a:tailEnd type="triangle" w="med" len="med"/>
           </a:ln>
         </p:spPr>
       </p:cxnSp>
@@ -7536,12 +7915,12 @@
           </a:ln>
         </p:spPr>
         <p:txBody>
-          <a:bodyPr anchorCtr="0" anchor="t" bIns="91425" lIns="91425" spcFirstLastPara="1" rIns="91425" wrap="square" tIns="91425">
+          <a:bodyPr spcFirstLastPara="1" wrap="square" lIns="91425" tIns="91425" rIns="91425" bIns="91425" anchor="t" anchorCtr="0">
             <a:spAutoFit/>
           </a:bodyPr>
           <a:lstStyle/>
           <a:p>
-            <a:pPr indent="-298450" lvl="0" marL="457200" rtl="0" algn="l">
+            <a:pPr marL="457200" lvl="0" indent="-298450" algn="l" rtl="0">
               <a:spcBef>
                 <a:spcPts val="0"/>
               </a:spcBef>
@@ -7558,7 +7937,7 @@
             <a:endParaRPr sz="1100"/>
           </a:p>
           <a:p>
-            <a:pPr indent="-298450" lvl="0" marL="457200" rtl="0" algn="l">
+            <a:pPr marL="457200" lvl="0" indent="-298450" algn="l" rtl="0">
               <a:spcBef>
                 <a:spcPts val="0"/>
               </a:spcBef>
@@ -7575,7 +7954,7 @@
             <a:endParaRPr sz="1100"/>
           </a:p>
           <a:p>
-            <a:pPr indent="-298450" lvl="0" marL="457200" rtl="0" algn="l">
+            <a:pPr marL="457200" lvl="0" indent="-298450" algn="l" rtl="0">
               <a:spcBef>
                 <a:spcPts val="0"/>
               </a:spcBef>
@@ -7613,12 +7992,12 @@
           </a:ln>
         </p:spPr>
         <p:txBody>
-          <a:bodyPr anchorCtr="0" anchor="t" bIns="91425" lIns="91425" spcFirstLastPara="1" rIns="91425" wrap="square" tIns="91425">
+          <a:bodyPr spcFirstLastPara="1" wrap="square" lIns="91425" tIns="91425" rIns="91425" bIns="91425" anchor="t" anchorCtr="0">
             <a:spAutoFit/>
           </a:bodyPr>
           <a:lstStyle/>
           <a:p>
-            <a:pPr indent="0" lvl="0" marL="0" rtl="0" algn="l">
+            <a:pPr marL="0" lvl="0" indent="0" algn="l" rtl="0">
               <a:spcBef>
                 <a:spcPts val="0"/>
               </a:spcBef>
@@ -7643,12 +8022,12 @@
 </p:sld>
 </file>
 
-<file path=ppt/slides/slide4.xml><?xml version="1.0" encoding="utf-8"?>
-<p:sld xmlns:a="http://schemas.openxmlformats.org/drawingml/2006/main" xmlns:r="http://schemas.openxmlformats.org/officeDocument/2006/relationships" xmlns:mc="http://schemas.openxmlformats.org/markup-compatibility/2006" xmlns:mv="urn:schemas-microsoft-com:mac:vml" xmlns:p="http://schemas.openxmlformats.org/presentationml/2006/main" xmlns:c="http://schemas.openxmlformats.org/drawingml/2006/chart" xmlns:dgm="http://schemas.openxmlformats.org/drawingml/2006/diagram" xmlns:o="urn:schemas-microsoft-com:office:office" xmlns:v="urn:schemas-microsoft-com:vml" xmlns:pvml="urn:schemas-microsoft-com:office:powerpoint" xmlns:com="http://schemas.openxmlformats.org/drawingml/2006/compatibility" xmlns:p14="http://schemas.microsoft.com/office/powerpoint/2010/main" xmlns:p15="http://schemas.microsoft.com/office/powerpoint/2012/main" xmlns:ahyp="http://schemas.microsoft.com/office/drawing/2018/hyperlinkcolor">
+<file path=ppt/slides/slide6.xml><?xml version="1.0" encoding="utf-8"?>
+<p:sld xmlns:a="http://schemas.openxmlformats.org/drawingml/2006/main" xmlns:r="http://schemas.openxmlformats.org/officeDocument/2006/relationships" xmlns:p="http://schemas.openxmlformats.org/presentationml/2006/main">
   <p:cSld>
     <p:spTree>
       <p:nvGrpSpPr>
-        <p:cNvPr id="102" name="Shape 102"/>
+        <p:cNvPr id="1" name="Shape 102"/>
         <p:cNvGrpSpPr/>
         <p:nvPr/>
       </p:nvGrpSpPr>
@@ -7663,14 +8042,16 @@
       <p:sp>
         <p:nvSpPr>
           <p:cNvPr id="103" name="Google Shape;103;p16"/>
-          <p:cNvSpPr txBox="1"/>
+          <p:cNvSpPr txBox="1">
+            <a:spLocks noGrp="1"/>
+          </p:cNvSpPr>
           <p:nvPr>
             <p:ph type="title"/>
           </p:nvPr>
         </p:nvSpPr>
         <p:spPr>
           <a:xfrm>
-            <a:off x="311700" y="445025"/>
+            <a:off x="278951" y="182632"/>
             <a:ext cx="8520600" cy="572700"/>
           </a:xfrm>
           <a:prstGeom prst="rect">
@@ -7678,12 +8059,12 @@
           </a:prstGeom>
         </p:spPr>
         <p:txBody>
-          <a:bodyPr anchorCtr="0" anchor="t" bIns="91425" lIns="91425" spcFirstLastPara="1" rIns="91425" wrap="square" tIns="91425">
+          <a:bodyPr spcFirstLastPara="1" wrap="square" lIns="91425" tIns="91425" rIns="91425" bIns="91425" anchor="t" anchorCtr="0">
             <a:normAutofit fontScale="90000"/>
           </a:bodyPr>
           <a:lstStyle/>
           <a:p>
-            <a:pPr indent="0" lvl="0" marL="0" rtl="0" algn="l">
+            <a:pPr marL="0" lvl="0" indent="0" algn="l" rtl="0">
               <a:spcBef>
                 <a:spcPts val="0"/>
               </a:spcBef>
@@ -7693,10 +8074,10 @@
               <a:buNone/>
             </a:pPr>
             <a:r>
-              <a:rPr lang="en"/>
-              <a:t>Results (Simple LT)</a:t>
+              <a:rPr lang="en" dirty="0"/>
+              <a:t>Results (Simple LT): Unit test with API server in Docker</a:t>
             </a:r>
-            <a:endParaRPr/>
+            <a:endParaRPr dirty="0"/>
           </a:p>
         </p:txBody>
       </p:sp>
@@ -7736,12 +8117,12 @@
 </p:sld>
 </file>
 
-<file path=ppt/slides/slide5.xml><?xml version="1.0" encoding="utf-8"?>
-<p:sld xmlns:a="http://schemas.openxmlformats.org/drawingml/2006/main" xmlns:r="http://schemas.openxmlformats.org/officeDocument/2006/relationships" xmlns:mc="http://schemas.openxmlformats.org/markup-compatibility/2006" xmlns:mv="urn:schemas-microsoft-com:mac:vml" xmlns:p="http://schemas.openxmlformats.org/presentationml/2006/main" xmlns:c="http://schemas.openxmlformats.org/drawingml/2006/chart" xmlns:dgm="http://schemas.openxmlformats.org/drawingml/2006/diagram" xmlns:o="urn:schemas-microsoft-com:office:office" xmlns:v="urn:schemas-microsoft-com:vml" xmlns:pvml="urn:schemas-microsoft-com:office:powerpoint" xmlns:com="http://schemas.openxmlformats.org/drawingml/2006/compatibility" xmlns:p14="http://schemas.microsoft.com/office/powerpoint/2010/main" xmlns:p15="http://schemas.microsoft.com/office/powerpoint/2012/main" xmlns:ahyp="http://schemas.microsoft.com/office/drawing/2018/hyperlinkcolor">
+<file path=ppt/slides/slide7.xml><?xml version="1.0" encoding="utf-8"?>
+<p:sld xmlns:a="http://schemas.openxmlformats.org/drawingml/2006/main" xmlns:r="http://schemas.openxmlformats.org/officeDocument/2006/relationships" xmlns:p="http://schemas.openxmlformats.org/presentationml/2006/main">
   <p:cSld>
     <p:spTree>
       <p:nvGrpSpPr>
-        <p:cNvPr id="108" name="Shape 108"/>
+        <p:cNvPr id="1" name=""/>
         <p:cNvGrpSpPr/>
         <p:nvPr/>
       </p:nvGrpSpPr>
@@ -7753,35 +8134,420 @@
           <a:chExt cx="0" cy="0"/>
         </a:xfrm>
       </p:grpSpPr>
+      <p:sp>
+        <p:nvSpPr>
+          <p:cNvPr id="2" name="Title 1">
+            <a:extLst>
+              <a:ext uri="{FF2B5EF4-FFF2-40B4-BE49-F238E27FC236}">
+                <a16:creationId xmlns:a16="http://schemas.microsoft.com/office/drawing/2014/main" id="{2877928F-0D08-E6BA-B22B-9BB264D2D610}"/>
+              </a:ext>
+            </a:extLst>
+          </p:cNvPr>
+          <p:cNvSpPr>
+            <a:spLocks noGrp="1"/>
+          </p:cNvSpPr>
+          <p:nvPr>
+            <p:ph type="title"/>
+          </p:nvPr>
+        </p:nvSpPr>
+        <p:spPr/>
+        <p:txBody>
+          <a:bodyPr>
+            <a:normAutofit fontScale="90000"/>
+          </a:bodyPr>
+          <a:lstStyle/>
+          <a:p>
+            <a:r>
+              <a:rPr lang="en-US" dirty="0"/>
+              <a:t>JMeter load tests</a:t>
+            </a:r>
+          </a:p>
+        </p:txBody>
+      </p:sp>
+      <p:sp>
+        <p:nvSpPr>
+          <p:cNvPr id="3" name="Text Placeholder 2">
+            <a:extLst>
+              <a:ext uri="{FF2B5EF4-FFF2-40B4-BE49-F238E27FC236}">
+                <a16:creationId xmlns:a16="http://schemas.microsoft.com/office/drawing/2014/main" id="{2469E2E1-D5F2-2675-FA1E-67199D2DAD91}"/>
+              </a:ext>
+            </a:extLst>
+          </p:cNvPr>
+          <p:cNvSpPr>
+            <a:spLocks noGrp="1"/>
+          </p:cNvSpPr>
+          <p:nvPr>
+            <p:ph type="body" idx="1"/>
+          </p:nvPr>
+        </p:nvSpPr>
+        <p:spPr/>
+        <p:txBody>
+          <a:bodyPr/>
+          <a:lstStyle/>
+          <a:p>
+            <a:r>
+              <a:rPr lang="en-US" dirty="0"/>
+              <a:t>API server and BFF were running from IntelliJ as Spring/Java application</a:t>
+            </a:r>
+          </a:p>
+          <a:p>
+            <a:r>
+              <a:rPr lang="en-US" dirty="0"/>
+              <a:t>When testing AKK HTTP BFF, both application were running without any VM parameters</a:t>
+            </a:r>
+          </a:p>
+          <a:p>
+            <a:r>
+              <a:rPr lang="en-US" dirty="0"/>
+              <a:t>When testing Spring </a:t>
+            </a:r>
+            <a:r>
+              <a:rPr lang="en-US" dirty="0" err="1"/>
+              <a:t>WebClient</a:t>
+            </a:r>
+            <a:r>
+              <a:rPr lang="en-US" dirty="0"/>
+              <a:t> BFF, we have start API and BFF with “</a:t>
+            </a:r>
+            <a:r>
+              <a:rPr lang="en-CA" b="0" i="0" dirty="0">
+                <a:solidFill>
+                  <a:srgbClr val="24292F"/>
+                </a:solidFill>
+                <a:effectLst/>
+                <a:latin typeface="ui-monospace"/>
+              </a:rPr>
+              <a:t>-Xms1g -Xmx4g”</a:t>
+            </a:r>
+            <a:r>
+              <a:rPr lang="en-US" dirty="0"/>
+              <a:t> </a:t>
+            </a:r>
+          </a:p>
+        </p:txBody>
+      </p:sp>
+    </p:spTree>
+    <p:extLst>
+      <p:ext uri="{BB962C8B-B14F-4D97-AF65-F5344CB8AC3E}">
+        <p14:creationId xmlns:p14="http://schemas.microsoft.com/office/powerpoint/2010/main" val="2225015467"/>
+      </p:ext>
+    </p:extLst>
+  </p:cSld>
+  <p:clrMapOvr>
+    <a:masterClrMapping/>
+  </p:clrMapOvr>
+</p:sld>
+</file>
+
+<file path=ppt/slides/slide8.xml><?xml version="1.0" encoding="utf-8"?>
+<p:sld xmlns:a="http://schemas.openxmlformats.org/drawingml/2006/main" xmlns:r="http://schemas.openxmlformats.org/officeDocument/2006/relationships" xmlns:p="http://schemas.openxmlformats.org/presentationml/2006/main">
+  <p:cSld>
+    <p:spTree>
+      <p:nvGrpSpPr>
+        <p:cNvPr id="1" name=""/>
+        <p:cNvGrpSpPr/>
+        <p:nvPr/>
+      </p:nvGrpSpPr>
+      <p:grpSpPr>
+        <a:xfrm>
+          <a:off x="0" y="0"/>
+          <a:ext cx="0" cy="0"/>
+          <a:chOff x="0" y="0"/>
+          <a:chExt cx="0" cy="0"/>
+        </a:xfrm>
+      </p:grpSpPr>
+      <p:sp>
+        <p:nvSpPr>
+          <p:cNvPr id="2" name="Title 1">
+            <a:extLst>
+              <a:ext uri="{FF2B5EF4-FFF2-40B4-BE49-F238E27FC236}">
+                <a16:creationId xmlns:a16="http://schemas.microsoft.com/office/drawing/2014/main" id="{2BAF1420-3495-322B-0C89-0353CDBDF783}"/>
+              </a:ext>
+            </a:extLst>
+          </p:cNvPr>
+          <p:cNvSpPr>
+            <a:spLocks noGrp="1"/>
+          </p:cNvSpPr>
+          <p:nvPr>
+            <p:ph type="title"/>
+          </p:nvPr>
+        </p:nvSpPr>
+        <p:spPr/>
+        <p:txBody>
+          <a:bodyPr>
+            <a:normAutofit fontScale="90000"/>
+          </a:bodyPr>
+          <a:lstStyle/>
+          <a:p>
+            <a:r>
+              <a:rPr lang="en-US" dirty="0"/>
+              <a:t>AKKA BFF</a:t>
+            </a:r>
+          </a:p>
+        </p:txBody>
+      </p:sp>
       <p:pic>
         <p:nvPicPr>
-          <p:cNvPr id="109" name="Google Shape;109;p17"/>
-          <p:cNvPicPr preferRelativeResize="0"/>
+          <p:cNvPr id="1026" name="Picture 2" descr="bff_akka">
+            <a:extLst>
+              <a:ext uri="{FF2B5EF4-FFF2-40B4-BE49-F238E27FC236}">
+                <a16:creationId xmlns:a16="http://schemas.microsoft.com/office/drawing/2014/main" id="{06400289-861E-BE4D-0CB2-ACB65DBA0F1C}"/>
+              </a:ext>
+            </a:extLst>
+          </p:cNvPr>
+          <p:cNvPicPr>
+            <a:picLocks noChangeAspect="1" noChangeArrowheads="1"/>
+          </p:cNvPicPr>
           <p:nvPr/>
         </p:nvPicPr>
         <p:blipFill>
-          <a:blip r:embed="rId3">
-            <a:alphaModFix/>
+          <a:blip r:embed="rId2">
+            <a:extLst>
+              <a:ext uri="{28A0092B-C50C-407E-A947-70E740481C1C}">
+                <a14:useLocalDpi xmlns:a14="http://schemas.microsoft.com/office/drawing/2010/main" val="0"/>
+              </a:ext>
+            </a:extLst>
           </a:blip>
+          <a:srcRect/>
           <a:stretch>
             <a:fillRect/>
           </a:stretch>
         </p:blipFill>
-        <p:spPr>
+        <p:spPr bwMode="auto">
           <a:xfrm>
-            <a:off x="1847550" y="113650"/>
-            <a:ext cx="5913968" cy="4838701"/>
+            <a:off x="381664" y="1017725"/>
+            <a:ext cx="8197794" cy="688842"/>
           </a:xfrm>
           <a:prstGeom prst="rect">
             <a:avLst/>
           </a:prstGeom>
           <a:noFill/>
-          <a:ln>
-            <a:noFill/>
-          </a:ln>
+          <a:extLst>
+            <a:ext uri="{909E8E84-426E-40DD-AFC4-6F175D3DCCD1}">
+              <a14:hiddenFill xmlns:a14="http://schemas.microsoft.com/office/drawing/2010/main">
+                <a:solidFill>
+                  <a:srgbClr val="FFFFFF"/>
+                </a:solidFill>
+              </a14:hiddenFill>
+            </a:ext>
+          </a:extLst>
         </p:spPr>
       </p:pic>
     </p:spTree>
+    <p:extLst>
+      <p:ext uri="{BB962C8B-B14F-4D97-AF65-F5344CB8AC3E}">
+        <p14:creationId xmlns:p14="http://schemas.microsoft.com/office/powerpoint/2010/main" val="3016667750"/>
+      </p:ext>
+    </p:extLst>
+  </p:cSld>
+  <p:clrMapOvr>
+    <a:masterClrMapping/>
+  </p:clrMapOvr>
+</p:sld>
+</file>
+
+<file path=ppt/slides/slide9.xml><?xml version="1.0" encoding="utf-8"?>
+<p:sld xmlns:a="http://schemas.openxmlformats.org/drawingml/2006/main" xmlns:r="http://schemas.openxmlformats.org/officeDocument/2006/relationships" xmlns:p="http://schemas.openxmlformats.org/presentationml/2006/main">
+  <p:cSld>
+    <p:spTree>
+      <p:nvGrpSpPr>
+        <p:cNvPr id="1" name=""/>
+        <p:cNvGrpSpPr/>
+        <p:nvPr/>
+      </p:nvGrpSpPr>
+      <p:grpSpPr>
+        <a:xfrm>
+          <a:off x="0" y="0"/>
+          <a:ext cx="0" cy="0"/>
+          <a:chOff x="0" y="0"/>
+          <a:chExt cx="0" cy="0"/>
+        </a:xfrm>
+      </p:grpSpPr>
+      <p:sp>
+        <p:nvSpPr>
+          <p:cNvPr id="2" name="Title 1">
+            <a:extLst>
+              <a:ext uri="{FF2B5EF4-FFF2-40B4-BE49-F238E27FC236}">
+                <a16:creationId xmlns:a16="http://schemas.microsoft.com/office/drawing/2014/main" id="{85469E38-4EF9-929A-0DAB-B847CDF6E359}"/>
+              </a:ext>
+            </a:extLst>
+          </p:cNvPr>
+          <p:cNvSpPr>
+            <a:spLocks noGrp="1"/>
+          </p:cNvSpPr>
+          <p:nvPr>
+            <p:ph type="title"/>
+          </p:nvPr>
+        </p:nvSpPr>
+        <p:spPr/>
+        <p:txBody>
+          <a:bodyPr>
+            <a:normAutofit fontScale="90000"/>
+          </a:bodyPr>
+          <a:lstStyle/>
+          <a:p>
+            <a:r>
+              <a:rPr lang="en-US" dirty="0"/>
+              <a:t>Spring </a:t>
+            </a:r>
+            <a:r>
+              <a:rPr lang="en-US" dirty="0" err="1"/>
+              <a:t>WebClient</a:t>
+            </a:r>
+            <a:r>
+              <a:rPr lang="en-US" dirty="0"/>
+              <a:t> BFF</a:t>
+            </a:r>
+          </a:p>
+        </p:txBody>
+      </p:sp>
+      <p:sp>
+        <p:nvSpPr>
+          <p:cNvPr id="3" name="Text Placeholder 2">
+            <a:extLst>
+              <a:ext uri="{FF2B5EF4-FFF2-40B4-BE49-F238E27FC236}">
+                <a16:creationId xmlns:a16="http://schemas.microsoft.com/office/drawing/2014/main" id="{EB99683C-6160-A14A-9E97-93EF5527A796}"/>
+              </a:ext>
+            </a:extLst>
+          </p:cNvPr>
+          <p:cNvSpPr>
+            <a:spLocks noGrp="1"/>
+          </p:cNvSpPr>
+          <p:nvPr>
+            <p:ph type="body" idx="1"/>
+          </p:nvPr>
+        </p:nvSpPr>
+        <p:spPr>
+          <a:xfrm>
+            <a:off x="100196" y="1017725"/>
+            <a:ext cx="8879212" cy="3416400"/>
+          </a:xfrm>
+        </p:spPr>
+        <p:txBody>
+          <a:bodyPr/>
+          <a:lstStyle/>
+          <a:p>
+            <a:r>
+              <a:rPr lang="en-US" dirty="0"/>
+              <a:t>The </a:t>
+            </a:r>
+            <a:r>
+              <a:rPr lang="en-US" dirty="0" err="1"/>
+              <a:t>Akka</a:t>
+            </a:r>
+            <a:r>
+              <a:rPr lang="en-US" dirty="0"/>
+              <a:t> HTTP version is faster and has higher throughput</a:t>
+            </a:r>
+          </a:p>
+          <a:p>
+            <a:r>
+              <a:rPr lang="en-US" dirty="0"/>
+              <a:t>When we try to increase the throughput of Spring version some requests get errors and API server get OOM</a:t>
+            </a:r>
+          </a:p>
+        </p:txBody>
+      </p:sp>
+      <p:pic>
+        <p:nvPicPr>
+          <p:cNvPr id="2050" name="Picture 2" descr="bff_spring">
+            <a:extLst>
+              <a:ext uri="{FF2B5EF4-FFF2-40B4-BE49-F238E27FC236}">
+                <a16:creationId xmlns:a16="http://schemas.microsoft.com/office/drawing/2014/main" id="{702F7B57-FB49-FF1B-F549-25AFC5BBDAF4}"/>
+              </a:ext>
+            </a:extLst>
+          </p:cNvPr>
+          <p:cNvPicPr>
+            <a:picLocks noChangeAspect="1" noChangeArrowheads="1"/>
+          </p:cNvPicPr>
+          <p:nvPr/>
+        </p:nvPicPr>
+        <p:blipFill>
+          <a:blip r:embed="rId2">
+            <a:extLst>
+              <a:ext uri="{28A0092B-C50C-407E-A947-70E740481C1C}">
+                <a14:useLocalDpi xmlns:a14="http://schemas.microsoft.com/office/drawing/2010/main" val="0"/>
+              </a:ext>
+            </a:extLst>
+          </a:blip>
+          <a:srcRect/>
+          <a:stretch>
+            <a:fillRect/>
+          </a:stretch>
+        </p:blipFill>
+        <p:spPr bwMode="auto">
+          <a:xfrm>
+            <a:off x="0" y="2323490"/>
+            <a:ext cx="9144000" cy="1082675"/>
+          </a:xfrm>
+          <a:prstGeom prst="rect">
+            <a:avLst/>
+          </a:prstGeom>
+          <a:noFill/>
+          <a:extLst>
+            <a:ext uri="{909E8E84-426E-40DD-AFC4-6F175D3DCCD1}">
+              <a14:hiddenFill xmlns:a14="http://schemas.microsoft.com/office/drawing/2010/main">
+                <a:solidFill>
+                  <a:srgbClr val="FFFFFF"/>
+                </a:solidFill>
+              </a14:hiddenFill>
+            </a:ext>
+          </a:extLst>
+        </p:spPr>
+      </p:pic>
+      <p:pic>
+        <p:nvPicPr>
+          <p:cNvPr id="2052" name="Picture 4" descr="bff_spring_error">
+            <a:extLst>
+              <a:ext uri="{FF2B5EF4-FFF2-40B4-BE49-F238E27FC236}">
+                <a16:creationId xmlns:a16="http://schemas.microsoft.com/office/drawing/2014/main" id="{2E01A83C-7F3D-0C6F-53F5-3283CE4F68C6}"/>
+              </a:ext>
+            </a:extLst>
+          </p:cNvPr>
+          <p:cNvPicPr>
+            <a:picLocks noChangeAspect="1" noChangeArrowheads="1"/>
+          </p:cNvPicPr>
+          <p:nvPr/>
+        </p:nvPicPr>
+        <p:blipFill>
+          <a:blip r:embed="rId3">
+            <a:extLst>
+              <a:ext uri="{28A0092B-C50C-407E-A947-70E740481C1C}">
+                <a14:useLocalDpi xmlns:a14="http://schemas.microsoft.com/office/drawing/2010/main" val="0"/>
+              </a:ext>
+            </a:extLst>
+          </a:blip>
+          <a:srcRect/>
+          <a:stretch>
+            <a:fillRect/>
+          </a:stretch>
+        </p:blipFill>
+        <p:spPr bwMode="auto">
+          <a:xfrm>
+            <a:off x="0" y="3568369"/>
+            <a:ext cx="9144000" cy="1281113"/>
+          </a:xfrm>
+          <a:prstGeom prst="rect">
+            <a:avLst/>
+          </a:prstGeom>
+          <a:noFill/>
+          <a:extLst>
+            <a:ext uri="{909E8E84-426E-40DD-AFC4-6F175D3DCCD1}">
+              <a14:hiddenFill xmlns:a14="http://schemas.microsoft.com/office/drawing/2010/main">
+                <a:solidFill>
+                  <a:srgbClr val="FFFFFF"/>
+                </a:solidFill>
+              </a14:hiddenFill>
+            </a:ext>
+          </a:extLst>
+        </p:spPr>
+      </p:pic>
+    </p:spTree>
+    <p:extLst>
+      <p:ext uri="{BB962C8B-B14F-4D97-AF65-F5344CB8AC3E}">
+        <p14:creationId xmlns:p14="http://schemas.microsoft.com/office/powerpoint/2010/main" val="737435786"/>
+      </p:ext>
+    </p:extLst>
   </p:cSld>
   <p:clrMapOvr>
     <a:masterClrMapping/>
@@ -7790,7 +8556,7 @@
 </file>
 
 <file path=ppt/theme/theme1.xml><?xml version="1.0" encoding="utf-8"?>
-<a:theme xmlns:a="http://schemas.openxmlformats.org/drawingml/2006/main" xmlns:r="http://schemas.openxmlformats.org/officeDocument/2006/relationships" name="Simple Light">
+<a:theme xmlns:a="http://schemas.openxmlformats.org/drawingml/2006/main" name="Simple Light">
   <a:themeElements>
     <a:clrScheme name="Simple Light">
       <a:dk1>
@@ -8065,11 +8831,13 @@
       </a:bgFillStyleLst>
     </a:fmtScheme>
   </a:themeElements>
+  <a:objectDefaults/>
+  <a:extraClrSchemeLst/>
 </a:theme>
 </file>
 
 <file path=ppt/theme/theme2.xml><?xml version="1.0" encoding="utf-8"?>
-<a:theme xmlns:a="http://schemas.openxmlformats.org/drawingml/2006/main" xmlns:r="http://schemas.openxmlformats.org/officeDocument/2006/relationships">
+<a:theme xmlns:a="http://schemas.openxmlformats.org/drawingml/2006/main">
   <a:themeElements>
     <a:clrScheme name="Default">
       <a:dk1>
@@ -8344,5 +9112,7 @@
       </a:bgFillStyleLst>
     </a:fmtScheme>
   </a:themeElements>
+  <a:objectDefaults/>
+  <a:extraClrSchemeLst/>
 </a:theme>
 </file>